--- a/projet/doc/presentation-projet.pptx
+++ b/projet/doc/presentation-projet.pptx
@@ -5,30 +5,27 @@
     <p:sldMasterId id="2147483650" r:id="rId1"/>
   </p:sldMasterIdLst>
   <p:notesMasterIdLst>
-    <p:notesMasterId r:id="rId23"/>
+    <p:notesMasterId r:id="rId20"/>
   </p:notesMasterIdLst>
   <p:sldIdLst>
     <p:sldId id="269" r:id="rId2"/>
     <p:sldId id="278" r:id="rId3"/>
     <p:sldId id="277" r:id="rId4"/>
-    <p:sldId id="256" r:id="rId5"/>
-    <p:sldId id="258" r:id="rId6"/>
-    <p:sldId id="264" r:id="rId7"/>
-    <p:sldId id="266" r:id="rId8"/>
-    <p:sldId id="259" r:id="rId9"/>
-    <p:sldId id="260" r:id="rId10"/>
-    <p:sldId id="261" r:id="rId11"/>
-    <p:sldId id="262" r:id="rId12"/>
-    <p:sldId id="263" r:id="rId13"/>
-    <p:sldId id="274" r:id="rId14"/>
-    <p:sldId id="271" r:id="rId15"/>
-    <p:sldId id="270" r:id="rId16"/>
+    <p:sldId id="271" r:id="rId5"/>
+    <p:sldId id="256" r:id="rId6"/>
+    <p:sldId id="258" r:id="rId7"/>
+    <p:sldId id="267" r:id="rId8"/>
+    <p:sldId id="266" r:id="rId9"/>
+    <p:sldId id="268" r:id="rId10"/>
+    <p:sldId id="259" r:id="rId11"/>
+    <p:sldId id="260" r:id="rId12"/>
+    <p:sldId id="261" r:id="rId13"/>
+    <p:sldId id="262" r:id="rId14"/>
+    <p:sldId id="263" r:id="rId15"/>
+    <p:sldId id="274" r:id="rId16"/>
     <p:sldId id="276" r:id="rId17"/>
-    <p:sldId id="267" r:id="rId18"/>
-    <p:sldId id="268" r:id="rId19"/>
-    <p:sldId id="275" r:id="rId20"/>
-    <p:sldId id="273" r:id="rId21"/>
-    <p:sldId id="272" r:id="rId22"/>
+    <p:sldId id="275" r:id="rId18"/>
+    <p:sldId id="273" r:id="rId19"/>
   </p:sldIdLst>
   <p:sldSz cx="9144000" cy="6858000" type="screen4x3"/>
   <p:notesSz cx="7559675" cy="10691813"/>
@@ -384,7 +381,7 @@
     </p:spTree>
     <p:extLst>
       <p:ext uri="{BB962C8B-B14F-4D97-AF65-F5344CB8AC3E}">
-        <p14:creationId xmlns="" xmlns:p14="http://schemas.microsoft.com/office/powerpoint/2010/main" val="153336887"/>
+        <p14:creationId xmlns:p14="http://schemas.microsoft.com/office/powerpoint/2010/main" xmlns="" val="153336887"/>
       </p:ext>
     </p:extLst>
   </p:cSld>
@@ -3779,7 +3776,7 @@
             <a:blip r:embed="rId2" cstate="print">
               <a:extLst>
                 <a:ext uri="{28A0092B-C50C-407E-A947-70E740481C1C}">
-                  <a14:useLocalDpi xmlns="" xmlns:a14="http://schemas.microsoft.com/office/drawing/2010/main" val="0"/>
+                  <a14:useLocalDpi xmlns:a14="http://schemas.microsoft.com/office/drawing/2010/main" xmlns="" val="0"/>
                 </a:ext>
               </a:extLst>
             </a:blip>
@@ -3809,7 +3806,7 @@
             <a:blip r:embed="rId3" cstate="print">
               <a:extLst>
                 <a:ext uri="{28A0092B-C50C-407E-A947-70E740481C1C}">
-                  <a14:useLocalDpi xmlns="" xmlns:a14="http://schemas.microsoft.com/office/drawing/2010/main" val="0"/>
+                  <a14:useLocalDpi xmlns:a14="http://schemas.microsoft.com/office/drawing/2010/main" xmlns="" val="0"/>
                 </a:ext>
               </a:extLst>
             </a:blip>
@@ -3892,7 +3889,7 @@
           <a:blip r:embed="rId4" cstate="print">
             <a:extLst>
               <a:ext uri="{28A0092B-C50C-407E-A947-70E740481C1C}">
-                <a14:useLocalDpi xmlns="" xmlns:a14="http://schemas.microsoft.com/office/drawing/2010/main" val="0"/>
+                <a14:useLocalDpi xmlns:a14="http://schemas.microsoft.com/office/drawing/2010/main" xmlns="" val="0"/>
               </a:ext>
             </a:extLst>
           </a:blip>
@@ -3922,7 +3919,7 @@
           <a:blip r:embed="rId5" cstate="print">
             <a:extLst>
               <a:ext uri="{28A0092B-C50C-407E-A947-70E740481C1C}">
-                <a14:useLocalDpi xmlns="" xmlns:a14="http://schemas.microsoft.com/office/drawing/2010/main" val="0"/>
+                <a14:useLocalDpi xmlns:a14="http://schemas.microsoft.com/office/drawing/2010/main" xmlns="" val="0"/>
               </a:ext>
             </a:extLst>
           </a:blip>
@@ -4021,7 +4018,7 @@
           <a:p>
             <a:r>
               <a:rPr lang="fr-FR" dirty="0" smtClean="0"/>
-              <a:t>Ordinateur</a:t>
+              <a:t>Plateau</a:t>
             </a:r>
             <a:endParaRPr lang="fr-FR" dirty="0"/>
           </a:p>
@@ -4061,102 +4058,861 @@
             <a:pPr>
               <a:buNone/>
             </a:pPr>
-            <a:endParaRPr lang="fr-FR" sz="1200" dirty="0">
-              <a:latin typeface="Consolas" pitchFamily="49" charset="0"/>
-              <a:cs typeface="Consolas" pitchFamily="49" charset="0"/>
-            </a:endParaRPr>
+            <a:r>
+              <a:rPr lang="fr-FR" sz="1200" dirty="0" err="1" smtClean="0">
+                <a:latin typeface="Consolas" pitchFamily="49" charset="0"/>
+                <a:cs typeface="Consolas" pitchFamily="49" charset="0"/>
+              </a:rPr>
+              <a:t>void</a:t>
+            </a:r>
+            <a:r>
+              <a:rPr lang="fr-FR" sz="1200" dirty="0" smtClean="0">
+                <a:latin typeface="Consolas" pitchFamily="49" charset="0"/>
+                <a:cs typeface="Consolas" pitchFamily="49" charset="0"/>
+              </a:rPr>
+              <a:t> 	</a:t>
+            </a:r>
+            <a:r>
+              <a:rPr lang="fr-FR" sz="1200" dirty="0" err="1" smtClean="0">
+                <a:latin typeface="Consolas" pitchFamily="49" charset="0"/>
+                <a:cs typeface="Consolas" pitchFamily="49" charset="0"/>
+              </a:rPr>
+              <a:t>plateauInit</a:t>
+            </a:r>
+            <a:r>
+              <a:rPr lang="fr-FR" sz="1200" dirty="0" smtClean="0">
+                <a:latin typeface="Consolas" pitchFamily="49" charset="0"/>
+                <a:cs typeface="Consolas" pitchFamily="49" charset="0"/>
+              </a:rPr>
+              <a:t> (Plateau *p, </a:t>
+            </a:r>
+            <a:r>
+              <a:rPr lang="fr-FR" sz="1200" dirty="0" err="1" smtClean="0">
+                <a:latin typeface="Consolas" pitchFamily="49" charset="0"/>
+                <a:cs typeface="Consolas" pitchFamily="49" charset="0"/>
+              </a:rPr>
+              <a:t>int</a:t>
+            </a:r>
+            <a:r>
+              <a:rPr lang="fr-FR" sz="1200" dirty="0" smtClean="0">
+                <a:latin typeface="Consolas" pitchFamily="49" charset="0"/>
+                <a:cs typeface="Consolas" pitchFamily="49" charset="0"/>
+              </a:rPr>
+              <a:t> </a:t>
+            </a:r>
+            <a:r>
+              <a:rPr lang="fr-FR" sz="1200" dirty="0" err="1" smtClean="0">
+                <a:latin typeface="Consolas" pitchFamily="49" charset="0"/>
+                <a:cs typeface="Consolas" pitchFamily="49" charset="0"/>
+              </a:rPr>
+              <a:t>capacite</a:t>
+            </a:r>
+            <a:r>
+              <a:rPr lang="fr-FR" sz="1200" dirty="0" smtClean="0">
+                <a:latin typeface="Consolas" pitchFamily="49" charset="0"/>
+                <a:cs typeface="Consolas" pitchFamily="49" charset="0"/>
+              </a:rPr>
+              <a:t>)</a:t>
+            </a:r>
+          </a:p>
+          <a:p>
+            <a:pPr>
+              <a:buNone/>
+            </a:pPr>
+            <a:r>
+              <a:rPr lang="fr-FR" sz="1200" dirty="0" err="1" smtClean="0">
+                <a:latin typeface="Consolas" pitchFamily="49" charset="0"/>
+                <a:cs typeface="Consolas" pitchFamily="49" charset="0"/>
+              </a:rPr>
+              <a:t>int</a:t>
+            </a:r>
+            <a:r>
+              <a:rPr lang="fr-FR" sz="1200" dirty="0" smtClean="0">
+                <a:latin typeface="Consolas" pitchFamily="49" charset="0"/>
+                <a:cs typeface="Consolas" pitchFamily="49" charset="0"/>
+              </a:rPr>
+              <a:t> 		</a:t>
+            </a:r>
+            <a:r>
+              <a:rPr lang="fr-FR" sz="1200" dirty="0" err="1" smtClean="0">
+                <a:latin typeface="Consolas" pitchFamily="49" charset="0"/>
+                <a:cs typeface="Consolas" pitchFamily="49" charset="0"/>
+              </a:rPr>
+              <a:t>plateauSourisDansCase</a:t>
+            </a:r>
+            <a:r>
+              <a:rPr lang="fr-FR" sz="1200" dirty="0" smtClean="0">
+                <a:latin typeface="Consolas" pitchFamily="49" charset="0"/>
+                <a:cs typeface="Consolas" pitchFamily="49" charset="0"/>
+              </a:rPr>
+              <a:t> (</a:t>
+            </a:r>
+            <a:r>
+              <a:rPr lang="fr-FR" sz="1200" dirty="0" err="1" smtClean="0">
+                <a:latin typeface="Consolas" pitchFamily="49" charset="0"/>
+                <a:cs typeface="Consolas" pitchFamily="49" charset="0"/>
+              </a:rPr>
+              <a:t>int</a:t>
+            </a:r>
+            <a:r>
+              <a:rPr lang="fr-FR" sz="1200" dirty="0" smtClean="0">
+                <a:latin typeface="Consolas" pitchFamily="49" charset="0"/>
+                <a:cs typeface="Consolas" pitchFamily="49" charset="0"/>
+              </a:rPr>
+              <a:t> </a:t>
+            </a:r>
+            <a:r>
+              <a:rPr lang="fr-FR" sz="1200" dirty="0" err="1" smtClean="0">
+                <a:latin typeface="Consolas" pitchFamily="49" charset="0"/>
+                <a:cs typeface="Consolas" pitchFamily="49" charset="0"/>
+              </a:rPr>
+              <a:t>sx</a:t>
+            </a:r>
+            <a:r>
+              <a:rPr lang="fr-FR" sz="1200" dirty="0" smtClean="0">
+                <a:latin typeface="Consolas" pitchFamily="49" charset="0"/>
+                <a:cs typeface="Consolas" pitchFamily="49" charset="0"/>
+              </a:rPr>
+              <a:t>, </a:t>
+            </a:r>
+            <a:r>
+              <a:rPr lang="fr-FR" sz="1200" dirty="0" err="1" smtClean="0">
+                <a:latin typeface="Consolas" pitchFamily="49" charset="0"/>
+                <a:cs typeface="Consolas" pitchFamily="49" charset="0"/>
+              </a:rPr>
+              <a:t>int</a:t>
+            </a:r>
+            <a:r>
+              <a:rPr lang="fr-FR" sz="1200" dirty="0" smtClean="0">
+                <a:latin typeface="Consolas" pitchFamily="49" charset="0"/>
+                <a:cs typeface="Consolas" pitchFamily="49" charset="0"/>
+              </a:rPr>
+              <a:t> </a:t>
+            </a:r>
+            <a:r>
+              <a:rPr lang="fr-FR" sz="1200" dirty="0" err="1" smtClean="0">
+                <a:latin typeface="Consolas" pitchFamily="49" charset="0"/>
+                <a:cs typeface="Consolas" pitchFamily="49" charset="0"/>
+              </a:rPr>
+              <a:t>sy</a:t>
+            </a:r>
+            <a:r>
+              <a:rPr lang="fr-FR" sz="1200" dirty="0" smtClean="0">
+                <a:latin typeface="Consolas" pitchFamily="49" charset="0"/>
+                <a:cs typeface="Consolas" pitchFamily="49" charset="0"/>
+              </a:rPr>
+              <a:t>, </a:t>
+            </a:r>
+            <a:r>
+              <a:rPr lang="fr-FR" sz="1200" dirty="0" err="1" smtClean="0">
+                <a:latin typeface="Consolas" pitchFamily="49" charset="0"/>
+                <a:cs typeface="Consolas" pitchFamily="49" charset="0"/>
+              </a:rPr>
+              <a:t>const</a:t>
+            </a:r>
+            <a:r>
+              <a:rPr lang="fr-FR" sz="1200" dirty="0" smtClean="0">
+                <a:latin typeface="Consolas" pitchFamily="49" charset="0"/>
+                <a:cs typeface="Consolas" pitchFamily="49" charset="0"/>
+              </a:rPr>
+              <a:t> Case *c, </a:t>
+            </a:r>
+            <a:r>
+              <a:rPr lang="fr-FR" sz="1200" dirty="0" err="1" smtClean="0">
+                <a:latin typeface="Consolas" pitchFamily="49" charset="0"/>
+                <a:cs typeface="Consolas" pitchFamily="49" charset="0"/>
+              </a:rPr>
+              <a:t>int</a:t>
+            </a:r>
+            <a:r>
+              <a:rPr lang="fr-FR" sz="1200" dirty="0" smtClean="0">
+                <a:latin typeface="Consolas" pitchFamily="49" charset="0"/>
+                <a:cs typeface="Consolas" pitchFamily="49" charset="0"/>
+              </a:rPr>
+              <a:t> </a:t>
+            </a:r>
+            <a:r>
+              <a:rPr lang="fr-FR" sz="1200" dirty="0" err="1" smtClean="0">
+                <a:latin typeface="Consolas" pitchFamily="49" charset="0"/>
+                <a:cs typeface="Consolas" pitchFamily="49" charset="0"/>
+              </a:rPr>
+              <a:t>dim</a:t>
+            </a:r>
+            <a:r>
+              <a:rPr lang="fr-FR" sz="1200" dirty="0" smtClean="0">
+                <a:latin typeface="Consolas" pitchFamily="49" charset="0"/>
+                <a:cs typeface="Consolas" pitchFamily="49" charset="0"/>
+              </a:rPr>
+              <a:t>)</a:t>
+            </a:r>
+          </a:p>
+          <a:p>
+            <a:pPr>
+              <a:buNone/>
+            </a:pPr>
+            <a:r>
+              <a:rPr lang="fr-FR" sz="1200" dirty="0" smtClean="0">
+                <a:latin typeface="Consolas" pitchFamily="49" charset="0"/>
+                <a:cs typeface="Consolas" pitchFamily="49" charset="0"/>
+              </a:rPr>
+              <a:t>Case * 	</a:t>
+            </a:r>
+            <a:r>
+              <a:rPr lang="fr-FR" sz="1200" dirty="0" err="1" smtClean="0">
+                <a:latin typeface="Consolas" pitchFamily="49" charset="0"/>
+                <a:cs typeface="Consolas" pitchFamily="49" charset="0"/>
+              </a:rPr>
+              <a:t>plateauCaseSurvollee</a:t>
+            </a:r>
+            <a:r>
+              <a:rPr lang="fr-FR" sz="1200" dirty="0" smtClean="0">
+                <a:latin typeface="Consolas" pitchFamily="49" charset="0"/>
+                <a:cs typeface="Consolas" pitchFamily="49" charset="0"/>
+              </a:rPr>
+              <a:t> (</a:t>
+            </a:r>
+            <a:r>
+              <a:rPr lang="fr-FR" sz="1200" dirty="0" err="1" smtClean="0">
+                <a:latin typeface="Consolas" pitchFamily="49" charset="0"/>
+                <a:cs typeface="Consolas" pitchFamily="49" charset="0"/>
+              </a:rPr>
+              <a:t>int</a:t>
+            </a:r>
+            <a:r>
+              <a:rPr lang="fr-FR" sz="1200" dirty="0" smtClean="0">
+                <a:latin typeface="Consolas" pitchFamily="49" charset="0"/>
+                <a:cs typeface="Consolas" pitchFamily="49" charset="0"/>
+              </a:rPr>
+              <a:t> </a:t>
+            </a:r>
+            <a:r>
+              <a:rPr lang="fr-FR" sz="1200" dirty="0" err="1" smtClean="0">
+                <a:latin typeface="Consolas" pitchFamily="49" charset="0"/>
+                <a:cs typeface="Consolas" pitchFamily="49" charset="0"/>
+              </a:rPr>
+              <a:t>sx</a:t>
+            </a:r>
+            <a:r>
+              <a:rPr lang="fr-FR" sz="1200" dirty="0" smtClean="0">
+                <a:latin typeface="Consolas" pitchFamily="49" charset="0"/>
+                <a:cs typeface="Consolas" pitchFamily="49" charset="0"/>
+              </a:rPr>
+              <a:t>, </a:t>
+            </a:r>
+            <a:r>
+              <a:rPr lang="fr-FR" sz="1200" dirty="0" err="1" smtClean="0">
+                <a:latin typeface="Consolas" pitchFamily="49" charset="0"/>
+                <a:cs typeface="Consolas" pitchFamily="49" charset="0"/>
+              </a:rPr>
+              <a:t>int</a:t>
+            </a:r>
+            <a:r>
+              <a:rPr lang="fr-FR" sz="1200" dirty="0" smtClean="0">
+                <a:latin typeface="Consolas" pitchFamily="49" charset="0"/>
+                <a:cs typeface="Consolas" pitchFamily="49" charset="0"/>
+              </a:rPr>
+              <a:t> </a:t>
+            </a:r>
+            <a:r>
+              <a:rPr lang="fr-FR" sz="1200" dirty="0" err="1" smtClean="0">
+                <a:latin typeface="Consolas" pitchFamily="49" charset="0"/>
+                <a:cs typeface="Consolas" pitchFamily="49" charset="0"/>
+              </a:rPr>
+              <a:t>sy</a:t>
+            </a:r>
+            <a:r>
+              <a:rPr lang="fr-FR" sz="1200" dirty="0" smtClean="0">
+                <a:latin typeface="Consolas" pitchFamily="49" charset="0"/>
+                <a:cs typeface="Consolas" pitchFamily="49" charset="0"/>
+              </a:rPr>
+              <a:t>, </a:t>
+            </a:r>
+            <a:r>
+              <a:rPr lang="fr-FR" sz="1200" dirty="0" err="1" smtClean="0">
+                <a:latin typeface="Consolas" pitchFamily="49" charset="0"/>
+                <a:cs typeface="Consolas" pitchFamily="49" charset="0"/>
+              </a:rPr>
+              <a:t>const</a:t>
+            </a:r>
+            <a:r>
+              <a:rPr lang="fr-FR" sz="1200" dirty="0" smtClean="0">
+                <a:latin typeface="Consolas" pitchFamily="49" charset="0"/>
+                <a:cs typeface="Consolas" pitchFamily="49" charset="0"/>
+              </a:rPr>
+              <a:t> Plateau *p, </a:t>
+            </a:r>
+            <a:r>
+              <a:rPr lang="fr-FR" sz="1200" dirty="0" err="1" smtClean="0">
+                <a:latin typeface="Consolas" pitchFamily="49" charset="0"/>
+                <a:cs typeface="Consolas" pitchFamily="49" charset="0"/>
+              </a:rPr>
+              <a:t>int</a:t>
+            </a:r>
+            <a:r>
+              <a:rPr lang="fr-FR" sz="1200" dirty="0" smtClean="0">
+                <a:latin typeface="Consolas" pitchFamily="49" charset="0"/>
+                <a:cs typeface="Consolas" pitchFamily="49" charset="0"/>
+              </a:rPr>
+              <a:t> </a:t>
+            </a:r>
+            <a:r>
+              <a:rPr lang="fr-FR" sz="1200" dirty="0" err="1" smtClean="0">
+                <a:latin typeface="Consolas" pitchFamily="49" charset="0"/>
+                <a:cs typeface="Consolas" pitchFamily="49" charset="0"/>
+              </a:rPr>
+              <a:t>dim</a:t>
+            </a:r>
+            <a:r>
+              <a:rPr lang="fr-FR" sz="1200" dirty="0" smtClean="0">
+                <a:latin typeface="Consolas" pitchFamily="49" charset="0"/>
+                <a:cs typeface="Consolas" pitchFamily="49" charset="0"/>
+              </a:rPr>
+              <a:t>)</a:t>
+            </a:r>
+          </a:p>
+          <a:p>
+            <a:pPr>
+              <a:buNone/>
+            </a:pPr>
+            <a:r>
+              <a:rPr lang="fr-FR" sz="1200" dirty="0" err="1" smtClean="0">
+                <a:latin typeface="Consolas" pitchFamily="49" charset="0"/>
+                <a:cs typeface="Consolas" pitchFamily="49" charset="0"/>
+              </a:rPr>
+              <a:t>void</a:t>
+            </a:r>
+            <a:r>
+              <a:rPr lang="fr-FR" sz="1200" dirty="0" smtClean="0">
+                <a:latin typeface="Consolas" pitchFamily="49" charset="0"/>
+                <a:cs typeface="Consolas" pitchFamily="49" charset="0"/>
+              </a:rPr>
+              <a:t> 	</a:t>
+            </a:r>
+            <a:r>
+              <a:rPr lang="fr-FR" sz="1200" dirty="0" err="1" smtClean="0">
+                <a:latin typeface="Consolas" pitchFamily="49" charset="0"/>
+                <a:cs typeface="Consolas" pitchFamily="49" charset="0"/>
+              </a:rPr>
+              <a:t>plateauLireFichier</a:t>
+            </a:r>
+            <a:r>
+              <a:rPr lang="fr-FR" sz="1200" dirty="0" smtClean="0">
+                <a:latin typeface="Consolas" pitchFamily="49" charset="0"/>
+                <a:cs typeface="Consolas" pitchFamily="49" charset="0"/>
+              </a:rPr>
+              <a:t> (Plateau *p, </a:t>
+            </a:r>
+            <a:r>
+              <a:rPr lang="fr-FR" sz="1200" dirty="0" err="1" smtClean="0">
+                <a:latin typeface="Consolas" pitchFamily="49" charset="0"/>
+                <a:cs typeface="Consolas" pitchFamily="49" charset="0"/>
+              </a:rPr>
+              <a:t>const</a:t>
+            </a:r>
+            <a:r>
+              <a:rPr lang="fr-FR" sz="1200" dirty="0" smtClean="0">
+                <a:latin typeface="Consolas" pitchFamily="49" charset="0"/>
+                <a:cs typeface="Consolas" pitchFamily="49" charset="0"/>
+              </a:rPr>
+              <a:t> char </a:t>
+            </a:r>
+            <a:r>
+              <a:rPr lang="fr-FR" sz="1200" dirty="0" err="1" smtClean="0">
+                <a:latin typeface="Consolas" pitchFamily="49" charset="0"/>
+                <a:cs typeface="Consolas" pitchFamily="49" charset="0"/>
+              </a:rPr>
+              <a:t>filename</a:t>
+            </a:r>
+            <a:r>
+              <a:rPr lang="fr-FR" sz="1200" dirty="0" smtClean="0">
+                <a:latin typeface="Consolas" pitchFamily="49" charset="0"/>
+                <a:cs typeface="Consolas" pitchFamily="49" charset="0"/>
+              </a:rPr>
+              <a:t>[], </a:t>
+            </a:r>
+            <a:r>
+              <a:rPr lang="fr-FR" sz="1200" dirty="0" err="1" smtClean="0">
+                <a:latin typeface="Consolas" pitchFamily="49" charset="0"/>
+                <a:cs typeface="Consolas" pitchFamily="49" charset="0"/>
+              </a:rPr>
+              <a:t>int</a:t>
+            </a:r>
+            <a:r>
+              <a:rPr lang="fr-FR" sz="1200" dirty="0" smtClean="0">
+                <a:latin typeface="Consolas" pitchFamily="49" charset="0"/>
+                <a:cs typeface="Consolas" pitchFamily="49" charset="0"/>
+              </a:rPr>
+              <a:t> *joueur)</a:t>
+            </a:r>
+          </a:p>
+          <a:p>
+            <a:pPr>
+              <a:buNone/>
+            </a:pPr>
+            <a:r>
+              <a:rPr lang="fr-FR" sz="1200" dirty="0" err="1" smtClean="0">
+                <a:latin typeface="Consolas" pitchFamily="49" charset="0"/>
+                <a:cs typeface="Consolas" pitchFamily="49" charset="0"/>
+              </a:rPr>
+              <a:t>void</a:t>
+            </a:r>
+            <a:r>
+              <a:rPr lang="fr-FR" sz="1200" dirty="0" smtClean="0">
+                <a:latin typeface="Consolas" pitchFamily="49" charset="0"/>
+                <a:cs typeface="Consolas" pitchFamily="49" charset="0"/>
+              </a:rPr>
+              <a:t> 	</a:t>
+            </a:r>
+            <a:r>
+              <a:rPr lang="fr-FR" sz="1200" dirty="0" err="1" smtClean="0">
+                <a:latin typeface="Consolas" pitchFamily="49" charset="0"/>
+                <a:cs typeface="Consolas" pitchFamily="49" charset="0"/>
+              </a:rPr>
+              <a:t>plateauEcrireFichier</a:t>
+            </a:r>
+            <a:r>
+              <a:rPr lang="fr-FR" sz="1200" dirty="0" smtClean="0">
+                <a:latin typeface="Consolas" pitchFamily="49" charset="0"/>
+                <a:cs typeface="Consolas" pitchFamily="49" charset="0"/>
+              </a:rPr>
+              <a:t> (Plateau *p, </a:t>
+            </a:r>
+            <a:r>
+              <a:rPr lang="fr-FR" sz="1200" dirty="0" err="1" smtClean="0">
+                <a:latin typeface="Consolas" pitchFamily="49" charset="0"/>
+                <a:cs typeface="Consolas" pitchFamily="49" charset="0"/>
+              </a:rPr>
+              <a:t>int</a:t>
+            </a:r>
+            <a:r>
+              <a:rPr lang="fr-FR" sz="1200" dirty="0" smtClean="0">
+                <a:latin typeface="Consolas" pitchFamily="49" charset="0"/>
+                <a:cs typeface="Consolas" pitchFamily="49" charset="0"/>
+              </a:rPr>
+              <a:t> </a:t>
+            </a:r>
+            <a:r>
+              <a:rPr lang="fr-FR" sz="1200" dirty="0" err="1" smtClean="0">
+                <a:latin typeface="Consolas" pitchFamily="49" charset="0"/>
+                <a:cs typeface="Consolas" pitchFamily="49" charset="0"/>
+              </a:rPr>
+              <a:t>qui_joue</a:t>
+            </a:r>
+            <a:r>
+              <a:rPr lang="fr-FR" sz="1200" dirty="0" smtClean="0">
+                <a:latin typeface="Consolas" pitchFamily="49" charset="0"/>
+                <a:cs typeface="Consolas" pitchFamily="49" charset="0"/>
+              </a:rPr>
+              <a:t>, </a:t>
+            </a:r>
+            <a:r>
+              <a:rPr lang="fr-FR" sz="1200" dirty="0" err="1" smtClean="0">
+                <a:latin typeface="Consolas" pitchFamily="49" charset="0"/>
+                <a:cs typeface="Consolas" pitchFamily="49" charset="0"/>
+              </a:rPr>
+              <a:t>int</a:t>
+            </a:r>
+            <a:r>
+              <a:rPr lang="fr-FR" sz="1200" dirty="0" smtClean="0">
+                <a:latin typeface="Consolas" pitchFamily="49" charset="0"/>
+                <a:cs typeface="Consolas" pitchFamily="49" charset="0"/>
+              </a:rPr>
+              <a:t> </a:t>
+            </a:r>
+            <a:r>
+              <a:rPr lang="fr-FR" sz="1200" dirty="0" err="1" smtClean="0">
+                <a:latin typeface="Consolas" pitchFamily="49" charset="0"/>
+                <a:cs typeface="Consolas" pitchFamily="49" charset="0"/>
+              </a:rPr>
+              <a:t>contreordi</a:t>
+            </a:r>
+            <a:r>
+              <a:rPr lang="fr-FR" sz="1200" dirty="0" smtClean="0">
+                <a:latin typeface="Consolas" pitchFamily="49" charset="0"/>
+                <a:cs typeface="Consolas" pitchFamily="49" charset="0"/>
+              </a:rPr>
+              <a:t>, </a:t>
+            </a:r>
+            <a:r>
+              <a:rPr lang="fr-FR" sz="1200" dirty="0" err="1" smtClean="0">
+                <a:latin typeface="Consolas" pitchFamily="49" charset="0"/>
+                <a:cs typeface="Consolas" pitchFamily="49" charset="0"/>
+              </a:rPr>
+              <a:t>int</a:t>
+            </a:r>
+            <a:r>
+              <a:rPr lang="fr-FR" sz="1200" dirty="0" smtClean="0">
+                <a:latin typeface="Consolas" pitchFamily="49" charset="0"/>
+                <a:cs typeface="Consolas" pitchFamily="49" charset="0"/>
+              </a:rPr>
+              <a:t> </a:t>
+            </a:r>
+            <a:r>
+              <a:rPr lang="fr-FR" sz="1200" dirty="0" err="1" smtClean="0">
+                <a:latin typeface="Consolas" pitchFamily="49" charset="0"/>
+                <a:cs typeface="Consolas" pitchFamily="49" charset="0"/>
+              </a:rPr>
+              <a:t>niveauordi</a:t>
+            </a:r>
+            <a:r>
+              <a:rPr lang="fr-FR" sz="1200" dirty="0" smtClean="0">
+                <a:latin typeface="Consolas" pitchFamily="49" charset="0"/>
+                <a:cs typeface="Consolas" pitchFamily="49" charset="0"/>
+              </a:rPr>
+              <a:t>)</a:t>
+            </a:r>
+          </a:p>
+          <a:p>
+            <a:pPr>
+              <a:buNone/>
+            </a:pPr>
+            <a:r>
+              <a:rPr lang="fr-FR" sz="1200" dirty="0" err="1" smtClean="0">
+                <a:latin typeface="Consolas" pitchFamily="49" charset="0"/>
+                <a:cs typeface="Consolas" pitchFamily="49" charset="0"/>
+              </a:rPr>
+              <a:t>int</a:t>
+            </a:r>
+            <a:r>
+              <a:rPr lang="fr-FR" sz="1200" dirty="0" smtClean="0">
+                <a:latin typeface="Consolas" pitchFamily="49" charset="0"/>
+                <a:cs typeface="Consolas" pitchFamily="49" charset="0"/>
+              </a:rPr>
+              <a:t> 		</a:t>
+            </a:r>
+            <a:r>
+              <a:rPr lang="fr-FR" sz="1200" dirty="0" err="1" smtClean="0">
+                <a:latin typeface="Consolas" pitchFamily="49" charset="0"/>
+                <a:cs typeface="Consolas" pitchFamily="49" charset="0"/>
+              </a:rPr>
+              <a:t>plateauNbPossibilites</a:t>
+            </a:r>
+            <a:r>
+              <a:rPr lang="fr-FR" sz="1200" dirty="0" smtClean="0">
+                <a:latin typeface="Consolas" pitchFamily="49" charset="0"/>
+                <a:cs typeface="Consolas" pitchFamily="49" charset="0"/>
+              </a:rPr>
+              <a:t> (</a:t>
+            </a:r>
+            <a:r>
+              <a:rPr lang="fr-FR" sz="1200" dirty="0" err="1" smtClean="0">
+                <a:latin typeface="Consolas" pitchFamily="49" charset="0"/>
+                <a:cs typeface="Consolas" pitchFamily="49" charset="0"/>
+              </a:rPr>
+              <a:t>const</a:t>
+            </a:r>
+            <a:r>
+              <a:rPr lang="fr-FR" sz="1200" dirty="0" smtClean="0">
+                <a:latin typeface="Consolas" pitchFamily="49" charset="0"/>
+                <a:cs typeface="Consolas" pitchFamily="49" charset="0"/>
+              </a:rPr>
+              <a:t> Plateau *p, Case *c)</a:t>
+            </a:r>
+          </a:p>
+          <a:p>
+            <a:pPr>
+              <a:buNone/>
+            </a:pPr>
+            <a:r>
+              <a:rPr lang="fr-FR" sz="1200" dirty="0" err="1" smtClean="0">
+                <a:latin typeface="Consolas" pitchFamily="49" charset="0"/>
+                <a:cs typeface="Consolas" pitchFamily="49" charset="0"/>
+              </a:rPr>
+              <a:t>int</a:t>
+            </a:r>
+            <a:r>
+              <a:rPr lang="fr-FR" sz="1200" dirty="0" smtClean="0">
+                <a:latin typeface="Consolas" pitchFamily="49" charset="0"/>
+                <a:cs typeface="Consolas" pitchFamily="49" charset="0"/>
+              </a:rPr>
+              <a:t> 		</a:t>
+            </a:r>
+            <a:r>
+              <a:rPr lang="fr-FR" sz="1200" dirty="0" err="1" smtClean="0">
+                <a:latin typeface="Consolas" pitchFamily="49" charset="0"/>
+                <a:cs typeface="Consolas" pitchFamily="49" charset="0"/>
+              </a:rPr>
+              <a:t>plateauTestCaseProche</a:t>
+            </a:r>
+            <a:r>
+              <a:rPr lang="fr-FR" sz="1200" dirty="0" smtClean="0">
+                <a:latin typeface="Consolas" pitchFamily="49" charset="0"/>
+                <a:cs typeface="Consolas" pitchFamily="49" charset="0"/>
+              </a:rPr>
+              <a:t> (</a:t>
+            </a:r>
+            <a:r>
+              <a:rPr lang="fr-FR" sz="1200" dirty="0" err="1" smtClean="0">
+                <a:latin typeface="Consolas" pitchFamily="49" charset="0"/>
+                <a:cs typeface="Consolas" pitchFamily="49" charset="0"/>
+              </a:rPr>
+              <a:t>int</a:t>
+            </a:r>
+            <a:r>
+              <a:rPr lang="fr-FR" sz="1200" dirty="0" smtClean="0">
+                <a:latin typeface="Consolas" pitchFamily="49" charset="0"/>
+                <a:cs typeface="Consolas" pitchFamily="49" charset="0"/>
+              </a:rPr>
+              <a:t> x, </a:t>
+            </a:r>
+            <a:r>
+              <a:rPr lang="fr-FR" sz="1200" dirty="0" err="1" smtClean="0">
+                <a:latin typeface="Consolas" pitchFamily="49" charset="0"/>
+                <a:cs typeface="Consolas" pitchFamily="49" charset="0"/>
+              </a:rPr>
+              <a:t>int</a:t>
+            </a:r>
+            <a:r>
+              <a:rPr lang="fr-FR" sz="1200" dirty="0" smtClean="0">
+                <a:latin typeface="Consolas" pitchFamily="49" charset="0"/>
+                <a:cs typeface="Consolas" pitchFamily="49" charset="0"/>
+              </a:rPr>
+              <a:t> y)</a:t>
+            </a:r>
+          </a:p>
+          <a:p>
+            <a:pPr>
+              <a:buNone/>
+            </a:pPr>
+            <a:r>
+              <a:rPr lang="fr-FR" sz="1200" dirty="0" err="1" smtClean="0">
+                <a:latin typeface="Consolas" pitchFamily="49" charset="0"/>
+                <a:cs typeface="Consolas" pitchFamily="49" charset="0"/>
+              </a:rPr>
+              <a:t>void</a:t>
+            </a:r>
+            <a:r>
+              <a:rPr lang="fr-FR" sz="1200" dirty="0" smtClean="0">
+                <a:latin typeface="Consolas" pitchFamily="49" charset="0"/>
+                <a:cs typeface="Consolas" pitchFamily="49" charset="0"/>
+              </a:rPr>
+              <a:t> 	</a:t>
+            </a:r>
+            <a:r>
+              <a:rPr lang="fr-FR" sz="1200" dirty="0" err="1" smtClean="0">
+                <a:latin typeface="Consolas" pitchFamily="49" charset="0"/>
+                <a:cs typeface="Consolas" pitchFamily="49" charset="0"/>
+              </a:rPr>
+              <a:t>plateauVolerPions</a:t>
+            </a:r>
+            <a:r>
+              <a:rPr lang="fr-FR" sz="1200" dirty="0" smtClean="0">
+                <a:latin typeface="Consolas" pitchFamily="49" charset="0"/>
+                <a:cs typeface="Consolas" pitchFamily="49" charset="0"/>
+              </a:rPr>
+              <a:t> (Plateau *p, Case *c, </a:t>
+            </a:r>
+            <a:r>
+              <a:rPr lang="fr-FR" sz="1200" dirty="0" err="1" smtClean="0">
+                <a:latin typeface="Consolas" pitchFamily="49" charset="0"/>
+                <a:cs typeface="Consolas" pitchFamily="49" charset="0"/>
+              </a:rPr>
+              <a:t>int</a:t>
+            </a:r>
+            <a:r>
+              <a:rPr lang="fr-FR" sz="1200" dirty="0" smtClean="0">
+                <a:latin typeface="Consolas" pitchFamily="49" charset="0"/>
+                <a:cs typeface="Consolas" pitchFamily="49" charset="0"/>
+              </a:rPr>
+              <a:t> joueur)</a:t>
+            </a:r>
+          </a:p>
+          <a:p>
+            <a:pPr>
+              <a:buNone/>
+            </a:pPr>
+            <a:r>
+              <a:rPr lang="fr-FR" sz="1200" dirty="0" err="1" smtClean="0">
+                <a:latin typeface="Consolas" pitchFamily="49" charset="0"/>
+                <a:cs typeface="Consolas" pitchFamily="49" charset="0"/>
+              </a:rPr>
+              <a:t>int</a:t>
+            </a:r>
+            <a:r>
+              <a:rPr lang="fr-FR" sz="1200" dirty="0" smtClean="0">
+                <a:latin typeface="Consolas" pitchFamily="49" charset="0"/>
+                <a:cs typeface="Consolas" pitchFamily="49" charset="0"/>
+              </a:rPr>
+              <a:t> 		</a:t>
+            </a:r>
+            <a:r>
+              <a:rPr lang="fr-FR" sz="1200" dirty="0" err="1" smtClean="0">
+                <a:latin typeface="Consolas" pitchFamily="49" charset="0"/>
+                <a:cs typeface="Consolas" pitchFamily="49" charset="0"/>
+              </a:rPr>
+              <a:t>plateauNbPionsPerdu</a:t>
+            </a:r>
+            <a:r>
+              <a:rPr lang="fr-FR" sz="1200" dirty="0" smtClean="0">
+                <a:latin typeface="Consolas" pitchFamily="49" charset="0"/>
+                <a:cs typeface="Consolas" pitchFamily="49" charset="0"/>
+              </a:rPr>
+              <a:t> (Plateau *p, Case *c, </a:t>
+            </a:r>
+            <a:r>
+              <a:rPr lang="fr-FR" sz="1200" dirty="0" err="1" smtClean="0">
+                <a:latin typeface="Consolas" pitchFamily="49" charset="0"/>
+                <a:cs typeface="Consolas" pitchFamily="49" charset="0"/>
+              </a:rPr>
+              <a:t>int</a:t>
+            </a:r>
+            <a:r>
+              <a:rPr lang="fr-FR" sz="1200" dirty="0" smtClean="0">
+                <a:latin typeface="Consolas" pitchFamily="49" charset="0"/>
+                <a:cs typeface="Consolas" pitchFamily="49" charset="0"/>
+              </a:rPr>
+              <a:t> joueur)</a:t>
+            </a:r>
+          </a:p>
+          <a:p>
+            <a:pPr>
+              <a:buNone/>
+            </a:pPr>
+            <a:r>
+              <a:rPr lang="fr-FR" sz="1200" dirty="0" err="1" smtClean="0">
+                <a:latin typeface="Consolas" pitchFamily="49" charset="0"/>
+                <a:cs typeface="Consolas" pitchFamily="49" charset="0"/>
+              </a:rPr>
+              <a:t>int</a:t>
+            </a:r>
+            <a:r>
+              <a:rPr lang="fr-FR" sz="1200" dirty="0" smtClean="0">
+                <a:latin typeface="Consolas" pitchFamily="49" charset="0"/>
+                <a:cs typeface="Consolas" pitchFamily="49" charset="0"/>
+              </a:rPr>
+              <a:t> 		</a:t>
+            </a:r>
+            <a:r>
+              <a:rPr lang="fr-FR" sz="1200" dirty="0" err="1" smtClean="0">
+                <a:latin typeface="Consolas" pitchFamily="49" charset="0"/>
+                <a:cs typeface="Consolas" pitchFamily="49" charset="0"/>
+              </a:rPr>
+              <a:t>plateauPeutJouer</a:t>
+            </a:r>
+            <a:r>
+              <a:rPr lang="fr-FR" sz="1200" dirty="0" smtClean="0">
+                <a:latin typeface="Consolas" pitchFamily="49" charset="0"/>
+                <a:cs typeface="Consolas" pitchFamily="49" charset="0"/>
+              </a:rPr>
+              <a:t> (</a:t>
+            </a:r>
+            <a:r>
+              <a:rPr lang="fr-FR" sz="1200" dirty="0" err="1" smtClean="0">
+                <a:latin typeface="Consolas" pitchFamily="49" charset="0"/>
+                <a:cs typeface="Consolas" pitchFamily="49" charset="0"/>
+              </a:rPr>
+              <a:t>const</a:t>
+            </a:r>
+            <a:r>
+              <a:rPr lang="fr-FR" sz="1200" dirty="0" smtClean="0">
+                <a:latin typeface="Consolas" pitchFamily="49" charset="0"/>
+                <a:cs typeface="Consolas" pitchFamily="49" charset="0"/>
+              </a:rPr>
+              <a:t> Plateau *p, </a:t>
+            </a:r>
+            <a:r>
+              <a:rPr lang="fr-FR" sz="1200" dirty="0" err="1" smtClean="0">
+                <a:latin typeface="Consolas" pitchFamily="49" charset="0"/>
+                <a:cs typeface="Consolas" pitchFamily="49" charset="0"/>
+              </a:rPr>
+              <a:t>int</a:t>
+            </a:r>
+            <a:r>
+              <a:rPr lang="fr-FR" sz="1200" dirty="0" smtClean="0">
+                <a:latin typeface="Consolas" pitchFamily="49" charset="0"/>
+                <a:cs typeface="Consolas" pitchFamily="49" charset="0"/>
+              </a:rPr>
+              <a:t> j)</a:t>
+            </a:r>
+          </a:p>
+          <a:p>
+            <a:pPr>
+              <a:buNone/>
+            </a:pPr>
+            <a:r>
+              <a:rPr lang="fr-FR" sz="1200" dirty="0" err="1" smtClean="0">
+                <a:latin typeface="Consolas" pitchFamily="49" charset="0"/>
+                <a:cs typeface="Consolas" pitchFamily="49" charset="0"/>
+              </a:rPr>
+              <a:t>void</a:t>
+            </a:r>
+            <a:r>
+              <a:rPr lang="fr-FR" sz="1200" dirty="0" smtClean="0">
+                <a:latin typeface="Consolas" pitchFamily="49" charset="0"/>
+                <a:cs typeface="Consolas" pitchFamily="49" charset="0"/>
+              </a:rPr>
+              <a:t> 	</a:t>
+            </a:r>
+            <a:r>
+              <a:rPr lang="fr-FR" sz="1200" dirty="0" err="1" smtClean="0">
+                <a:latin typeface="Consolas" pitchFamily="49" charset="0"/>
+                <a:cs typeface="Consolas" pitchFamily="49" charset="0"/>
+              </a:rPr>
+              <a:t>plateauTestament</a:t>
+            </a:r>
+            <a:r>
+              <a:rPr lang="fr-FR" sz="1200" dirty="0" smtClean="0">
+                <a:latin typeface="Consolas" pitchFamily="49" charset="0"/>
+                <a:cs typeface="Consolas" pitchFamily="49" charset="0"/>
+              </a:rPr>
+              <a:t> (Plateau *p)</a:t>
+            </a:r>
+          </a:p>
+          <a:p>
+            <a:pPr>
+              <a:buNone/>
+            </a:pPr>
+            <a:r>
+              <a:rPr lang="fr-FR" sz="1200" dirty="0" err="1" smtClean="0">
+                <a:latin typeface="Consolas" pitchFamily="49" charset="0"/>
+                <a:cs typeface="Consolas" pitchFamily="49" charset="0"/>
+              </a:rPr>
+              <a:t>void</a:t>
+            </a:r>
+            <a:r>
+              <a:rPr lang="fr-FR" sz="1200" dirty="0" smtClean="0">
+                <a:latin typeface="Consolas" pitchFamily="49" charset="0"/>
+                <a:cs typeface="Consolas" pitchFamily="49" charset="0"/>
+              </a:rPr>
+              <a:t> 	</a:t>
+            </a:r>
+            <a:r>
+              <a:rPr lang="fr-FR" sz="1200" dirty="0" err="1" smtClean="0">
+                <a:latin typeface="Consolas" pitchFamily="49" charset="0"/>
+                <a:cs typeface="Consolas" pitchFamily="49" charset="0"/>
+              </a:rPr>
+              <a:t>plateauTestRegression</a:t>
+            </a:r>
+            <a:r>
+              <a:rPr lang="fr-FR" sz="1200" dirty="0" smtClean="0">
+                <a:latin typeface="Consolas" pitchFamily="49" charset="0"/>
+                <a:cs typeface="Consolas" pitchFamily="49" charset="0"/>
+              </a:rPr>
+              <a:t> (</a:t>
+            </a:r>
+            <a:r>
+              <a:rPr lang="fr-FR" sz="1200" dirty="0" err="1" smtClean="0">
+                <a:latin typeface="Consolas" pitchFamily="49" charset="0"/>
+                <a:cs typeface="Consolas" pitchFamily="49" charset="0"/>
+              </a:rPr>
+              <a:t>void</a:t>
+            </a:r>
+            <a:r>
+              <a:rPr lang="fr-FR" sz="1200" dirty="0" smtClean="0">
+                <a:latin typeface="Consolas" pitchFamily="49" charset="0"/>
+                <a:cs typeface="Consolas" pitchFamily="49" charset="0"/>
+              </a:rPr>
+              <a:t>)</a:t>
+            </a:r>
           </a:p>
           <a:p>
             <a:pPr>
               <a:buNone/>
             </a:pPr>
             <a:endParaRPr lang="fr-FR" sz="1200" dirty="0" smtClean="0">
-              <a:latin typeface="Consolas" pitchFamily="49" charset="0"/>
-              <a:cs typeface="Consolas" pitchFamily="49" charset="0"/>
-            </a:endParaRPr>
-          </a:p>
-          <a:p>
-            <a:pPr>
-              <a:buNone/>
-            </a:pPr>
-            <a:r>
-              <a:rPr lang="fr-FR" sz="1200" dirty="0" err="1" smtClean="0">
-                <a:latin typeface="Consolas" pitchFamily="49" charset="0"/>
-                <a:cs typeface="Consolas" pitchFamily="49" charset="0"/>
-              </a:rPr>
-              <a:t>void</a:t>
-            </a:r>
-            <a:r>
-              <a:rPr lang="fr-FR" sz="1200" dirty="0" smtClean="0">
-                <a:latin typeface="Consolas" pitchFamily="49" charset="0"/>
-                <a:cs typeface="Consolas" pitchFamily="49" charset="0"/>
-              </a:rPr>
-              <a:t> 	</a:t>
-            </a:r>
-            <a:r>
-              <a:rPr lang="fr-FR" sz="1200" dirty="0" err="1" smtClean="0">
-                <a:latin typeface="Consolas" pitchFamily="49" charset="0"/>
-                <a:cs typeface="Consolas" pitchFamily="49" charset="0"/>
-              </a:rPr>
-              <a:t>ordinateurJouer</a:t>
-            </a:r>
-            <a:r>
-              <a:rPr lang="fr-FR" sz="1200" dirty="0" smtClean="0">
-                <a:latin typeface="Consolas" pitchFamily="49" charset="0"/>
-                <a:cs typeface="Consolas" pitchFamily="49" charset="0"/>
-              </a:rPr>
-              <a:t> (Plateau *p, </a:t>
-            </a:r>
-            <a:r>
-              <a:rPr lang="fr-FR" sz="1200" dirty="0" err="1" smtClean="0">
-                <a:latin typeface="Consolas" pitchFamily="49" charset="0"/>
-                <a:cs typeface="Consolas" pitchFamily="49" charset="0"/>
-              </a:rPr>
-              <a:t>int</a:t>
-            </a:r>
-            <a:r>
-              <a:rPr lang="fr-FR" sz="1200" dirty="0" smtClean="0">
-                <a:latin typeface="Consolas" pitchFamily="49" charset="0"/>
-                <a:cs typeface="Consolas" pitchFamily="49" charset="0"/>
-              </a:rPr>
-              <a:t> joueur, </a:t>
-            </a:r>
-            <a:r>
-              <a:rPr lang="fr-FR" sz="1200" dirty="0" err="1" smtClean="0">
-                <a:latin typeface="Consolas" pitchFamily="49" charset="0"/>
-                <a:cs typeface="Consolas" pitchFamily="49" charset="0"/>
-              </a:rPr>
-              <a:t>int</a:t>
-            </a:r>
-            <a:r>
-              <a:rPr lang="fr-FR" sz="1200" dirty="0" smtClean="0">
-                <a:latin typeface="Consolas" pitchFamily="49" charset="0"/>
-                <a:cs typeface="Consolas" pitchFamily="49" charset="0"/>
-              </a:rPr>
-              <a:t> </a:t>
-            </a:r>
-            <a:r>
-              <a:rPr lang="fr-FR" sz="1200" dirty="0" err="1" smtClean="0">
-                <a:latin typeface="Consolas" pitchFamily="49" charset="0"/>
-                <a:cs typeface="Consolas" pitchFamily="49" charset="0"/>
-              </a:rPr>
-              <a:t>niv</a:t>
-            </a:r>
-            <a:r>
-              <a:rPr lang="fr-FR" sz="1200" dirty="0" smtClean="0">
-                <a:latin typeface="Consolas" pitchFamily="49" charset="0"/>
-                <a:cs typeface="Consolas" pitchFamily="49" charset="0"/>
-              </a:rPr>
-              <a:t>)</a:t>
-            </a:r>
-          </a:p>
-          <a:p>
-            <a:pPr>
-              <a:buNone/>
-            </a:pPr>
-            <a:endParaRPr lang="fr-FR" sz="1200" dirty="0">
-              <a:latin typeface="Consolas" pitchFamily="49" charset="0"/>
-              <a:cs typeface="Consolas" pitchFamily="49" charset="0"/>
+              <a:latin typeface="Verdana" pitchFamily="34" charset="0"/>
+              <a:ea typeface="Verdana" pitchFamily="34" charset="0"/>
+              <a:cs typeface="Verdana" pitchFamily="34" charset="0"/>
             </a:endParaRPr>
           </a:p>
           <a:p>
@@ -4169,7 +4925,7 @@
                 <a:ea typeface="Verdana" pitchFamily="34" charset="0"/>
                 <a:cs typeface="Verdana" pitchFamily="34" charset="0"/>
               </a:rPr>
-              <a:t>Principe :</a:t>
+              <a:t>Module Plateau :</a:t>
             </a:r>
           </a:p>
           <a:p>
@@ -4179,40 +4935,15 @@
                 <a:ea typeface="Verdana" pitchFamily="34" charset="0"/>
                 <a:cs typeface="Verdana" pitchFamily="34" charset="0"/>
               </a:rPr>
-              <a:t>Cette fonction calcule le prochain mouvement de l’ordinateur.</a:t>
-            </a:r>
-          </a:p>
-          <a:p>
-            <a:pPr>
-              <a:buNone/>
-            </a:pPr>
-            <a:endParaRPr lang="fr-FR" sz="1400" dirty="0">
-              <a:latin typeface="Verdana" pitchFamily="34" charset="0"/>
-              <a:ea typeface="Verdana" pitchFamily="34" charset="0"/>
-              <a:cs typeface="Verdana" pitchFamily="34" charset="0"/>
-            </a:endParaRPr>
-          </a:p>
-          <a:p>
-            <a:pPr>
-              <a:buNone/>
-            </a:pPr>
-            <a:r>
-              <a:rPr lang="fr-FR" sz="1400" b="1" dirty="0" smtClean="0">
-                <a:latin typeface="Verdana" pitchFamily="34" charset="0"/>
-                <a:ea typeface="Verdana" pitchFamily="34" charset="0"/>
-                <a:cs typeface="Verdana" pitchFamily="34" charset="0"/>
-              </a:rPr>
-              <a:t>Fonctionnalités :</a:t>
-            </a:r>
-          </a:p>
-          <a:p>
+              <a:t>Module qui contient le plateau de jeu et notamment : les scores, la liste des cases ainsi que la capacité et le nombre de places restantes</a:t>
+            </a:r>
             <a:r>
               <a:rPr lang="fr-FR" sz="1400" dirty="0" smtClean="0">
                 <a:latin typeface="Verdana" pitchFamily="34" charset="0"/>
                 <a:ea typeface="Verdana" pitchFamily="34" charset="0"/>
                 <a:cs typeface="Verdana" pitchFamily="34" charset="0"/>
               </a:rPr>
-              <a:t>Détection des cases à défendre ou à attaquer en priorité</a:t>
+              <a:t>.</a:t>
             </a:r>
           </a:p>
           <a:p>
@@ -4222,42 +4953,8 @@
                 <a:ea typeface="Verdana" pitchFamily="34" charset="0"/>
                 <a:cs typeface="Verdana" pitchFamily="34" charset="0"/>
               </a:rPr>
-              <a:t>Calcul du nombre de pions adverses à voler</a:t>
-            </a:r>
-          </a:p>
-          <a:p>
-            <a:r>
-              <a:rPr lang="fr-FR" sz="1400" dirty="0" smtClean="0">
-                <a:latin typeface="Verdana" pitchFamily="34" charset="0"/>
-                <a:ea typeface="Verdana" pitchFamily="34" charset="0"/>
-                <a:cs typeface="Verdana" pitchFamily="34" charset="0"/>
-              </a:rPr>
-              <a:t>Différents tests effectués :</a:t>
-            </a:r>
-          </a:p>
-          <a:p>
-            <a:pPr lvl="1"/>
-            <a:r>
-              <a:rPr lang="fr-FR" sz="1400" dirty="0" smtClean="0">
-                <a:latin typeface="Verdana" pitchFamily="34" charset="0"/>
-                <a:ea typeface="Verdana" pitchFamily="34" charset="0"/>
-                <a:cs typeface="Verdana" pitchFamily="34" charset="0"/>
-              </a:rPr>
-              <a:t>Calcul de la meilleure place pour l’ordinateur</a:t>
-            </a:r>
-          </a:p>
-          <a:p>
-            <a:pPr lvl="1"/>
-            <a:r>
-              <a:rPr lang="fr-FR" sz="1400" dirty="0" smtClean="0">
-                <a:latin typeface="Verdana" pitchFamily="34" charset="0"/>
-                <a:ea typeface="Verdana" pitchFamily="34" charset="0"/>
-                <a:cs typeface="Verdana" pitchFamily="34" charset="0"/>
-              </a:rPr>
-              <a:t>Calcul des risques au pro rata du nombre de pièces volées</a:t>
-            </a:r>
-          </a:p>
-          <a:p>
+              <a:t>C’est dans ce module que l’on lit et enregistre les fichiers des plateaux.</a:t>
+            </a:r>
             <a:endParaRPr lang="fr-FR" sz="1400" dirty="0">
               <a:latin typeface="Verdana" pitchFamily="34" charset="0"/>
               <a:ea typeface="Verdana" pitchFamily="34" charset="0"/>
@@ -4391,7 +5088,7 @@
           <a:p>
             <a:r>
               <a:rPr lang="fr-FR" dirty="0" smtClean="0"/>
-              <a:t>Affiche (1/2)</a:t>
+              <a:t>Case</a:t>
             </a:r>
             <a:endParaRPr lang="fr-FR" dirty="0"/>
           </a:p>
@@ -4423,6 +5120,242 @@
               <a:buNone/>
             </a:pPr>
             <a:endParaRPr lang="fr-FR" sz="1200" dirty="0" smtClean="0">
+              <a:latin typeface="Consolas" pitchFamily="49" charset="0"/>
+              <a:cs typeface="Consolas" pitchFamily="49" charset="0"/>
+            </a:endParaRPr>
+          </a:p>
+          <a:p>
+            <a:pPr>
+              <a:buNone/>
+            </a:pPr>
+            <a:endParaRPr lang="fr-FR" sz="1200" dirty="0">
+              <a:latin typeface="Consolas" pitchFamily="49" charset="0"/>
+              <a:cs typeface="Consolas" pitchFamily="49" charset="0"/>
+            </a:endParaRPr>
+          </a:p>
+          <a:p>
+            <a:pPr>
+              <a:buNone/>
+            </a:pPr>
+            <a:endParaRPr lang="fr-FR" sz="1200" dirty="0" smtClean="0">
+              <a:latin typeface="Consolas" pitchFamily="49" charset="0"/>
+              <a:cs typeface="Consolas" pitchFamily="49" charset="0"/>
+            </a:endParaRPr>
+          </a:p>
+          <a:p>
+            <a:pPr>
+              <a:buNone/>
+            </a:pPr>
+            <a:r>
+              <a:rPr lang="fr-FR" sz="1200" dirty="0" smtClean="0">
+                <a:latin typeface="Consolas" pitchFamily="49" charset="0"/>
+                <a:cs typeface="Consolas" pitchFamily="49" charset="0"/>
+              </a:rPr>
+              <a:t>Case * 	</a:t>
+            </a:r>
+            <a:r>
+              <a:rPr lang="fr-FR" sz="1200" dirty="0" err="1" smtClean="0">
+                <a:latin typeface="Consolas" pitchFamily="49" charset="0"/>
+                <a:cs typeface="Consolas" pitchFamily="49" charset="0"/>
+              </a:rPr>
+              <a:t>caseInit</a:t>
+            </a:r>
+            <a:r>
+              <a:rPr lang="fr-FR" sz="1200" dirty="0" smtClean="0">
+                <a:latin typeface="Consolas" pitchFamily="49" charset="0"/>
+                <a:cs typeface="Consolas" pitchFamily="49" charset="0"/>
+              </a:rPr>
+              <a:t> (</a:t>
+            </a:r>
+            <a:r>
+              <a:rPr lang="fr-FR" sz="1200" dirty="0" err="1" smtClean="0">
+                <a:latin typeface="Consolas" pitchFamily="49" charset="0"/>
+                <a:cs typeface="Consolas" pitchFamily="49" charset="0"/>
+              </a:rPr>
+              <a:t>void</a:t>
+            </a:r>
+            <a:r>
+              <a:rPr lang="fr-FR" sz="1200" dirty="0" smtClean="0">
+                <a:latin typeface="Consolas" pitchFamily="49" charset="0"/>
+                <a:cs typeface="Consolas" pitchFamily="49" charset="0"/>
+              </a:rPr>
+              <a:t>)</a:t>
+            </a:r>
+          </a:p>
+          <a:p>
+            <a:pPr>
+              <a:buNone/>
+            </a:pPr>
+            <a:r>
+              <a:rPr lang="fr-FR" sz="1200" dirty="0" err="1" smtClean="0">
+                <a:latin typeface="Consolas" pitchFamily="49" charset="0"/>
+                <a:cs typeface="Consolas" pitchFamily="49" charset="0"/>
+              </a:rPr>
+              <a:t>int</a:t>
+            </a:r>
+            <a:r>
+              <a:rPr lang="fr-FR" sz="1200" dirty="0" smtClean="0">
+                <a:latin typeface="Consolas" pitchFamily="49" charset="0"/>
+                <a:cs typeface="Consolas" pitchFamily="49" charset="0"/>
+              </a:rPr>
+              <a:t> 		</a:t>
+            </a:r>
+            <a:r>
+              <a:rPr lang="fr-FR" sz="1200" dirty="0" err="1" smtClean="0">
+                <a:latin typeface="Consolas" pitchFamily="49" charset="0"/>
+                <a:cs typeface="Consolas" pitchFamily="49" charset="0"/>
+              </a:rPr>
+              <a:t>caseTestCoordonnees</a:t>
+            </a:r>
+            <a:r>
+              <a:rPr lang="fr-FR" sz="1200" dirty="0" smtClean="0">
+                <a:latin typeface="Consolas" pitchFamily="49" charset="0"/>
+                <a:cs typeface="Consolas" pitchFamily="49" charset="0"/>
+              </a:rPr>
+              <a:t> (Case *c, </a:t>
+            </a:r>
+            <a:r>
+              <a:rPr lang="fr-FR" sz="1200" dirty="0" err="1" smtClean="0">
+                <a:latin typeface="Consolas" pitchFamily="49" charset="0"/>
+                <a:cs typeface="Consolas" pitchFamily="49" charset="0"/>
+              </a:rPr>
+              <a:t>int</a:t>
+            </a:r>
+            <a:r>
+              <a:rPr lang="fr-FR" sz="1200" dirty="0" smtClean="0">
+                <a:latin typeface="Consolas" pitchFamily="49" charset="0"/>
+                <a:cs typeface="Consolas" pitchFamily="49" charset="0"/>
+              </a:rPr>
+              <a:t> </a:t>
+            </a:r>
+            <a:r>
+              <a:rPr lang="fr-FR" sz="1200" dirty="0" err="1" smtClean="0">
+                <a:latin typeface="Consolas" pitchFamily="49" charset="0"/>
+                <a:cs typeface="Consolas" pitchFamily="49" charset="0"/>
+              </a:rPr>
+              <a:t>sx</a:t>
+            </a:r>
+            <a:r>
+              <a:rPr lang="fr-FR" sz="1200" dirty="0" smtClean="0">
+                <a:latin typeface="Consolas" pitchFamily="49" charset="0"/>
+                <a:cs typeface="Consolas" pitchFamily="49" charset="0"/>
+              </a:rPr>
+              <a:t>, </a:t>
+            </a:r>
+            <a:r>
+              <a:rPr lang="fr-FR" sz="1200" dirty="0" err="1" smtClean="0">
+                <a:latin typeface="Consolas" pitchFamily="49" charset="0"/>
+                <a:cs typeface="Consolas" pitchFamily="49" charset="0"/>
+              </a:rPr>
+              <a:t>int</a:t>
+            </a:r>
+            <a:r>
+              <a:rPr lang="fr-FR" sz="1200" dirty="0" smtClean="0">
+                <a:latin typeface="Consolas" pitchFamily="49" charset="0"/>
+                <a:cs typeface="Consolas" pitchFamily="49" charset="0"/>
+              </a:rPr>
+              <a:t> </a:t>
+            </a:r>
+            <a:r>
+              <a:rPr lang="fr-FR" sz="1200" dirty="0" err="1" smtClean="0">
+                <a:latin typeface="Consolas" pitchFamily="49" charset="0"/>
+                <a:cs typeface="Consolas" pitchFamily="49" charset="0"/>
+              </a:rPr>
+              <a:t>sy</a:t>
+            </a:r>
+            <a:r>
+              <a:rPr lang="fr-FR" sz="1200" dirty="0" smtClean="0">
+                <a:latin typeface="Consolas" pitchFamily="49" charset="0"/>
+                <a:cs typeface="Consolas" pitchFamily="49" charset="0"/>
+              </a:rPr>
+              <a:t>)</a:t>
+            </a:r>
+          </a:p>
+          <a:p>
+            <a:pPr>
+              <a:buNone/>
+            </a:pPr>
+            <a:r>
+              <a:rPr lang="fr-FR" sz="1200" dirty="0" err="1" smtClean="0">
+                <a:latin typeface="Consolas" pitchFamily="49" charset="0"/>
+                <a:cs typeface="Consolas" pitchFamily="49" charset="0"/>
+              </a:rPr>
+              <a:t>void</a:t>
+            </a:r>
+            <a:r>
+              <a:rPr lang="fr-FR" sz="1200" dirty="0" smtClean="0">
+                <a:latin typeface="Consolas" pitchFamily="49" charset="0"/>
+                <a:cs typeface="Consolas" pitchFamily="49" charset="0"/>
+              </a:rPr>
+              <a:t> 	</a:t>
+            </a:r>
+            <a:r>
+              <a:rPr lang="fr-FR" sz="1200" dirty="0" err="1" smtClean="0">
+                <a:latin typeface="Consolas" pitchFamily="49" charset="0"/>
+                <a:cs typeface="Consolas" pitchFamily="49" charset="0"/>
+              </a:rPr>
+              <a:t>caseTestament</a:t>
+            </a:r>
+            <a:r>
+              <a:rPr lang="fr-FR" sz="1200" dirty="0" smtClean="0">
+                <a:latin typeface="Consolas" pitchFamily="49" charset="0"/>
+                <a:cs typeface="Consolas" pitchFamily="49" charset="0"/>
+              </a:rPr>
+              <a:t> (Case *c)</a:t>
+            </a:r>
+          </a:p>
+          <a:p>
+            <a:pPr>
+              <a:buNone/>
+            </a:pPr>
+            <a:r>
+              <a:rPr lang="fr-FR" sz="1200" dirty="0" err="1" smtClean="0">
+                <a:latin typeface="Consolas" pitchFamily="49" charset="0"/>
+                <a:cs typeface="Consolas" pitchFamily="49" charset="0"/>
+              </a:rPr>
+              <a:t>void</a:t>
+            </a:r>
+            <a:r>
+              <a:rPr lang="fr-FR" sz="1200" dirty="0" smtClean="0">
+                <a:latin typeface="Consolas" pitchFamily="49" charset="0"/>
+                <a:cs typeface="Consolas" pitchFamily="49" charset="0"/>
+              </a:rPr>
+              <a:t> 	</a:t>
+            </a:r>
+            <a:r>
+              <a:rPr lang="fr-FR" sz="1200" dirty="0" err="1" smtClean="0">
+                <a:latin typeface="Consolas" pitchFamily="49" charset="0"/>
+                <a:cs typeface="Consolas" pitchFamily="49" charset="0"/>
+              </a:rPr>
+              <a:t>caseTestRegression</a:t>
+            </a:r>
+            <a:r>
+              <a:rPr lang="fr-FR" sz="1200" dirty="0" smtClean="0">
+                <a:latin typeface="Consolas" pitchFamily="49" charset="0"/>
+                <a:cs typeface="Consolas" pitchFamily="49" charset="0"/>
+              </a:rPr>
+              <a:t> (</a:t>
+            </a:r>
+            <a:r>
+              <a:rPr lang="fr-FR" sz="1200" dirty="0" err="1" smtClean="0">
+                <a:latin typeface="Consolas" pitchFamily="49" charset="0"/>
+                <a:cs typeface="Consolas" pitchFamily="49" charset="0"/>
+              </a:rPr>
+              <a:t>void</a:t>
+            </a:r>
+            <a:r>
+              <a:rPr lang="fr-FR" sz="1200" dirty="0" smtClean="0">
+                <a:latin typeface="Consolas" pitchFamily="49" charset="0"/>
+                <a:cs typeface="Consolas" pitchFamily="49" charset="0"/>
+              </a:rPr>
+              <a:t>)</a:t>
+            </a:r>
+          </a:p>
+          <a:p>
+            <a:pPr>
+              <a:buNone/>
+            </a:pPr>
+            <a:endParaRPr lang="fr-FR" sz="1200" dirty="0" smtClean="0">
               <a:latin typeface="Verdana" pitchFamily="34" charset="0"/>
               <a:ea typeface="Verdana" pitchFamily="34" charset="0"/>
               <a:cs typeface="Verdana" pitchFamily="34" charset="0"/>
@@ -4438,9 +5371,44 @@
                 <a:ea typeface="Verdana" pitchFamily="34" charset="0"/>
                 <a:cs typeface="Verdana" pitchFamily="34" charset="0"/>
               </a:rPr>
-              <a:t>Fonctions d’affichage :</a:t>
-            </a:r>
-            <a:endParaRPr lang="fr-FR" sz="1400" b="1" dirty="0">
+              <a:t>Module Case :</a:t>
+            </a:r>
+          </a:p>
+          <a:p>
+            <a:r>
+              <a:rPr lang="fr-FR" sz="1400" dirty="0" smtClean="0">
+                <a:latin typeface="Verdana" pitchFamily="34" charset="0"/>
+                <a:ea typeface="Verdana" pitchFamily="34" charset="0"/>
+                <a:cs typeface="Verdana" pitchFamily="34" charset="0"/>
+              </a:rPr>
+              <a:t>Contient les informations sur une case :</a:t>
+            </a:r>
+          </a:p>
+          <a:p>
+            <a:pPr lvl="1"/>
+            <a:r>
+              <a:rPr lang="fr-FR" sz="1400" dirty="0" smtClean="0">
+                <a:latin typeface="Verdana" pitchFamily="34" charset="0"/>
+                <a:ea typeface="Verdana" pitchFamily="34" charset="0"/>
+                <a:cs typeface="Verdana" pitchFamily="34" charset="0"/>
+              </a:rPr>
+              <a:t>Coordonnées</a:t>
+            </a:r>
+          </a:p>
+          <a:p>
+            <a:pPr lvl="1"/>
+            <a:r>
+              <a:rPr lang="fr-FR" sz="1400" dirty="0" smtClean="0">
+                <a:latin typeface="Verdana" pitchFamily="34" charset="0"/>
+                <a:ea typeface="Verdana" pitchFamily="34" charset="0"/>
+                <a:cs typeface="Verdana" pitchFamily="34" charset="0"/>
+              </a:rPr>
+              <a:t>Joueur présent</a:t>
+            </a:r>
+          </a:p>
+          <a:p>
+            <a:pPr lvl="1"/>
+            <a:endParaRPr lang="fr-FR" sz="1400" dirty="0" smtClean="0">
               <a:latin typeface="Verdana" pitchFamily="34" charset="0"/>
               <a:ea typeface="Verdana" pitchFamily="34" charset="0"/>
               <a:cs typeface="Verdana" pitchFamily="34" charset="0"/>
@@ -4453,7 +5421,303 @@
                 <a:ea typeface="Verdana" pitchFamily="34" charset="0"/>
                 <a:cs typeface="Verdana" pitchFamily="34" charset="0"/>
               </a:rPr>
-              <a:t>Ces fonctions utilisent la SDL.</a:t>
+              <a:t>Le système de coordonnées est indépendant de l’affichage : fonctions de conversion nécessaires.</a:t>
+            </a:r>
+          </a:p>
+          <a:p>
+            <a:pPr lvl="1"/>
+            <a:endParaRPr lang="fr-FR" sz="1200" dirty="0">
+              <a:latin typeface="Verdana" pitchFamily="34" charset="0"/>
+              <a:ea typeface="Verdana" pitchFamily="34" charset="0"/>
+              <a:cs typeface="Verdana" pitchFamily="34" charset="0"/>
+            </a:endParaRPr>
+          </a:p>
+        </p:txBody>
+      </p:sp>
+      <p:sp>
+        <p:nvSpPr>
+          <p:cNvPr id="3" name="Espace réservé du pied de page 2"/>
+          <p:cNvSpPr>
+            <a:spLocks noGrp="1"/>
+          </p:cNvSpPr>
+          <p:nvPr>
+            <p:ph type="ftr" sz="quarter" idx="11"/>
+          </p:nvPr>
+        </p:nvSpPr>
+        <p:spPr/>
+        <p:txBody>
+          <a:bodyPr/>
+          <a:lstStyle/>
+          <a:p>
+            <a:r>
+              <a:rPr lang="fr-FR" dirty="0" smtClean="0"/>
+              <a:t>Mickaël Rivollet, Thibault Lazert - UE LIF7 - Semestre printemps 2012 - Hexxagon</a:t>
+            </a:r>
+            <a:endParaRPr lang="fr-FR" dirty="0"/>
+          </a:p>
+        </p:txBody>
+      </p:sp>
+      <p:sp>
+        <p:nvSpPr>
+          <p:cNvPr id="2" name="Espace réservé de la date 1"/>
+          <p:cNvSpPr>
+            <a:spLocks noGrp="1"/>
+          </p:cNvSpPr>
+          <p:nvPr>
+            <p:ph type="dt" sz="half" idx="10"/>
+          </p:nvPr>
+        </p:nvSpPr>
+        <p:spPr/>
+        <p:txBody>
+          <a:bodyPr/>
+          <a:lstStyle/>
+          <a:p>
+            <a:r>
+              <a:rPr lang="fr-FR" smtClean="0"/>
+              <a:t>7 juin 2012</a:t>
+            </a:r>
+            <a:endParaRPr lang="fr-FR" dirty="0"/>
+          </a:p>
+        </p:txBody>
+      </p:sp>
+      <p:sp>
+        <p:nvSpPr>
+          <p:cNvPr id="6" name="Espace réservé du numéro de diapositive 5"/>
+          <p:cNvSpPr>
+            <a:spLocks noGrp="1"/>
+          </p:cNvSpPr>
+          <p:nvPr>
+            <p:ph type="sldNum" sz="quarter" idx="12"/>
+          </p:nvPr>
+        </p:nvSpPr>
+        <p:spPr/>
+        <p:txBody>
+          <a:bodyPr/>
+          <a:lstStyle/>
+          <a:p>
+            <a:fld id="{D1F1D131-41E1-4141-9181-81A171513161}" type="slidenum">
+              <a:rPr lang="fr-FR" sz="1200" smtClean="0">
+                <a:solidFill>
+                  <a:srgbClr val="8B8B8B"/>
+                </a:solidFill>
+                <a:latin typeface="Calibri"/>
+              </a:rPr>
+              <a:pPr/>
+              <a:t>11</a:t>
+            </a:fld>
+            <a:endParaRPr lang="fr-FR" dirty="0"/>
+          </a:p>
+        </p:txBody>
+      </p:sp>
+    </p:spTree>
+  </p:cSld>
+  <p:clrMapOvr>
+    <a:masterClrMapping/>
+  </p:clrMapOvr>
+  <p:transition/>
+  <p:timing>
+    <p:tnLst>
+      <p:par>
+        <p:cTn id="1" dur="indefinite" restart="never" nodeType="tmRoot"/>
+      </p:par>
+    </p:tnLst>
+  </p:timing>
+</p:sld>
+</file>
+
+<file path=ppt/slides/slide12.xml><?xml version="1.0" encoding="utf-8"?>
+<p:sld xmlns:a="http://schemas.openxmlformats.org/drawingml/2006/main" xmlns:r="http://schemas.openxmlformats.org/officeDocument/2006/relationships" xmlns:p="http://schemas.openxmlformats.org/presentationml/2006/main">
+  <p:cSld>
+    <p:spTree>
+      <p:nvGrpSpPr>
+        <p:cNvPr id="1" name=""/>
+        <p:cNvGrpSpPr/>
+        <p:nvPr/>
+      </p:nvGrpSpPr>
+      <p:grpSpPr>
+        <a:xfrm>
+          <a:off x="0" y="0"/>
+          <a:ext cx="0" cy="0"/>
+          <a:chOff x="0" y="0"/>
+          <a:chExt cx="0" cy="0"/>
+        </a:xfrm>
+      </p:grpSpPr>
+      <p:sp>
+        <p:nvSpPr>
+          <p:cNvPr id="4" name="Titre 3"/>
+          <p:cNvSpPr>
+            <a:spLocks noGrp="1"/>
+          </p:cNvSpPr>
+          <p:nvPr>
+            <p:ph type="title"/>
+          </p:nvPr>
+        </p:nvSpPr>
+        <p:spPr/>
+        <p:txBody>
+          <a:bodyPr/>
+          <a:lstStyle/>
+          <a:p>
+            <a:r>
+              <a:rPr lang="fr-FR" dirty="0" smtClean="0"/>
+              <a:t>Ordinateur</a:t>
+            </a:r>
+            <a:endParaRPr lang="fr-FR" dirty="0"/>
+          </a:p>
+        </p:txBody>
+      </p:sp>
+      <p:sp>
+        <p:nvSpPr>
+          <p:cNvPr id="5" name="Espace réservé du contenu 4"/>
+          <p:cNvSpPr>
+            <a:spLocks noGrp="1"/>
+          </p:cNvSpPr>
+          <p:nvPr>
+            <p:ph idx="1"/>
+          </p:nvPr>
+        </p:nvSpPr>
+        <p:spPr>
+          <a:xfrm>
+            <a:off x="590872" y="1196752"/>
+            <a:ext cx="8229600" cy="5069160"/>
+          </a:xfrm>
+        </p:spPr>
+        <p:txBody>
+          <a:bodyPr>
+            <a:noAutofit/>
+          </a:bodyPr>
+          <a:lstStyle/>
+          <a:p>
+            <a:pPr>
+              <a:buNone/>
+            </a:pPr>
+            <a:endParaRPr lang="fr-FR" sz="1200" dirty="0" smtClean="0">
+              <a:latin typeface="Consolas" pitchFamily="49" charset="0"/>
+              <a:cs typeface="Consolas" pitchFamily="49" charset="0"/>
+            </a:endParaRPr>
+          </a:p>
+          <a:p>
+            <a:pPr>
+              <a:buNone/>
+            </a:pPr>
+            <a:endParaRPr lang="fr-FR" sz="1200" dirty="0">
+              <a:latin typeface="Consolas" pitchFamily="49" charset="0"/>
+              <a:cs typeface="Consolas" pitchFamily="49" charset="0"/>
+            </a:endParaRPr>
+          </a:p>
+          <a:p>
+            <a:pPr>
+              <a:buNone/>
+            </a:pPr>
+            <a:endParaRPr lang="fr-FR" sz="1200" dirty="0" smtClean="0">
+              <a:latin typeface="Consolas" pitchFamily="49" charset="0"/>
+              <a:cs typeface="Consolas" pitchFamily="49" charset="0"/>
+            </a:endParaRPr>
+          </a:p>
+          <a:p>
+            <a:pPr>
+              <a:buNone/>
+            </a:pPr>
+            <a:r>
+              <a:rPr lang="fr-FR" sz="1200" dirty="0" err="1" smtClean="0">
+                <a:latin typeface="Consolas" pitchFamily="49" charset="0"/>
+                <a:cs typeface="Consolas" pitchFamily="49" charset="0"/>
+              </a:rPr>
+              <a:t>void</a:t>
+            </a:r>
+            <a:r>
+              <a:rPr lang="fr-FR" sz="1200" dirty="0" smtClean="0">
+                <a:latin typeface="Consolas" pitchFamily="49" charset="0"/>
+                <a:cs typeface="Consolas" pitchFamily="49" charset="0"/>
+              </a:rPr>
+              <a:t> 	</a:t>
+            </a:r>
+            <a:r>
+              <a:rPr lang="fr-FR" sz="1200" dirty="0" err="1" smtClean="0">
+                <a:latin typeface="Consolas" pitchFamily="49" charset="0"/>
+                <a:cs typeface="Consolas" pitchFamily="49" charset="0"/>
+              </a:rPr>
+              <a:t>ordinateurJouer</a:t>
+            </a:r>
+            <a:r>
+              <a:rPr lang="fr-FR" sz="1200" dirty="0" smtClean="0">
+                <a:latin typeface="Consolas" pitchFamily="49" charset="0"/>
+                <a:cs typeface="Consolas" pitchFamily="49" charset="0"/>
+              </a:rPr>
+              <a:t> (Plateau *p, </a:t>
+            </a:r>
+            <a:r>
+              <a:rPr lang="fr-FR" sz="1200" dirty="0" err="1" smtClean="0">
+                <a:latin typeface="Consolas" pitchFamily="49" charset="0"/>
+                <a:cs typeface="Consolas" pitchFamily="49" charset="0"/>
+              </a:rPr>
+              <a:t>int</a:t>
+            </a:r>
+            <a:r>
+              <a:rPr lang="fr-FR" sz="1200" dirty="0" smtClean="0">
+                <a:latin typeface="Consolas" pitchFamily="49" charset="0"/>
+                <a:cs typeface="Consolas" pitchFamily="49" charset="0"/>
+              </a:rPr>
+              <a:t> joueur, </a:t>
+            </a:r>
+            <a:r>
+              <a:rPr lang="fr-FR" sz="1200" dirty="0" err="1" smtClean="0">
+                <a:latin typeface="Consolas" pitchFamily="49" charset="0"/>
+                <a:cs typeface="Consolas" pitchFamily="49" charset="0"/>
+              </a:rPr>
+              <a:t>int</a:t>
+            </a:r>
+            <a:r>
+              <a:rPr lang="fr-FR" sz="1200" dirty="0" smtClean="0">
+                <a:latin typeface="Consolas" pitchFamily="49" charset="0"/>
+                <a:cs typeface="Consolas" pitchFamily="49" charset="0"/>
+              </a:rPr>
+              <a:t> </a:t>
+            </a:r>
+            <a:r>
+              <a:rPr lang="fr-FR" sz="1200" dirty="0" err="1" smtClean="0">
+                <a:latin typeface="Consolas" pitchFamily="49" charset="0"/>
+                <a:cs typeface="Consolas" pitchFamily="49" charset="0"/>
+              </a:rPr>
+              <a:t>niv</a:t>
+            </a:r>
+            <a:r>
+              <a:rPr lang="fr-FR" sz="1200" dirty="0" smtClean="0">
+                <a:latin typeface="Consolas" pitchFamily="49" charset="0"/>
+                <a:cs typeface="Consolas" pitchFamily="49" charset="0"/>
+              </a:rPr>
+              <a:t>)</a:t>
+            </a:r>
+          </a:p>
+          <a:p>
+            <a:pPr>
+              <a:buNone/>
+            </a:pPr>
+            <a:endParaRPr lang="fr-FR" sz="1200" dirty="0">
+              <a:latin typeface="Consolas" pitchFamily="49" charset="0"/>
+              <a:cs typeface="Consolas" pitchFamily="49" charset="0"/>
+            </a:endParaRPr>
+          </a:p>
+          <a:p>
+            <a:pPr>
+              <a:buNone/>
+            </a:pPr>
+            <a:r>
+              <a:rPr lang="fr-FR" sz="1400" b="1" dirty="0" smtClean="0">
+                <a:latin typeface="Verdana" pitchFamily="34" charset="0"/>
+                <a:ea typeface="Verdana" pitchFamily="34" charset="0"/>
+                <a:cs typeface="Verdana" pitchFamily="34" charset="0"/>
+              </a:rPr>
+              <a:t>Principe :</a:t>
+            </a:r>
+          </a:p>
+          <a:p>
+            <a:r>
+              <a:rPr lang="fr-FR" sz="1400" dirty="0" smtClean="0">
+                <a:latin typeface="Verdana" pitchFamily="34" charset="0"/>
+                <a:ea typeface="Verdana" pitchFamily="34" charset="0"/>
+                <a:cs typeface="Verdana" pitchFamily="34" charset="0"/>
+              </a:rPr>
+              <a:t>Cette fonction calcule le prochain mouvement de l’ordinateur.</a:t>
             </a:r>
           </a:p>
           <a:p>
@@ -4476,7 +5740,7 @@
                 <a:ea typeface="Verdana" pitchFamily="34" charset="0"/>
                 <a:cs typeface="Verdana" pitchFamily="34" charset="0"/>
               </a:rPr>
-              <a:t>Modularité du code :</a:t>
+              <a:t>Fonctionnalités :</a:t>
             </a:r>
           </a:p>
           <a:p>
@@ -4486,15 +5750,17 @@
                 <a:ea typeface="Verdana" pitchFamily="34" charset="0"/>
                 <a:cs typeface="Verdana" pitchFamily="34" charset="0"/>
               </a:rPr>
-              <a:t>Il serait possible de programmer ce module en utilisant une autre librairie sans changer les autres modules</a:t>
-            </a:r>
+              <a:t>Détection des cases à défendre ou à attaquer en priorité</a:t>
+            </a:r>
+          </a:p>
+          <a:p>
             <a:r>
               <a:rPr lang="fr-FR" sz="1400" dirty="0" smtClean="0">
                 <a:latin typeface="Verdana" pitchFamily="34" charset="0"/>
                 <a:ea typeface="Verdana" pitchFamily="34" charset="0"/>
                 <a:cs typeface="Verdana" pitchFamily="34" charset="0"/>
               </a:rPr>
-              <a:t>.</a:t>
+              <a:t>Calcul du nombre de pions adverses à voler</a:t>
             </a:r>
           </a:p>
           <a:p>
@@ -4504,745 +5770,36 @@
                 <a:ea typeface="Verdana" pitchFamily="34" charset="0"/>
                 <a:cs typeface="Verdana" pitchFamily="34" charset="0"/>
               </a:rPr>
-              <a:t>Redéfinition des types et des constantes SDL.</a:t>
-            </a:r>
-            <a:endParaRPr lang="fr-FR" sz="1400" dirty="0" smtClean="0">
+              <a:t>Différents tests effectués :</a:t>
+            </a:r>
+          </a:p>
+          <a:p>
+            <a:pPr lvl="1"/>
+            <a:r>
+              <a:rPr lang="fr-FR" sz="1400" dirty="0" smtClean="0">
+                <a:latin typeface="Verdana" pitchFamily="34" charset="0"/>
+                <a:ea typeface="Verdana" pitchFamily="34" charset="0"/>
+                <a:cs typeface="Verdana" pitchFamily="34" charset="0"/>
+              </a:rPr>
+              <a:t>Calcul de la meilleure place pour l’ordinateur</a:t>
+            </a:r>
+          </a:p>
+          <a:p>
+            <a:pPr lvl="1"/>
+            <a:r>
+              <a:rPr lang="fr-FR" sz="1400" dirty="0" smtClean="0">
+                <a:latin typeface="Verdana" pitchFamily="34" charset="0"/>
+                <a:ea typeface="Verdana" pitchFamily="34" charset="0"/>
+                <a:cs typeface="Verdana" pitchFamily="34" charset="0"/>
+              </a:rPr>
+              <a:t>Calcul des risques au pro rata du nombre de pièces volées</a:t>
+            </a:r>
+          </a:p>
+          <a:p>
+            <a:endParaRPr lang="fr-FR" sz="1400" dirty="0">
               <a:latin typeface="Verdana" pitchFamily="34" charset="0"/>
               <a:ea typeface="Verdana" pitchFamily="34" charset="0"/>
               <a:cs typeface="Verdana" pitchFamily="34" charset="0"/>
-            </a:endParaRPr>
-          </a:p>
-          <a:p>
-            <a:pPr>
-              <a:buNone/>
-            </a:pPr>
-            <a:endParaRPr lang="fr-FR" sz="1200" dirty="0">
-              <a:latin typeface="Consolas" pitchFamily="49" charset="0"/>
-              <a:cs typeface="Consolas" pitchFamily="49" charset="0"/>
-            </a:endParaRPr>
-          </a:p>
-          <a:p>
-            <a:pPr>
-              <a:buNone/>
-            </a:pPr>
-            <a:r>
-              <a:rPr lang="fr-FR" sz="1200" dirty="0" smtClean="0">
-                <a:latin typeface="Consolas" pitchFamily="49" charset="0"/>
-                <a:cs typeface="Consolas" pitchFamily="49" charset="0"/>
-              </a:rPr>
-              <a:t>Rectangle 	xy2rect (</a:t>
-            </a:r>
-            <a:r>
-              <a:rPr lang="fr-FR" sz="1200" dirty="0" err="1" smtClean="0">
-                <a:latin typeface="Consolas" pitchFamily="49" charset="0"/>
-                <a:cs typeface="Consolas" pitchFamily="49" charset="0"/>
-              </a:rPr>
-              <a:t>int</a:t>
-            </a:r>
-            <a:r>
-              <a:rPr lang="fr-FR" sz="1200" dirty="0" smtClean="0">
-                <a:latin typeface="Consolas" pitchFamily="49" charset="0"/>
-                <a:cs typeface="Consolas" pitchFamily="49" charset="0"/>
-              </a:rPr>
-              <a:t> x, </a:t>
-            </a:r>
-            <a:r>
-              <a:rPr lang="fr-FR" sz="1200" dirty="0" err="1" smtClean="0">
-                <a:latin typeface="Consolas" pitchFamily="49" charset="0"/>
-                <a:cs typeface="Consolas" pitchFamily="49" charset="0"/>
-              </a:rPr>
-              <a:t>int</a:t>
-            </a:r>
-            <a:r>
-              <a:rPr lang="fr-FR" sz="1200" dirty="0" smtClean="0">
-                <a:latin typeface="Consolas" pitchFamily="49" charset="0"/>
-                <a:cs typeface="Consolas" pitchFamily="49" charset="0"/>
-              </a:rPr>
-              <a:t> y)</a:t>
-            </a:r>
-          </a:p>
-          <a:p>
-            <a:pPr>
-              <a:buNone/>
-            </a:pPr>
-            <a:r>
-              <a:rPr lang="fr-FR" sz="1200" dirty="0" err="1" smtClean="0">
-                <a:latin typeface="Consolas" pitchFamily="49" charset="0"/>
-                <a:cs typeface="Consolas" pitchFamily="49" charset="0"/>
-              </a:rPr>
-              <a:t>int</a:t>
-            </a:r>
-            <a:r>
-              <a:rPr lang="fr-FR" sz="1200" dirty="0" smtClean="0">
-                <a:latin typeface="Consolas" pitchFamily="49" charset="0"/>
-                <a:cs typeface="Consolas" pitchFamily="49" charset="0"/>
-              </a:rPr>
-              <a:t> 		</a:t>
-            </a:r>
-            <a:r>
-              <a:rPr lang="fr-FR" sz="1200" dirty="0" err="1" smtClean="0">
-                <a:latin typeface="Consolas" pitchFamily="49" charset="0"/>
-                <a:cs typeface="Consolas" pitchFamily="49" charset="0"/>
-              </a:rPr>
-              <a:t>afficheInit</a:t>
-            </a:r>
-            <a:r>
-              <a:rPr lang="fr-FR" sz="1200" dirty="0" smtClean="0">
-                <a:latin typeface="Consolas" pitchFamily="49" charset="0"/>
-                <a:cs typeface="Consolas" pitchFamily="49" charset="0"/>
-              </a:rPr>
-              <a:t> ()</a:t>
-            </a:r>
-          </a:p>
-          <a:p>
-            <a:pPr>
-              <a:buNone/>
-            </a:pPr>
-            <a:r>
-              <a:rPr lang="fr-FR" sz="1200" dirty="0" err="1" smtClean="0">
-                <a:latin typeface="Consolas" pitchFamily="49" charset="0"/>
-                <a:cs typeface="Consolas" pitchFamily="49" charset="0"/>
-              </a:rPr>
-              <a:t>void</a:t>
-            </a:r>
-            <a:r>
-              <a:rPr lang="fr-FR" sz="1200" dirty="0" smtClean="0">
-                <a:latin typeface="Consolas" pitchFamily="49" charset="0"/>
-                <a:cs typeface="Consolas" pitchFamily="49" charset="0"/>
-              </a:rPr>
-              <a:t> 	</a:t>
-            </a:r>
-            <a:r>
-              <a:rPr lang="fr-FR" sz="1200" dirty="0" err="1" smtClean="0">
-                <a:latin typeface="Consolas" pitchFamily="49" charset="0"/>
-                <a:cs typeface="Consolas" pitchFamily="49" charset="0"/>
-              </a:rPr>
-              <a:t>afficheScores</a:t>
-            </a:r>
-            <a:r>
-              <a:rPr lang="fr-FR" sz="1200" dirty="0" smtClean="0">
-                <a:latin typeface="Consolas" pitchFamily="49" charset="0"/>
-                <a:cs typeface="Consolas" pitchFamily="49" charset="0"/>
-              </a:rPr>
-              <a:t> (</a:t>
-            </a:r>
-            <a:r>
-              <a:rPr lang="fr-FR" sz="1200" dirty="0" err="1" smtClean="0">
-                <a:latin typeface="Consolas" pitchFamily="49" charset="0"/>
-                <a:cs typeface="Consolas" pitchFamily="49" charset="0"/>
-              </a:rPr>
-              <a:t>int</a:t>
-            </a:r>
-            <a:r>
-              <a:rPr lang="fr-FR" sz="1200" dirty="0" smtClean="0">
-                <a:latin typeface="Consolas" pitchFamily="49" charset="0"/>
-                <a:cs typeface="Consolas" pitchFamily="49" charset="0"/>
-              </a:rPr>
-              <a:t> s1, </a:t>
-            </a:r>
-            <a:r>
-              <a:rPr lang="fr-FR" sz="1200" dirty="0" err="1" smtClean="0">
-                <a:latin typeface="Consolas" pitchFamily="49" charset="0"/>
-                <a:cs typeface="Consolas" pitchFamily="49" charset="0"/>
-              </a:rPr>
-              <a:t>int</a:t>
-            </a:r>
-            <a:r>
-              <a:rPr lang="fr-FR" sz="1200" dirty="0" smtClean="0">
-                <a:latin typeface="Consolas" pitchFamily="49" charset="0"/>
-                <a:cs typeface="Consolas" pitchFamily="49" charset="0"/>
-              </a:rPr>
-              <a:t> s2, Image *chiffres[], Image *haut, Image *pion_j1, Image 		*pion_j2, Image *</a:t>
-            </a:r>
-            <a:r>
-              <a:rPr lang="fr-FR" sz="1200" dirty="0" err="1" smtClean="0">
-                <a:latin typeface="Consolas" pitchFamily="49" charset="0"/>
-                <a:cs typeface="Consolas" pitchFamily="49" charset="0"/>
-              </a:rPr>
-              <a:t>ecran</a:t>
-            </a:r>
-            <a:r>
-              <a:rPr lang="fr-FR" sz="1200" dirty="0" smtClean="0">
-                <a:latin typeface="Consolas" pitchFamily="49" charset="0"/>
-                <a:cs typeface="Consolas" pitchFamily="49" charset="0"/>
-              </a:rPr>
-              <a:t>)</a:t>
-            </a:r>
-          </a:p>
-          <a:p>
-            <a:pPr>
-              <a:buNone/>
-            </a:pPr>
-            <a:r>
-              <a:rPr lang="fr-FR" sz="1200" dirty="0" err="1" smtClean="0">
-                <a:latin typeface="Consolas" pitchFamily="49" charset="0"/>
-                <a:cs typeface="Consolas" pitchFamily="49" charset="0"/>
-              </a:rPr>
-              <a:t>void</a:t>
-            </a:r>
-            <a:r>
-              <a:rPr lang="fr-FR" sz="1200" dirty="0" smtClean="0">
-                <a:latin typeface="Consolas" pitchFamily="49" charset="0"/>
-                <a:cs typeface="Consolas" pitchFamily="49" charset="0"/>
-              </a:rPr>
-              <a:t> 	</a:t>
-            </a:r>
-            <a:r>
-              <a:rPr lang="fr-FR" sz="1200" dirty="0" err="1" smtClean="0">
-                <a:latin typeface="Consolas" pitchFamily="49" charset="0"/>
-                <a:cs typeface="Consolas" pitchFamily="49" charset="0"/>
-              </a:rPr>
-              <a:t>afficheNiveauOrdinateur</a:t>
-            </a:r>
-            <a:r>
-              <a:rPr lang="fr-FR" sz="1200" dirty="0" smtClean="0">
-                <a:latin typeface="Consolas" pitchFamily="49" charset="0"/>
-                <a:cs typeface="Consolas" pitchFamily="49" charset="0"/>
-              </a:rPr>
-              <a:t> (</a:t>
-            </a:r>
-            <a:r>
-              <a:rPr lang="fr-FR" sz="1200" dirty="0" err="1" smtClean="0">
-                <a:latin typeface="Consolas" pitchFamily="49" charset="0"/>
-                <a:cs typeface="Consolas" pitchFamily="49" charset="0"/>
-              </a:rPr>
-              <a:t>int</a:t>
-            </a:r>
-            <a:r>
-              <a:rPr lang="fr-FR" sz="1200" dirty="0" smtClean="0">
-                <a:latin typeface="Consolas" pitchFamily="49" charset="0"/>
-                <a:cs typeface="Consolas" pitchFamily="49" charset="0"/>
-              </a:rPr>
-              <a:t> x, </a:t>
-            </a:r>
-            <a:r>
-              <a:rPr lang="fr-FR" sz="1200" dirty="0" err="1" smtClean="0">
-                <a:latin typeface="Consolas" pitchFamily="49" charset="0"/>
-                <a:cs typeface="Consolas" pitchFamily="49" charset="0"/>
-              </a:rPr>
-              <a:t>int</a:t>
-            </a:r>
-            <a:r>
-              <a:rPr lang="fr-FR" sz="1200" dirty="0" smtClean="0">
-                <a:latin typeface="Consolas" pitchFamily="49" charset="0"/>
-                <a:cs typeface="Consolas" pitchFamily="49" charset="0"/>
-              </a:rPr>
-              <a:t> y, </a:t>
-            </a:r>
-            <a:r>
-              <a:rPr lang="fr-FR" sz="1200" dirty="0" err="1" smtClean="0">
-                <a:latin typeface="Consolas" pitchFamily="49" charset="0"/>
-                <a:cs typeface="Consolas" pitchFamily="49" charset="0"/>
-              </a:rPr>
-              <a:t>int</a:t>
-            </a:r>
-            <a:r>
-              <a:rPr lang="fr-FR" sz="1200" dirty="0" smtClean="0">
-                <a:latin typeface="Consolas" pitchFamily="49" charset="0"/>
-                <a:cs typeface="Consolas" pitchFamily="49" charset="0"/>
-              </a:rPr>
-              <a:t> </a:t>
-            </a:r>
-            <a:r>
-              <a:rPr lang="fr-FR" sz="1200" dirty="0" err="1" smtClean="0">
-                <a:latin typeface="Consolas" pitchFamily="49" charset="0"/>
-                <a:cs typeface="Consolas" pitchFamily="49" charset="0"/>
-              </a:rPr>
-              <a:t>niv</a:t>
-            </a:r>
-            <a:r>
-              <a:rPr lang="fr-FR" sz="1200" dirty="0" smtClean="0">
-                <a:latin typeface="Consolas" pitchFamily="49" charset="0"/>
-                <a:cs typeface="Consolas" pitchFamily="49" charset="0"/>
-              </a:rPr>
-              <a:t>, Image *chiffre[], Image *</a:t>
-            </a:r>
-            <a:r>
-              <a:rPr lang="fr-FR" sz="1200" dirty="0" err="1" smtClean="0">
-                <a:latin typeface="Consolas" pitchFamily="49" charset="0"/>
-                <a:cs typeface="Consolas" pitchFamily="49" charset="0"/>
-              </a:rPr>
-              <a:t>ecran</a:t>
-            </a:r>
-            <a:r>
-              <a:rPr lang="fr-FR" sz="1200" dirty="0" smtClean="0">
-                <a:latin typeface="Consolas" pitchFamily="49" charset="0"/>
-                <a:cs typeface="Consolas" pitchFamily="49" charset="0"/>
-              </a:rPr>
-              <a:t>)</a:t>
-            </a:r>
-          </a:p>
-          <a:p>
-            <a:pPr>
-              <a:buNone/>
-            </a:pPr>
-            <a:r>
-              <a:rPr lang="fr-FR" sz="1200" dirty="0" err="1" smtClean="0">
-                <a:latin typeface="Consolas" pitchFamily="49" charset="0"/>
-                <a:cs typeface="Consolas" pitchFamily="49" charset="0"/>
-              </a:rPr>
-              <a:t>void</a:t>
-            </a:r>
-            <a:r>
-              <a:rPr lang="fr-FR" sz="1200" dirty="0" smtClean="0">
-                <a:latin typeface="Consolas" pitchFamily="49" charset="0"/>
-                <a:cs typeface="Consolas" pitchFamily="49" charset="0"/>
-              </a:rPr>
-              <a:t> 	</a:t>
-            </a:r>
-            <a:r>
-              <a:rPr lang="fr-FR" sz="1200" dirty="0" err="1" smtClean="0">
-                <a:latin typeface="Consolas" pitchFamily="49" charset="0"/>
-                <a:cs typeface="Consolas" pitchFamily="49" charset="0"/>
-              </a:rPr>
-              <a:t>afficheQuiJoue</a:t>
-            </a:r>
-            <a:r>
-              <a:rPr lang="fr-FR" sz="1200" dirty="0" smtClean="0">
-                <a:latin typeface="Consolas" pitchFamily="49" charset="0"/>
-                <a:cs typeface="Consolas" pitchFamily="49" charset="0"/>
-              </a:rPr>
-              <a:t> (</a:t>
-            </a:r>
-            <a:r>
-              <a:rPr lang="fr-FR" sz="1200" dirty="0" err="1" smtClean="0">
-                <a:latin typeface="Consolas" pitchFamily="49" charset="0"/>
-                <a:cs typeface="Consolas" pitchFamily="49" charset="0"/>
-              </a:rPr>
-              <a:t>int</a:t>
-            </a:r>
-            <a:r>
-              <a:rPr lang="fr-FR" sz="1200" dirty="0" smtClean="0">
-                <a:latin typeface="Consolas" pitchFamily="49" charset="0"/>
-                <a:cs typeface="Consolas" pitchFamily="49" charset="0"/>
-              </a:rPr>
-              <a:t> j, Image *</a:t>
-            </a:r>
-            <a:r>
-              <a:rPr lang="fr-FR" sz="1200" dirty="0" err="1" smtClean="0">
-                <a:latin typeface="Consolas" pitchFamily="49" charset="0"/>
-                <a:cs typeface="Consolas" pitchFamily="49" charset="0"/>
-              </a:rPr>
-              <a:t>ecran</a:t>
-            </a:r>
-            <a:r>
-              <a:rPr lang="fr-FR" sz="1200" dirty="0" smtClean="0">
-                <a:latin typeface="Consolas" pitchFamily="49" charset="0"/>
-                <a:cs typeface="Consolas" pitchFamily="49" charset="0"/>
-              </a:rPr>
-              <a:t>)</a:t>
-            </a:r>
-          </a:p>
-          <a:p>
-            <a:pPr>
-              <a:buNone/>
-            </a:pPr>
-            <a:r>
-              <a:rPr lang="fr-FR" sz="1200" dirty="0" err="1" smtClean="0">
-                <a:latin typeface="Consolas" pitchFamily="49" charset="0"/>
-                <a:cs typeface="Consolas" pitchFamily="49" charset="0"/>
-              </a:rPr>
-              <a:t>void</a:t>
-            </a:r>
-            <a:r>
-              <a:rPr lang="fr-FR" sz="1200" dirty="0" smtClean="0">
-                <a:latin typeface="Consolas" pitchFamily="49" charset="0"/>
-                <a:cs typeface="Consolas" pitchFamily="49" charset="0"/>
-              </a:rPr>
-              <a:t> 	</a:t>
-            </a:r>
-            <a:r>
-              <a:rPr lang="fr-FR" sz="1200" dirty="0" err="1" smtClean="0">
-                <a:latin typeface="Consolas" pitchFamily="49" charset="0"/>
-                <a:cs typeface="Consolas" pitchFamily="49" charset="0"/>
-              </a:rPr>
-              <a:t>afficheFinJeu</a:t>
-            </a:r>
-            <a:r>
-              <a:rPr lang="fr-FR" sz="1200" dirty="0" smtClean="0">
-                <a:latin typeface="Consolas" pitchFamily="49" charset="0"/>
-                <a:cs typeface="Consolas" pitchFamily="49" charset="0"/>
-              </a:rPr>
-              <a:t> (</a:t>
-            </a:r>
-            <a:r>
-              <a:rPr lang="fr-FR" sz="1200" dirty="0" err="1" smtClean="0">
-                <a:latin typeface="Consolas" pitchFamily="49" charset="0"/>
-                <a:cs typeface="Consolas" pitchFamily="49" charset="0"/>
-              </a:rPr>
-              <a:t>int</a:t>
-            </a:r>
-            <a:r>
-              <a:rPr lang="fr-FR" sz="1200" dirty="0" smtClean="0">
-                <a:latin typeface="Consolas" pitchFamily="49" charset="0"/>
-                <a:cs typeface="Consolas" pitchFamily="49" charset="0"/>
-              </a:rPr>
-              <a:t> s1, </a:t>
-            </a:r>
-            <a:r>
-              <a:rPr lang="fr-FR" sz="1200" dirty="0" err="1" smtClean="0">
-                <a:latin typeface="Consolas" pitchFamily="49" charset="0"/>
-                <a:cs typeface="Consolas" pitchFamily="49" charset="0"/>
-              </a:rPr>
-              <a:t>int</a:t>
-            </a:r>
-            <a:r>
-              <a:rPr lang="fr-FR" sz="1200" dirty="0" smtClean="0">
-                <a:latin typeface="Consolas" pitchFamily="49" charset="0"/>
-                <a:cs typeface="Consolas" pitchFamily="49" charset="0"/>
-              </a:rPr>
-              <a:t> s2, </a:t>
-            </a:r>
-            <a:r>
-              <a:rPr lang="fr-FR" sz="1200" dirty="0" err="1" smtClean="0">
-                <a:latin typeface="Consolas" pitchFamily="49" charset="0"/>
-                <a:cs typeface="Consolas" pitchFamily="49" charset="0"/>
-              </a:rPr>
-              <a:t>int</a:t>
-            </a:r>
-            <a:r>
-              <a:rPr lang="fr-FR" sz="1200" dirty="0" smtClean="0">
-                <a:latin typeface="Consolas" pitchFamily="49" charset="0"/>
-                <a:cs typeface="Consolas" pitchFamily="49" charset="0"/>
-              </a:rPr>
-              <a:t> ordi, Image *</a:t>
-            </a:r>
-            <a:r>
-              <a:rPr lang="fr-FR" sz="1200" dirty="0" err="1" smtClean="0">
-                <a:latin typeface="Consolas" pitchFamily="49" charset="0"/>
-                <a:cs typeface="Consolas" pitchFamily="49" charset="0"/>
-              </a:rPr>
-              <a:t>ecran</a:t>
-            </a:r>
-            <a:r>
-              <a:rPr lang="fr-FR" sz="1200" dirty="0" smtClean="0">
-                <a:latin typeface="Consolas" pitchFamily="49" charset="0"/>
-                <a:cs typeface="Consolas" pitchFamily="49" charset="0"/>
-              </a:rPr>
-              <a:t>)</a:t>
-            </a:r>
-          </a:p>
-          <a:p>
-            <a:pPr>
-              <a:buNone/>
-            </a:pPr>
-            <a:r>
-              <a:rPr lang="fr-FR" sz="1200" dirty="0" err="1" smtClean="0">
-                <a:latin typeface="Consolas" pitchFamily="49" charset="0"/>
-                <a:cs typeface="Consolas" pitchFamily="49" charset="0"/>
-              </a:rPr>
-              <a:t>void</a:t>
-            </a:r>
-            <a:r>
-              <a:rPr lang="fr-FR" sz="1200" dirty="0" smtClean="0">
-                <a:latin typeface="Consolas" pitchFamily="49" charset="0"/>
-                <a:cs typeface="Consolas" pitchFamily="49" charset="0"/>
-              </a:rPr>
-              <a:t> 	</a:t>
-            </a:r>
-            <a:r>
-              <a:rPr lang="fr-FR" sz="1200" dirty="0" err="1" smtClean="0">
-                <a:latin typeface="Consolas" pitchFamily="49" charset="0"/>
-                <a:cs typeface="Consolas" pitchFamily="49" charset="0"/>
-              </a:rPr>
-              <a:t>afficheImage</a:t>
-            </a:r>
-            <a:r>
-              <a:rPr lang="fr-FR" sz="1200" dirty="0" smtClean="0">
-                <a:latin typeface="Consolas" pitchFamily="49" charset="0"/>
-                <a:cs typeface="Consolas" pitchFamily="49" charset="0"/>
-              </a:rPr>
-              <a:t> (</a:t>
-            </a:r>
-            <a:r>
-              <a:rPr lang="fr-FR" sz="1200" dirty="0" err="1" smtClean="0">
-                <a:latin typeface="Consolas" pitchFamily="49" charset="0"/>
-                <a:cs typeface="Consolas" pitchFamily="49" charset="0"/>
-              </a:rPr>
-              <a:t>int</a:t>
-            </a:r>
-            <a:r>
-              <a:rPr lang="fr-FR" sz="1200" dirty="0" smtClean="0">
-                <a:latin typeface="Consolas" pitchFamily="49" charset="0"/>
-                <a:cs typeface="Consolas" pitchFamily="49" charset="0"/>
-              </a:rPr>
-              <a:t> x, </a:t>
-            </a:r>
-            <a:r>
-              <a:rPr lang="fr-FR" sz="1200" dirty="0" err="1" smtClean="0">
-                <a:latin typeface="Consolas" pitchFamily="49" charset="0"/>
-                <a:cs typeface="Consolas" pitchFamily="49" charset="0"/>
-              </a:rPr>
-              <a:t>int</a:t>
-            </a:r>
-            <a:r>
-              <a:rPr lang="fr-FR" sz="1200" dirty="0" smtClean="0">
-                <a:latin typeface="Consolas" pitchFamily="49" charset="0"/>
-                <a:cs typeface="Consolas" pitchFamily="49" charset="0"/>
-              </a:rPr>
-              <a:t> y, Image *image, Image *</a:t>
-            </a:r>
-            <a:r>
-              <a:rPr lang="fr-FR" sz="1200" dirty="0" err="1" smtClean="0">
-                <a:latin typeface="Consolas" pitchFamily="49" charset="0"/>
-                <a:cs typeface="Consolas" pitchFamily="49" charset="0"/>
-              </a:rPr>
-              <a:t>ecran</a:t>
-            </a:r>
-            <a:r>
-              <a:rPr lang="fr-FR" sz="1200" dirty="0" smtClean="0">
-                <a:latin typeface="Consolas" pitchFamily="49" charset="0"/>
-                <a:cs typeface="Consolas" pitchFamily="49" charset="0"/>
-              </a:rPr>
-              <a:t>)</a:t>
-            </a:r>
-          </a:p>
-          <a:p>
-            <a:pPr>
-              <a:buNone/>
-            </a:pPr>
-            <a:r>
-              <a:rPr lang="fr-FR" sz="1200" dirty="0" err="1" smtClean="0">
-                <a:latin typeface="Consolas" pitchFamily="49" charset="0"/>
-                <a:cs typeface="Consolas" pitchFamily="49" charset="0"/>
-              </a:rPr>
-              <a:t>void</a:t>
-            </a:r>
-            <a:r>
-              <a:rPr lang="fr-FR" sz="1200" dirty="0" smtClean="0">
-                <a:latin typeface="Consolas" pitchFamily="49" charset="0"/>
-                <a:cs typeface="Consolas" pitchFamily="49" charset="0"/>
-              </a:rPr>
-              <a:t> 	</a:t>
-            </a:r>
-            <a:r>
-              <a:rPr lang="fr-FR" sz="1200" dirty="0" err="1" smtClean="0">
-                <a:latin typeface="Consolas" pitchFamily="49" charset="0"/>
-                <a:cs typeface="Consolas" pitchFamily="49" charset="0"/>
-              </a:rPr>
-              <a:t>afficheImageRect</a:t>
-            </a:r>
-            <a:r>
-              <a:rPr lang="fr-FR" sz="1200" dirty="0" smtClean="0">
-                <a:latin typeface="Consolas" pitchFamily="49" charset="0"/>
-                <a:cs typeface="Consolas" pitchFamily="49" charset="0"/>
-              </a:rPr>
-              <a:t> (Rectangle </a:t>
-            </a:r>
-            <a:r>
-              <a:rPr lang="fr-FR" sz="1200" dirty="0" err="1" smtClean="0">
-                <a:latin typeface="Consolas" pitchFamily="49" charset="0"/>
-                <a:cs typeface="Consolas" pitchFamily="49" charset="0"/>
-              </a:rPr>
-              <a:t>rect</a:t>
-            </a:r>
-            <a:r>
-              <a:rPr lang="fr-FR" sz="1200" dirty="0" smtClean="0">
-                <a:latin typeface="Consolas" pitchFamily="49" charset="0"/>
-                <a:cs typeface="Consolas" pitchFamily="49" charset="0"/>
-              </a:rPr>
-              <a:t>, Image *image, Image *</a:t>
-            </a:r>
-            <a:r>
-              <a:rPr lang="fr-FR" sz="1200" dirty="0" err="1" smtClean="0">
-                <a:latin typeface="Consolas" pitchFamily="49" charset="0"/>
-                <a:cs typeface="Consolas" pitchFamily="49" charset="0"/>
-              </a:rPr>
-              <a:t>ecran</a:t>
-            </a:r>
-            <a:r>
-              <a:rPr lang="fr-FR" sz="1200" dirty="0" smtClean="0">
-                <a:latin typeface="Consolas" pitchFamily="49" charset="0"/>
-                <a:cs typeface="Consolas" pitchFamily="49" charset="0"/>
-              </a:rPr>
-              <a:t>)</a:t>
-            </a:r>
-          </a:p>
-          <a:p>
-            <a:pPr>
-              <a:buNone/>
-            </a:pPr>
-            <a:r>
-              <a:rPr lang="fr-FR" sz="1200" dirty="0" err="1" smtClean="0">
-                <a:latin typeface="Consolas" pitchFamily="49" charset="0"/>
-                <a:cs typeface="Consolas" pitchFamily="49" charset="0"/>
-              </a:rPr>
-              <a:t>void</a:t>
-            </a:r>
-            <a:r>
-              <a:rPr lang="fr-FR" sz="1200" dirty="0" smtClean="0">
-                <a:latin typeface="Consolas" pitchFamily="49" charset="0"/>
-                <a:cs typeface="Consolas" pitchFamily="49" charset="0"/>
-              </a:rPr>
-              <a:t> 	</a:t>
-            </a:r>
-            <a:r>
-              <a:rPr lang="fr-FR" sz="1200" dirty="0" err="1" smtClean="0">
-                <a:latin typeface="Consolas" pitchFamily="49" charset="0"/>
-                <a:cs typeface="Consolas" pitchFamily="49" charset="0"/>
-              </a:rPr>
-              <a:t>afficheJeu</a:t>
-            </a:r>
-            <a:r>
-              <a:rPr lang="fr-FR" sz="1200" dirty="0" smtClean="0">
-                <a:latin typeface="Consolas" pitchFamily="49" charset="0"/>
-                <a:cs typeface="Consolas" pitchFamily="49" charset="0"/>
-              </a:rPr>
-              <a:t> (</a:t>
-            </a:r>
-            <a:r>
-              <a:rPr lang="fr-FR" sz="1200" dirty="0" err="1" smtClean="0">
-                <a:latin typeface="Consolas" pitchFamily="49" charset="0"/>
-                <a:cs typeface="Consolas" pitchFamily="49" charset="0"/>
-              </a:rPr>
-              <a:t>const</a:t>
-            </a:r>
-            <a:r>
-              <a:rPr lang="fr-FR" sz="1200" dirty="0" smtClean="0">
-                <a:latin typeface="Consolas" pitchFamily="49" charset="0"/>
-                <a:cs typeface="Consolas" pitchFamily="49" charset="0"/>
-              </a:rPr>
-              <a:t> Plateau *p, Image *</a:t>
-            </a:r>
-            <a:r>
-              <a:rPr lang="fr-FR" sz="1200" dirty="0" err="1" smtClean="0">
-                <a:latin typeface="Consolas" pitchFamily="49" charset="0"/>
-                <a:cs typeface="Consolas" pitchFamily="49" charset="0"/>
-              </a:rPr>
-              <a:t>image_case</a:t>
-            </a:r>
-            <a:r>
-              <a:rPr lang="fr-FR" sz="1200" dirty="0" smtClean="0">
-                <a:latin typeface="Consolas" pitchFamily="49" charset="0"/>
-                <a:cs typeface="Consolas" pitchFamily="49" charset="0"/>
-              </a:rPr>
-              <a:t>, Image *pion_j1, Image *pion_j2, 		Image *</a:t>
-            </a:r>
-            <a:r>
-              <a:rPr lang="fr-FR" sz="1200" dirty="0" err="1" smtClean="0">
-                <a:latin typeface="Consolas" pitchFamily="49" charset="0"/>
-                <a:cs typeface="Consolas" pitchFamily="49" charset="0"/>
-              </a:rPr>
-              <a:t>ecran</a:t>
-            </a:r>
-            <a:r>
-              <a:rPr lang="fr-FR" sz="1200" dirty="0" smtClean="0">
-                <a:latin typeface="Consolas" pitchFamily="49" charset="0"/>
-                <a:cs typeface="Consolas" pitchFamily="49" charset="0"/>
-              </a:rPr>
-              <a:t>)</a:t>
-            </a:r>
-          </a:p>
-          <a:p>
-            <a:pPr>
-              <a:buNone/>
-            </a:pPr>
-            <a:r>
-              <a:rPr lang="fr-FR" sz="1200" dirty="0" err="1" smtClean="0">
-                <a:latin typeface="Consolas" pitchFamily="49" charset="0"/>
-                <a:cs typeface="Consolas" pitchFamily="49" charset="0"/>
-              </a:rPr>
-              <a:t>void</a:t>
-            </a:r>
-            <a:r>
-              <a:rPr lang="fr-FR" sz="1200" dirty="0" smtClean="0">
-                <a:latin typeface="Consolas" pitchFamily="49" charset="0"/>
-                <a:cs typeface="Consolas" pitchFamily="49" charset="0"/>
-              </a:rPr>
-              <a:t> 	</a:t>
-            </a:r>
-            <a:r>
-              <a:rPr lang="fr-FR" sz="1200" dirty="0" err="1" smtClean="0">
-                <a:latin typeface="Consolas" pitchFamily="49" charset="0"/>
-                <a:cs typeface="Consolas" pitchFamily="49" charset="0"/>
-              </a:rPr>
-              <a:t>afficheVerifChargement</a:t>
-            </a:r>
-            <a:r>
-              <a:rPr lang="fr-FR" sz="1200" dirty="0" smtClean="0">
-                <a:latin typeface="Consolas" pitchFamily="49" charset="0"/>
-                <a:cs typeface="Consolas" pitchFamily="49" charset="0"/>
-              </a:rPr>
-              <a:t> (Image *</a:t>
-            </a:r>
-            <a:r>
-              <a:rPr lang="fr-FR" sz="1200" dirty="0" err="1" smtClean="0">
-                <a:latin typeface="Consolas" pitchFamily="49" charset="0"/>
-                <a:cs typeface="Consolas" pitchFamily="49" charset="0"/>
-              </a:rPr>
-              <a:t>img</a:t>
-            </a:r>
-            <a:r>
-              <a:rPr lang="fr-FR" sz="1200" dirty="0" smtClean="0">
-                <a:latin typeface="Consolas" pitchFamily="49" charset="0"/>
-                <a:cs typeface="Consolas" pitchFamily="49" charset="0"/>
-              </a:rPr>
-              <a:t>)</a:t>
-            </a:r>
-          </a:p>
-          <a:p>
-            <a:pPr>
-              <a:buNone/>
-            </a:pPr>
-            <a:r>
-              <a:rPr lang="fr-FR" sz="1200" dirty="0" err="1" smtClean="0">
-                <a:latin typeface="Consolas" pitchFamily="49" charset="0"/>
-                <a:cs typeface="Consolas" pitchFamily="49" charset="0"/>
-              </a:rPr>
-              <a:t>void</a:t>
-            </a:r>
-            <a:r>
-              <a:rPr lang="fr-FR" sz="1200" dirty="0" smtClean="0">
-                <a:latin typeface="Consolas" pitchFamily="49" charset="0"/>
-                <a:cs typeface="Consolas" pitchFamily="49" charset="0"/>
-              </a:rPr>
-              <a:t> 	</a:t>
-            </a:r>
-            <a:r>
-              <a:rPr lang="fr-FR" sz="1200" dirty="0" err="1" smtClean="0">
-                <a:latin typeface="Consolas" pitchFamily="49" charset="0"/>
-                <a:cs typeface="Consolas" pitchFamily="49" charset="0"/>
-              </a:rPr>
-              <a:t>afficheCaseJeu</a:t>
-            </a:r>
-            <a:r>
-              <a:rPr lang="fr-FR" sz="1200" dirty="0" smtClean="0">
-                <a:latin typeface="Consolas" pitchFamily="49" charset="0"/>
-                <a:cs typeface="Consolas" pitchFamily="49" charset="0"/>
-              </a:rPr>
-              <a:t> (</a:t>
-            </a:r>
-            <a:r>
-              <a:rPr lang="fr-FR" sz="1200" dirty="0" err="1" smtClean="0">
-                <a:latin typeface="Consolas" pitchFamily="49" charset="0"/>
-                <a:cs typeface="Consolas" pitchFamily="49" charset="0"/>
-              </a:rPr>
-              <a:t>const</a:t>
-            </a:r>
-            <a:r>
-              <a:rPr lang="fr-FR" sz="1200" dirty="0" smtClean="0">
-                <a:latin typeface="Consolas" pitchFamily="49" charset="0"/>
-                <a:cs typeface="Consolas" pitchFamily="49" charset="0"/>
-              </a:rPr>
-              <a:t> Case *c, Image *image, Image *</a:t>
-            </a:r>
-            <a:r>
-              <a:rPr lang="fr-FR" sz="1200" dirty="0" err="1" smtClean="0">
-                <a:latin typeface="Consolas" pitchFamily="49" charset="0"/>
-                <a:cs typeface="Consolas" pitchFamily="49" charset="0"/>
-              </a:rPr>
-              <a:t>ecran</a:t>
-            </a:r>
-            <a:r>
-              <a:rPr lang="fr-FR" sz="1200" dirty="0" smtClean="0">
-                <a:latin typeface="Consolas" pitchFamily="49" charset="0"/>
-                <a:cs typeface="Consolas" pitchFamily="49" charset="0"/>
-              </a:rPr>
-              <a:t>)</a:t>
-            </a:r>
-            <a:endParaRPr lang="fr-FR" sz="1200" dirty="0" smtClean="0">
-              <a:latin typeface="Consolas" pitchFamily="49" charset="0"/>
-              <a:cs typeface="Consolas" pitchFamily="49" charset="0"/>
             </a:endParaRPr>
           </a:p>
         </p:txBody>
@@ -5316,7 +5873,971 @@
                 <a:latin typeface="Calibri"/>
               </a:rPr>
               <a:pPr/>
-              <a:t>11</a:t>
+              <a:t>12</a:t>
+            </a:fld>
+            <a:endParaRPr lang="fr-FR" dirty="0"/>
+          </a:p>
+        </p:txBody>
+      </p:sp>
+    </p:spTree>
+  </p:cSld>
+  <p:clrMapOvr>
+    <a:masterClrMapping/>
+  </p:clrMapOvr>
+  <p:transition/>
+  <p:timing>
+    <p:tnLst>
+      <p:par>
+        <p:cTn id="1" dur="indefinite" restart="never" nodeType="tmRoot"/>
+      </p:par>
+    </p:tnLst>
+  </p:timing>
+</p:sld>
+</file>
+
+<file path=ppt/slides/slide13.xml><?xml version="1.0" encoding="utf-8"?>
+<p:sld xmlns:a="http://schemas.openxmlformats.org/drawingml/2006/main" xmlns:r="http://schemas.openxmlformats.org/officeDocument/2006/relationships" xmlns:p="http://schemas.openxmlformats.org/presentationml/2006/main">
+  <p:cSld>
+    <p:spTree>
+      <p:nvGrpSpPr>
+        <p:cNvPr id="1" name=""/>
+        <p:cNvGrpSpPr/>
+        <p:nvPr/>
+      </p:nvGrpSpPr>
+      <p:grpSpPr>
+        <a:xfrm>
+          <a:off x="0" y="0"/>
+          <a:ext cx="0" cy="0"/>
+          <a:chOff x="0" y="0"/>
+          <a:chExt cx="0" cy="0"/>
+        </a:xfrm>
+      </p:grpSpPr>
+      <p:sp>
+        <p:nvSpPr>
+          <p:cNvPr id="4" name="Titre 3"/>
+          <p:cNvSpPr>
+            <a:spLocks noGrp="1"/>
+          </p:cNvSpPr>
+          <p:nvPr>
+            <p:ph type="title"/>
+          </p:nvPr>
+        </p:nvSpPr>
+        <p:spPr/>
+        <p:txBody>
+          <a:bodyPr/>
+          <a:lstStyle/>
+          <a:p>
+            <a:r>
+              <a:rPr lang="fr-FR" dirty="0" smtClean="0"/>
+              <a:t>Affiche (1/2)</a:t>
+            </a:r>
+            <a:endParaRPr lang="fr-FR" dirty="0"/>
+          </a:p>
+        </p:txBody>
+      </p:sp>
+      <p:sp>
+        <p:nvSpPr>
+          <p:cNvPr id="5" name="Espace réservé du contenu 4"/>
+          <p:cNvSpPr>
+            <a:spLocks noGrp="1"/>
+          </p:cNvSpPr>
+          <p:nvPr>
+            <p:ph idx="1"/>
+          </p:nvPr>
+        </p:nvSpPr>
+        <p:spPr>
+          <a:xfrm>
+            <a:off x="590872" y="1196752"/>
+            <a:ext cx="8229600" cy="5069160"/>
+          </a:xfrm>
+        </p:spPr>
+        <p:txBody>
+          <a:bodyPr>
+            <a:noAutofit/>
+          </a:bodyPr>
+          <a:lstStyle/>
+          <a:p>
+            <a:pPr>
+              <a:buNone/>
+            </a:pPr>
+            <a:endParaRPr lang="fr-FR" sz="1200" dirty="0" smtClean="0">
+              <a:latin typeface="Verdana" pitchFamily="34" charset="0"/>
+              <a:ea typeface="Verdana" pitchFamily="34" charset="0"/>
+              <a:cs typeface="Verdana" pitchFamily="34" charset="0"/>
+            </a:endParaRPr>
+          </a:p>
+          <a:p>
+            <a:pPr>
+              <a:buNone/>
+            </a:pPr>
+            <a:r>
+              <a:rPr lang="fr-FR" sz="1400" b="1" dirty="0" smtClean="0">
+                <a:latin typeface="Verdana" pitchFamily="34" charset="0"/>
+                <a:ea typeface="Verdana" pitchFamily="34" charset="0"/>
+                <a:cs typeface="Verdana" pitchFamily="34" charset="0"/>
+              </a:rPr>
+              <a:t>Fonctions d’affichage :</a:t>
+            </a:r>
+            <a:endParaRPr lang="fr-FR" sz="1400" b="1" dirty="0">
+              <a:latin typeface="Verdana" pitchFamily="34" charset="0"/>
+              <a:ea typeface="Verdana" pitchFamily="34" charset="0"/>
+              <a:cs typeface="Verdana" pitchFamily="34" charset="0"/>
+            </a:endParaRPr>
+          </a:p>
+          <a:p>
+            <a:r>
+              <a:rPr lang="fr-FR" sz="1400" dirty="0" smtClean="0">
+                <a:latin typeface="Verdana" pitchFamily="34" charset="0"/>
+                <a:ea typeface="Verdana" pitchFamily="34" charset="0"/>
+                <a:cs typeface="Verdana" pitchFamily="34" charset="0"/>
+              </a:rPr>
+              <a:t>Ces fonctions utilisent la SDL.</a:t>
+            </a:r>
+          </a:p>
+          <a:p>
+            <a:pPr>
+              <a:buNone/>
+            </a:pPr>
+            <a:endParaRPr lang="fr-FR" sz="1400" dirty="0">
+              <a:latin typeface="Verdana" pitchFamily="34" charset="0"/>
+              <a:ea typeface="Verdana" pitchFamily="34" charset="0"/>
+              <a:cs typeface="Verdana" pitchFamily="34" charset="0"/>
+            </a:endParaRPr>
+          </a:p>
+          <a:p>
+            <a:pPr>
+              <a:buNone/>
+            </a:pPr>
+            <a:r>
+              <a:rPr lang="fr-FR" sz="1400" b="1" dirty="0" smtClean="0">
+                <a:latin typeface="Verdana" pitchFamily="34" charset="0"/>
+                <a:ea typeface="Verdana" pitchFamily="34" charset="0"/>
+                <a:cs typeface="Verdana" pitchFamily="34" charset="0"/>
+              </a:rPr>
+              <a:t>Modularité du code :</a:t>
+            </a:r>
+          </a:p>
+          <a:p>
+            <a:r>
+              <a:rPr lang="fr-FR" sz="1400" dirty="0" smtClean="0">
+                <a:latin typeface="Verdana" pitchFamily="34" charset="0"/>
+                <a:ea typeface="Verdana" pitchFamily="34" charset="0"/>
+                <a:cs typeface="Verdana" pitchFamily="34" charset="0"/>
+              </a:rPr>
+              <a:t>Il serait possible de programmer ce module en utilisant une autre librairie sans changer les autres modules.</a:t>
+            </a:r>
+          </a:p>
+          <a:p>
+            <a:r>
+              <a:rPr lang="fr-FR" sz="1400" dirty="0" smtClean="0">
+                <a:latin typeface="Verdana" pitchFamily="34" charset="0"/>
+                <a:ea typeface="Verdana" pitchFamily="34" charset="0"/>
+                <a:cs typeface="Verdana" pitchFamily="34" charset="0"/>
+              </a:rPr>
+              <a:t>Redéfinition des types et des constantes SDL.</a:t>
+            </a:r>
+          </a:p>
+          <a:p>
+            <a:pPr>
+              <a:buNone/>
+            </a:pPr>
+            <a:endParaRPr lang="fr-FR" sz="1200" dirty="0">
+              <a:latin typeface="Consolas" pitchFamily="49" charset="0"/>
+              <a:cs typeface="Consolas" pitchFamily="49" charset="0"/>
+            </a:endParaRPr>
+          </a:p>
+          <a:p>
+            <a:pPr>
+              <a:buNone/>
+            </a:pPr>
+            <a:r>
+              <a:rPr lang="fr-FR" sz="1200" dirty="0" smtClean="0">
+                <a:latin typeface="Consolas" pitchFamily="49" charset="0"/>
+                <a:cs typeface="Consolas" pitchFamily="49" charset="0"/>
+              </a:rPr>
+              <a:t>Rectangle 	xy2rect (</a:t>
+            </a:r>
+            <a:r>
+              <a:rPr lang="fr-FR" sz="1200" dirty="0" err="1" smtClean="0">
+                <a:latin typeface="Consolas" pitchFamily="49" charset="0"/>
+                <a:cs typeface="Consolas" pitchFamily="49" charset="0"/>
+              </a:rPr>
+              <a:t>int</a:t>
+            </a:r>
+            <a:r>
+              <a:rPr lang="fr-FR" sz="1200" dirty="0" smtClean="0">
+                <a:latin typeface="Consolas" pitchFamily="49" charset="0"/>
+                <a:cs typeface="Consolas" pitchFamily="49" charset="0"/>
+              </a:rPr>
+              <a:t> x, </a:t>
+            </a:r>
+            <a:r>
+              <a:rPr lang="fr-FR" sz="1200" dirty="0" err="1" smtClean="0">
+                <a:latin typeface="Consolas" pitchFamily="49" charset="0"/>
+                <a:cs typeface="Consolas" pitchFamily="49" charset="0"/>
+              </a:rPr>
+              <a:t>int</a:t>
+            </a:r>
+            <a:r>
+              <a:rPr lang="fr-FR" sz="1200" dirty="0" smtClean="0">
+                <a:latin typeface="Consolas" pitchFamily="49" charset="0"/>
+                <a:cs typeface="Consolas" pitchFamily="49" charset="0"/>
+              </a:rPr>
+              <a:t> y)</a:t>
+            </a:r>
+          </a:p>
+          <a:p>
+            <a:pPr>
+              <a:buNone/>
+            </a:pPr>
+            <a:r>
+              <a:rPr lang="fr-FR" sz="1200" dirty="0" err="1" smtClean="0">
+                <a:latin typeface="Consolas" pitchFamily="49" charset="0"/>
+                <a:cs typeface="Consolas" pitchFamily="49" charset="0"/>
+              </a:rPr>
+              <a:t>int</a:t>
+            </a:r>
+            <a:r>
+              <a:rPr lang="fr-FR" sz="1200" dirty="0" smtClean="0">
+                <a:latin typeface="Consolas" pitchFamily="49" charset="0"/>
+                <a:cs typeface="Consolas" pitchFamily="49" charset="0"/>
+              </a:rPr>
+              <a:t> 		</a:t>
+            </a:r>
+            <a:r>
+              <a:rPr lang="fr-FR" sz="1200" dirty="0" err="1" smtClean="0">
+                <a:latin typeface="Consolas" pitchFamily="49" charset="0"/>
+                <a:cs typeface="Consolas" pitchFamily="49" charset="0"/>
+              </a:rPr>
+              <a:t>afficheInit</a:t>
+            </a:r>
+            <a:r>
+              <a:rPr lang="fr-FR" sz="1200" dirty="0" smtClean="0">
+                <a:latin typeface="Consolas" pitchFamily="49" charset="0"/>
+                <a:cs typeface="Consolas" pitchFamily="49" charset="0"/>
+              </a:rPr>
+              <a:t> ()</a:t>
+            </a:r>
+          </a:p>
+          <a:p>
+            <a:pPr>
+              <a:buNone/>
+            </a:pPr>
+            <a:r>
+              <a:rPr lang="fr-FR" sz="1200" dirty="0" err="1" smtClean="0">
+                <a:latin typeface="Consolas" pitchFamily="49" charset="0"/>
+                <a:cs typeface="Consolas" pitchFamily="49" charset="0"/>
+              </a:rPr>
+              <a:t>void</a:t>
+            </a:r>
+            <a:r>
+              <a:rPr lang="fr-FR" sz="1200" dirty="0" smtClean="0">
+                <a:latin typeface="Consolas" pitchFamily="49" charset="0"/>
+                <a:cs typeface="Consolas" pitchFamily="49" charset="0"/>
+              </a:rPr>
+              <a:t> 	</a:t>
+            </a:r>
+            <a:r>
+              <a:rPr lang="fr-FR" sz="1200" dirty="0" err="1" smtClean="0">
+                <a:latin typeface="Consolas" pitchFamily="49" charset="0"/>
+                <a:cs typeface="Consolas" pitchFamily="49" charset="0"/>
+              </a:rPr>
+              <a:t>afficheScores</a:t>
+            </a:r>
+            <a:r>
+              <a:rPr lang="fr-FR" sz="1200" dirty="0" smtClean="0">
+                <a:latin typeface="Consolas" pitchFamily="49" charset="0"/>
+                <a:cs typeface="Consolas" pitchFamily="49" charset="0"/>
+              </a:rPr>
+              <a:t> (</a:t>
+            </a:r>
+            <a:r>
+              <a:rPr lang="fr-FR" sz="1200" dirty="0" err="1" smtClean="0">
+                <a:latin typeface="Consolas" pitchFamily="49" charset="0"/>
+                <a:cs typeface="Consolas" pitchFamily="49" charset="0"/>
+              </a:rPr>
+              <a:t>int</a:t>
+            </a:r>
+            <a:r>
+              <a:rPr lang="fr-FR" sz="1200" dirty="0" smtClean="0">
+                <a:latin typeface="Consolas" pitchFamily="49" charset="0"/>
+                <a:cs typeface="Consolas" pitchFamily="49" charset="0"/>
+              </a:rPr>
+              <a:t> s1, </a:t>
+            </a:r>
+            <a:r>
+              <a:rPr lang="fr-FR" sz="1200" dirty="0" err="1" smtClean="0">
+                <a:latin typeface="Consolas" pitchFamily="49" charset="0"/>
+                <a:cs typeface="Consolas" pitchFamily="49" charset="0"/>
+              </a:rPr>
+              <a:t>int</a:t>
+            </a:r>
+            <a:r>
+              <a:rPr lang="fr-FR" sz="1200" dirty="0" smtClean="0">
+                <a:latin typeface="Consolas" pitchFamily="49" charset="0"/>
+                <a:cs typeface="Consolas" pitchFamily="49" charset="0"/>
+              </a:rPr>
+              <a:t> s2, Image *chiffres[], Image *haut, Image *pion_j1, Image 		*pion_j2, Image *</a:t>
+            </a:r>
+            <a:r>
+              <a:rPr lang="fr-FR" sz="1200" dirty="0" err="1" smtClean="0">
+                <a:latin typeface="Consolas" pitchFamily="49" charset="0"/>
+                <a:cs typeface="Consolas" pitchFamily="49" charset="0"/>
+              </a:rPr>
+              <a:t>ecran</a:t>
+            </a:r>
+            <a:r>
+              <a:rPr lang="fr-FR" sz="1200" dirty="0" smtClean="0">
+                <a:latin typeface="Consolas" pitchFamily="49" charset="0"/>
+                <a:cs typeface="Consolas" pitchFamily="49" charset="0"/>
+              </a:rPr>
+              <a:t>)</a:t>
+            </a:r>
+          </a:p>
+          <a:p>
+            <a:pPr>
+              <a:buNone/>
+            </a:pPr>
+            <a:r>
+              <a:rPr lang="fr-FR" sz="1200" dirty="0" err="1" smtClean="0">
+                <a:latin typeface="Consolas" pitchFamily="49" charset="0"/>
+                <a:cs typeface="Consolas" pitchFamily="49" charset="0"/>
+              </a:rPr>
+              <a:t>void</a:t>
+            </a:r>
+            <a:r>
+              <a:rPr lang="fr-FR" sz="1200" dirty="0" smtClean="0">
+                <a:latin typeface="Consolas" pitchFamily="49" charset="0"/>
+                <a:cs typeface="Consolas" pitchFamily="49" charset="0"/>
+              </a:rPr>
+              <a:t> 	</a:t>
+            </a:r>
+            <a:r>
+              <a:rPr lang="fr-FR" sz="1200" dirty="0" err="1" smtClean="0">
+                <a:latin typeface="Consolas" pitchFamily="49" charset="0"/>
+                <a:cs typeface="Consolas" pitchFamily="49" charset="0"/>
+              </a:rPr>
+              <a:t>afficheNiveauOrdinateur</a:t>
+            </a:r>
+            <a:r>
+              <a:rPr lang="fr-FR" sz="1200" dirty="0" smtClean="0">
+                <a:latin typeface="Consolas" pitchFamily="49" charset="0"/>
+                <a:cs typeface="Consolas" pitchFamily="49" charset="0"/>
+              </a:rPr>
+              <a:t> (</a:t>
+            </a:r>
+            <a:r>
+              <a:rPr lang="fr-FR" sz="1200" dirty="0" err="1" smtClean="0">
+                <a:latin typeface="Consolas" pitchFamily="49" charset="0"/>
+                <a:cs typeface="Consolas" pitchFamily="49" charset="0"/>
+              </a:rPr>
+              <a:t>int</a:t>
+            </a:r>
+            <a:r>
+              <a:rPr lang="fr-FR" sz="1200" dirty="0" smtClean="0">
+                <a:latin typeface="Consolas" pitchFamily="49" charset="0"/>
+                <a:cs typeface="Consolas" pitchFamily="49" charset="0"/>
+              </a:rPr>
+              <a:t> x, </a:t>
+            </a:r>
+            <a:r>
+              <a:rPr lang="fr-FR" sz="1200" dirty="0" err="1" smtClean="0">
+                <a:latin typeface="Consolas" pitchFamily="49" charset="0"/>
+                <a:cs typeface="Consolas" pitchFamily="49" charset="0"/>
+              </a:rPr>
+              <a:t>int</a:t>
+            </a:r>
+            <a:r>
+              <a:rPr lang="fr-FR" sz="1200" dirty="0" smtClean="0">
+                <a:latin typeface="Consolas" pitchFamily="49" charset="0"/>
+                <a:cs typeface="Consolas" pitchFamily="49" charset="0"/>
+              </a:rPr>
+              <a:t> y, </a:t>
+            </a:r>
+            <a:r>
+              <a:rPr lang="fr-FR" sz="1200" dirty="0" err="1" smtClean="0">
+                <a:latin typeface="Consolas" pitchFamily="49" charset="0"/>
+                <a:cs typeface="Consolas" pitchFamily="49" charset="0"/>
+              </a:rPr>
+              <a:t>int</a:t>
+            </a:r>
+            <a:r>
+              <a:rPr lang="fr-FR" sz="1200" dirty="0" smtClean="0">
+                <a:latin typeface="Consolas" pitchFamily="49" charset="0"/>
+                <a:cs typeface="Consolas" pitchFamily="49" charset="0"/>
+              </a:rPr>
+              <a:t> </a:t>
+            </a:r>
+            <a:r>
+              <a:rPr lang="fr-FR" sz="1200" dirty="0" err="1" smtClean="0">
+                <a:latin typeface="Consolas" pitchFamily="49" charset="0"/>
+                <a:cs typeface="Consolas" pitchFamily="49" charset="0"/>
+              </a:rPr>
+              <a:t>niv</a:t>
+            </a:r>
+            <a:r>
+              <a:rPr lang="fr-FR" sz="1200" dirty="0" smtClean="0">
+                <a:latin typeface="Consolas" pitchFamily="49" charset="0"/>
+                <a:cs typeface="Consolas" pitchFamily="49" charset="0"/>
+              </a:rPr>
+              <a:t>, Image *chiffre[], Image *</a:t>
+            </a:r>
+            <a:r>
+              <a:rPr lang="fr-FR" sz="1200" dirty="0" err="1" smtClean="0">
+                <a:latin typeface="Consolas" pitchFamily="49" charset="0"/>
+                <a:cs typeface="Consolas" pitchFamily="49" charset="0"/>
+              </a:rPr>
+              <a:t>ecran</a:t>
+            </a:r>
+            <a:r>
+              <a:rPr lang="fr-FR" sz="1200" dirty="0" smtClean="0">
+                <a:latin typeface="Consolas" pitchFamily="49" charset="0"/>
+                <a:cs typeface="Consolas" pitchFamily="49" charset="0"/>
+              </a:rPr>
+              <a:t>)</a:t>
+            </a:r>
+          </a:p>
+          <a:p>
+            <a:pPr>
+              <a:buNone/>
+            </a:pPr>
+            <a:r>
+              <a:rPr lang="fr-FR" sz="1200" dirty="0" err="1" smtClean="0">
+                <a:latin typeface="Consolas" pitchFamily="49" charset="0"/>
+                <a:cs typeface="Consolas" pitchFamily="49" charset="0"/>
+              </a:rPr>
+              <a:t>void</a:t>
+            </a:r>
+            <a:r>
+              <a:rPr lang="fr-FR" sz="1200" dirty="0" smtClean="0">
+                <a:latin typeface="Consolas" pitchFamily="49" charset="0"/>
+                <a:cs typeface="Consolas" pitchFamily="49" charset="0"/>
+              </a:rPr>
+              <a:t> 	</a:t>
+            </a:r>
+            <a:r>
+              <a:rPr lang="fr-FR" sz="1200" dirty="0" err="1" smtClean="0">
+                <a:latin typeface="Consolas" pitchFamily="49" charset="0"/>
+                <a:cs typeface="Consolas" pitchFamily="49" charset="0"/>
+              </a:rPr>
+              <a:t>afficheQuiJoue</a:t>
+            </a:r>
+            <a:r>
+              <a:rPr lang="fr-FR" sz="1200" dirty="0" smtClean="0">
+                <a:latin typeface="Consolas" pitchFamily="49" charset="0"/>
+                <a:cs typeface="Consolas" pitchFamily="49" charset="0"/>
+              </a:rPr>
+              <a:t> (</a:t>
+            </a:r>
+            <a:r>
+              <a:rPr lang="fr-FR" sz="1200" dirty="0" err="1" smtClean="0">
+                <a:latin typeface="Consolas" pitchFamily="49" charset="0"/>
+                <a:cs typeface="Consolas" pitchFamily="49" charset="0"/>
+              </a:rPr>
+              <a:t>int</a:t>
+            </a:r>
+            <a:r>
+              <a:rPr lang="fr-FR" sz="1200" dirty="0" smtClean="0">
+                <a:latin typeface="Consolas" pitchFamily="49" charset="0"/>
+                <a:cs typeface="Consolas" pitchFamily="49" charset="0"/>
+              </a:rPr>
+              <a:t> j, Image *</a:t>
+            </a:r>
+            <a:r>
+              <a:rPr lang="fr-FR" sz="1200" dirty="0" err="1" smtClean="0">
+                <a:latin typeface="Consolas" pitchFamily="49" charset="0"/>
+                <a:cs typeface="Consolas" pitchFamily="49" charset="0"/>
+              </a:rPr>
+              <a:t>ecran</a:t>
+            </a:r>
+            <a:r>
+              <a:rPr lang="fr-FR" sz="1200" dirty="0" smtClean="0">
+                <a:latin typeface="Consolas" pitchFamily="49" charset="0"/>
+                <a:cs typeface="Consolas" pitchFamily="49" charset="0"/>
+              </a:rPr>
+              <a:t>)</a:t>
+            </a:r>
+          </a:p>
+          <a:p>
+            <a:pPr>
+              <a:buNone/>
+            </a:pPr>
+            <a:r>
+              <a:rPr lang="fr-FR" sz="1200" dirty="0" err="1" smtClean="0">
+                <a:latin typeface="Consolas" pitchFamily="49" charset="0"/>
+                <a:cs typeface="Consolas" pitchFamily="49" charset="0"/>
+              </a:rPr>
+              <a:t>void</a:t>
+            </a:r>
+            <a:r>
+              <a:rPr lang="fr-FR" sz="1200" dirty="0" smtClean="0">
+                <a:latin typeface="Consolas" pitchFamily="49" charset="0"/>
+                <a:cs typeface="Consolas" pitchFamily="49" charset="0"/>
+              </a:rPr>
+              <a:t> 	</a:t>
+            </a:r>
+            <a:r>
+              <a:rPr lang="fr-FR" sz="1200" dirty="0" err="1" smtClean="0">
+                <a:latin typeface="Consolas" pitchFamily="49" charset="0"/>
+                <a:cs typeface="Consolas" pitchFamily="49" charset="0"/>
+              </a:rPr>
+              <a:t>afficheFinJeu</a:t>
+            </a:r>
+            <a:r>
+              <a:rPr lang="fr-FR" sz="1200" dirty="0" smtClean="0">
+                <a:latin typeface="Consolas" pitchFamily="49" charset="0"/>
+                <a:cs typeface="Consolas" pitchFamily="49" charset="0"/>
+              </a:rPr>
+              <a:t> (</a:t>
+            </a:r>
+            <a:r>
+              <a:rPr lang="fr-FR" sz="1200" dirty="0" err="1" smtClean="0">
+                <a:latin typeface="Consolas" pitchFamily="49" charset="0"/>
+                <a:cs typeface="Consolas" pitchFamily="49" charset="0"/>
+              </a:rPr>
+              <a:t>int</a:t>
+            </a:r>
+            <a:r>
+              <a:rPr lang="fr-FR" sz="1200" dirty="0" smtClean="0">
+                <a:latin typeface="Consolas" pitchFamily="49" charset="0"/>
+                <a:cs typeface="Consolas" pitchFamily="49" charset="0"/>
+              </a:rPr>
+              <a:t> s1, </a:t>
+            </a:r>
+            <a:r>
+              <a:rPr lang="fr-FR" sz="1200" dirty="0" err="1" smtClean="0">
+                <a:latin typeface="Consolas" pitchFamily="49" charset="0"/>
+                <a:cs typeface="Consolas" pitchFamily="49" charset="0"/>
+              </a:rPr>
+              <a:t>int</a:t>
+            </a:r>
+            <a:r>
+              <a:rPr lang="fr-FR" sz="1200" dirty="0" smtClean="0">
+                <a:latin typeface="Consolas" pitchFamily="49" charset="0"/>
+                <a:cs typeface="Consolas" pitchFamily="49" charset="0"/>
+              </a:rPr>
+              <a:t> s2, </a:t>
+            </a:r>
+            <a:r>
+              <a:rPr lang="fr-FR" sz="1200" dirty="0" err="1" smtClean="0">
+                <a:latin typeface="Consolas" pitchFamily="49" charset="0"/>
+                <a:cs typeface="Consolas" pitchFamily="49" charset="0"/>
+              </a:rPr>
+              <a:t>int</a:t>
+            </a:r>
+            <a:r>
+              <a:rPr lang="fr-FR" sz="1200" dirty="0" smtClean="0">
+                <a:latin typeface="Consolas" pitchFamily="49" charset="0"/>
+                <a:cs typeface="Consolas" pitchFamily="49" charset="0"/>
+              </a:rPr>
+              <a:t> ordi, Image *</a:t>
+            </a:r>
+            <a:r>
+              <a:rPr lang="fr-FR" sz="1200" dirty="0" err="1" smtClean="0">
+                <a:latin typeface="Consolas" pitchFamily="49" charset="0"/>
+                <a:cs typeface="Consolas" pitchFamily="49" charset="0"/>
+              </a:rPr>
+              <a:t>ecran</a:t>
+            </a:r>
+            <a:r>
+              <a:rPr lang="fr-FR" sz="1200" dirty="0" smtClean="0">
+                <a:latin typeface="Consolas" pitchFamily="49" charset="0"/>
+                <a:cs typeface="Consolas" pitchFamily="49" charset="0"/>
+              </a:rPr>
+              <a:t>)</a:t>
+            </a:r>
+          </a:p>
+          <a:p>
+            <a:pPr>
+              <a:buNone/>
+            </a:pPr>
+            <a:r>
+              <a:rPr lang="fr-FR" sz="1200" dirty="0" err="1" smtClean="0">
+                <a:latin typeface="Consolas" pitchFamily="49" charset="0"/>
+                <a:cs typeface="Consolas" pitchFamily="49" charset="0"/>
+              </a:rPr>
+              <a:t>void</a:t>
+            </a:r>
+            <a:r>
+              <a:rPr lang="fr-FR" sz="1200" dirty="0" smtClean="0">
+                <a:latin typeface="Consolas" pitchFamily="49" charset="0"/>
+                <a:cs typeface="Consolas" pitchFamily="49" charset="0"/>
+              </a:rPr>
+              <a:t> 	</a:t>
+            </a:r>
+            <a:r>
+              <a:rPr lang="fr-FR" sz="1200" dirty="0" err="1" smtClean="0">
+                <a:latin typeface="Consolas" pitchFamily="49" charset="0"/>
+                <a:cs typeface="Consolas" pitchFamily="49" charset="0"/>
+              </a:rPr>
+              <a:t>afficheImage</a:t>
+            </a:r>
+            <a:r>
+              <a:rPr lang="fr-FR" sz="1200" dirty="0" smtClean="0">
+                <a:latin typeface="Consolas" pitchFamily="49" charset="0"/>
+                <a:cs typeface="Consolas" pitchFamily="49" charset="0"/>
+              </a:rPr>
+              <a:t> (</a:t>
+            </a:r>
+            <a:r>
+              <a:rPr lang="fr-FR" sz="1200" dirty="0" err="1" smtClean="0">
+                <a:latin typeface="Consolas" pitchFamily="49" charset="0"/>
+                <a:cs typeface="Consolas" pitchFamily="49" charset="0"/>
+              </a:rPr>
+              <a:t>int</a:t>
+            </a:r>
+            <a:r>
+              <a:rPr lang="fr-FR" sz="1200" dirty="0" smtClean="0">
+                <a:latin typeface="Consolas" pitchFamily="49" charset="0"/>
+                <a:cs typeface="Consolas" pitchFamily="49" charset="0"/>
+              </a:rPr>
+              <a:t> x, </a:t>
+            </a:r>
+            <a:r>
+              <a:rPr lang="fr-FR" sz="1200" dirty="0" err="1" smtClean="0">
+                <a:latin typeface="Consolas" pitchFamily="49" charset="0"/>
+                <a:cs typeface="Consolas" pitchFamily="49" charset="0"/>
+              </a:rPr>
+              <a:t>int</a:t>
+            </a:r>
+            <a:r>
+              <a:rPr lang="fr-FR" sz="1200" dirty="0" smtClean="0">
+                <a:latin typeface="Consolas" pitchFamily="49" charset="0"/>
+                <a:cs typeface="Consolas" pitchFamily="49" charset="0"/>
+              </a:rPr>
+              <a:t> y, Image *image, Image *</a:t>
+            </a:r>
+            <a:r>
+              <a:rPr lang="fr-FR" sz="1200" dirty="0" err="1" smtClean="0">
+                <a:latin typeface="Consolas" pitchFamily="49" charset="0"/>
+                <a:cs typeface="Consolas" pitchFamily="49" charset="0"/>
+              </a:rPr>
+              <a:t>ecran</a:t>
+            </a:r>
+            <a:r>
+              <a:rPr lang="fr-FR" sz="1200" dirty="0" smtClean="0">
+                <a:latin typeface="Consolas" pitchFamily="49" charset="0"/>
+                <a:cs typeface="Consolas" pitchFamily="49" charset="0"/>
+              </a:rPr>
+              <a:t>)</a:t>
+            </a:r>
+          </a:p>
+          <a:p>
+            <a:pPr>
+              <a:buNone/>
+            </a:pPr>
+            <a:r>
+              <a:rPr lang="fr-FR" sz="1200" dirty="0" err="1" smtClean="0">
+                <a:latin typeface="Consolas" pitchFamily="49" charset="0"/>
+                <a:cs typeface="Consolas" pitchFamily="49" charset="0"/>
+              </a:rPr>
+              <a:t>void</a:t>
+            </a:r>
+            <a:r>
+              <a:rPr lang="fr-FR" sz="1200" dirty="0" smtClean="0">
+                <a:latin typeface="Consolas" pitchFamily="49" charset="0"/>
+                <a:cs typeface="Consolas" pitchFamily="49" charset="0"/>
+              </a:rPr>
+              <a:t> 	</a:t>
+            </a:r>
+            <a:r>
+              <a:rPr lang="fr-FR" sz="1200" dirty="0" err="1" smtClean="0">
+                <a:latin typeface="Consolas" pitchFamily="49" charset="0"/>
+                <a:cs typeface="Consolas" pitchFamily="49" charset="0"/>
+              </a:rPr>
+              <a:t>afficheImageRect</a:t>
+            </a:r>
+            <a:r>
+              <a:rPr lang="fr-FR" sz="1200" dirty="0" smtClean="0">
+                <a:latin typeface="Consolas" pitchFamily="49" charset="0"/>
+                <a:cs typeface="Consolas" pitchFamily="49" charset="0"/>
+              </a:rPr>
+              <a:t> (Rectangle </a:t>
+            </a:r>
+            <a:r>
+              <a:rPr lang="fr-FR" sz="1200" dirty="0" err="1" smtClean="0">
+                <a:latin typeface="Consolas" pitchFamily="49" charset="0"/>
+                <a:cs typeface="Consolas" pitchFamily="49" charset="0"/>
+              </a:rPr>
+              <a:t>rect</a:t>
+            </a:r>
+            <a:r>
+              <a:rPr lang="fr-FR" sz="1200" dirty="0" smtClean="0">
+                <a:latin typeface="Consolas" pitchFamily="49" charset="0"/>
+                <a:cs typeface="Consolas" pitchFamily="49" charset="0"/>
+              </a:rPr>
+              <a:t>, Image *image, Image *</a:t>
+            </a:r>
+            <a:r>
+              <a:rPr lang="fr-FR" sz="1200" dirty="0" err="1" smtClean="0">
+                <a:latin typeface="Consolas" pitchFamily="49" charset="0"/>
+                <a:cs typeface="Consolas" pitchFamily="49" charset="0"/>
+              </a:rPr>
+              <a:t>ecran</a:t>
+            </a:r>
+            <a:r>
+              <a:rPr lang="fr-FR" sz="1200" dirty="0" smtClean="0">
+                <a:latin typeface="Consolas" pitchFamily="49" charset="0"/>
+                <a:cs typeface="Consolas" pitchFamily="49" charset="0"/>
+              </a:rPr>
+              <a:t>)</a:t>
+            </a:r>
+          </a:p>
+          <a:p>
+            <a:pPr>
+              <a:buNone/>
+            </a:pPr>
+            <a:r>
+              <a:rPr lang="fr-FR" sz="1200" dirty="0" err="1" smtClean="0">
+                <a:latin typeface="Consolas" pitchFamily="49" charset="0"/>
+                <a:cs typeface="Consolas" pitchFamily="49" charset="0"/>
+              </a:rPr>
+              <a:t>void</a:t>
+            </a:r>
+            <a:r>
+              <a:rPr lang="fr-FR" sz="1200" dirty="0" smtClean="0">
+                <a:latin typeface="Consolas" pitchFamily="49" charset="0"/>
+                <a:cs typeface="Consolas" pitchFamily="49" charset="0"/>
+              </a:rPr>
+              <a:t> 	</a:t>
+            </a:r>
+            <a:r>
+              <a:rPr lang="fr-FR" sz="1200" dirty="0" err="1" smtClean="0">
+                <a:latin typeface="Consolas" pitchFamily="49" charset="0"/>
+                <a:cs typeface="Consolas" pitchFamily="49" charset="0"/>
+              </a:rPr>
+              <a:t>afficheJeu</a:t>
+            </a:r>
+            <a:r>
+              <a:rPr lang="fr-FR" sz="1200" dirty="0" smtClean="0">
+                <a:latin typeface="Consolas" pitchFamily="49" charset="0"/>
+                <a:cs typeface="Consolas" pitchFamily="49" charset="0"/>
+              </a:rPr>
+              <a:t> (</a:t>
+            </a:r>
+            <a:r>
+              <a:rPr lang="fr-FR" sz="1200" dirty="0" err="1" smtClean="0">
+                <a:latin typeface="Consolas" pitchFamily="49" charset="0"/>
+                <a:cs typeface="Consolas" pitchFamily="49" charset="0"/>
+              </a:rPr>
+              <a:t>const</a:t>
+            </a:r>
+            <a:r>
+              <a:rPr lang="fr-FR" sz="1200" dirty="0" smtClean="0">
+                <a:latin typeface="Consolas" pitchFamily="49" charset="0"/>
+                <a:cs typeface="Consolas" pitchFamily="49" charset="0"/>
+              </a:rPr>
+              <a:t> Plateau *p, Image *</a:t>
+            </a:r>
+            <a:r>
+              <a:rPr lang="fr-FR" sz="1200" dirty="0" err="1" smtClean="0">
+                <a:latin typeface="Consolas" pitchFamily="49" charset="0"/>
+                <a:cs typeface="Consolas" pitchFamily="49" charset="0"/>
+              </a:rPr>
+              <a:t>image_case</a:t>
+            </a:r>
+            <a:r>
+              <a:rPr lang="fr-FR" sz="1200" dirty="0" smtClean="0">
+                <a:latin typeface="Consolas" pitchFamily="49" charset="0"/>
+                <a:cs typeface="Consolas" pitchFamily="49" charset="0"/>
+              </a:rPr>
+              <a:t>, Image *pion_j1, Image *pion_j2, 		Image *</a:t>
+            </a:r>
+            <a:r>
+              <a:rPr lang="fr-FR" sz="1200" dirty="0" err="1" smtClean="0">
+                <a:latin typeface="Consolas" pitchFamily="49" charset="0"/>
+                <a:cs typeface="Consolas" pitchFamily="49" charset="0"/>
+              </a:rPr>
+              <a:t>ecran</a:t>
+            </a:r>
+            <a:r>
+              <a:rPr lang="fr-FR" sz="1200" dirty="0" smtClean="0">
+                <a:latin typeface="Consolas" pitchFamily="49" charset="0"/>
+                <a:cs typeface="Consolas" pitchFamily="49" charset="0"/>
+              </a:rPr>
+              <a:t>)</a:t>
+            </a:r>
+          </a:p>
+          <a:p>
+            <a:pPr>
+              <a:buNone/>
+            </a:pPr>
+            <a:r>
+              <a:rPr lang="fr-FR" sz="1200" dirty="0" err="1" smtClean="0">
+                <a:latin typeface="Consolas" pitchFamily="49" charset="0"/>
+                <a:cs typeface="Consolas" pitchFamily="49" charset="0"/>
+              </a:rPr>
+              <a:t>void</a:t>
+            </a:r>
+            <a:r>
+              <a:rPr lang="fr-FR" sz="1200" dirty="0" smtClean="0">
+                <a:latin typeface="Consolas" pitchFamily="49" charset="0"/>
+                <a:cs typeface="Consolas" pitchFamily="49" charset="0"/>
+              </a:rPr>
+              <a:t> 	</a:t>
+            </a:r>
+            <a:r>
+              <a:rPr lang="fr-FR" sz="1200" dirty="0" err="1" smtClean="0">
+                <a:latin typeface="Consolas" pitchFamily="49" charset="0"/>
+                <a:cs typeface="Consolas" pitchFamily="49" charset="0"/>
+              </a:rPr>
+              <a:t>afficheVerifChargement</a:t>
+            </a:r>
+            <a:r>
+              <a:rPr lang="fr-FR" sz="1200" dirty="0" smtClean="0">
+                <a:latin typeface="Consolas" pitchFamily="49" charset="0"/>
+                <a:cs typeface="Consolas" pitchFamily="49" charset="0"/>
+              </a:rPr>
+              <a:t> (Image *</a:t>
+            </a:r>
+            <a:r>
+              <a:rPr lang="fr-FR" sz="1200" dirty="0" err="1" smtClean="0">
+                <a:latin typeface="Consolas" pitchFamily="49" charset="0"/>
+                <a:cs typeface="Consolas" pitchFamily="49" charset="0"/>
+              </a:rPr>
+              <a:t>img</a:t>
+            </a:r>
+            <a:r>
+              <a:rPr lang="fr-FR" sz="1200" dirty="0" smtClean="0">
+                <a:latin typeface="Consolas" pitchFamily="49" charset="0"/>
+                <a:cs typeface="Consolas" pitchFamily="49" charset="0"/>
+              </a:rPr>
+              <a:t>)</a:t>
+            </a:r>
+          </a:p>
+          <a:p>
+            <a:pPr>
+              <a:buNone/>
+            </a:pPr>
+            <a:r>
+              <a:rPr lang="fr-FR" sz="1200" dirty="0" err="1" smtClean="0">
+                <a:latin typeface="Consolas" pitchFamily="49" charset="0"/>
+                <a:cs typeface="Consolas" pitchFamily="49" charset="0"/>
+              </a:rPr>
+              <a:t>void</a:t>
+            </a:r>
+            <a:r>
+              <a:rPr lang="fr-FR" sz="1200" dirty="0" smtClean="0">
+                <a:latin typeface="Consolas" pitchFamily="49" charset="0"/>
+                <a:cs typeface="Consolas" pitchFamily="49" charset="0"/>
+              </a:rPr>
+              <a:t> 	</a:t>
+            </a:r>
+            <a:r>
+              <a:rPr lang="fr-FR" sz="1200" dirty="0" err="1" smtClean="0">
+                <a:latin typeface="Consolas" pitchFamily="49" charset="0"/>
+                <a:cs typeface="Consolas" pitchFamily="49" charset="0"/>
+              </a:rPr>
+              <a:t>afficheCaseJeu</a:t>
+            </a:r>
+            <a:r>
+              <a:rPr lang="fr-FR" sz="1200" dirty="0" smtClean="0">
+                <a:latin typeface="Consolas" pitchFamily="49" charset="0"/>
+                <a:cs typeface="Consolas" pitchFamily="49" charset="0"/>
+              </a:rPr>
+              <a:t> (</a:t>
+            </a:r>
+            <a:r>
+              <a:rPr lang="fr-FR" sz="1200" dirty="0" err="1" smtClean="0">
+                <a:latin typeface="Consolas" pitchFamily="49" charset="0"/>
+                <a:cs typeface="Consolas" pitchFamily="49" charset="0"/>
+              </a:rPr>
+              <a:t>const</a:t>
+            </a:r>
+            <a:r>
+              <a:rPr lang="fr-FR" sz="1200" dirty="0" smtClean="0">
+                <a:latin typeface="Consolas" pitchFamily="49" charset="0"/>
+                <a:cs typeface="Consolas" pitchFamily="49" charset="0"/>
+              </a:rPr>
+              <a:t> Case *c, Image *image, Image *</a:t>
+            </a:r>
+            <a:r>
+              <a:rPr lang="fr-FR" sz="1200" dirty="0" err="1" smtClean="0">
+                <a:latin typeface="Consolas" pitchFamily="49" charset="0"/>
+                <a:cs typeface="Consolas" pitchFamily="49" charset="0"/>
+              </a:rPr>
+              <a:t>ecran</a:t>
+            </a:r>
+            <a:r>
+              <a:rPr lang="fr-FR" sz="1200" dirty="0" smtClean="0">
+                <a:latin typeface="Consolas" pitchFamily="49" charset="0"/>
+                <a:cs typeface="Consolas" pitchFamily="49" charset="0"/>
+              </a:rPr>
+              <a:t>)</a:t>
+            </a:r>
+          </a:p>
+        </p:txBody>
+      </p:sp>
+      <p:sp>
+        <p:nvSpPr>
+          <p:cNvPr id="3" name="Espace réservé du pied de page 2"/>
+          <p:cNvSpPr>
+            <a:spLocks noGrp="1"/>
+          </p:cNvSpPr>
+          <p:nvPr>
+            <p:ph type="ftr" sz="quarter" idx="11"/>
+          </p:nvPr>
+        </p:nvSpPr>
+        <p:spPr/>
+        <p:txBody>
+          <a:bodyPr/>
+          <a:lstStyle/>
+          <a:p>
+            <a:r>
+              <a:rPr lang="fr-FR" dirty="0" smtClean="0"/>
+              <a:t>Mickaël Rivollet, Thibault Lazert - UE LIF7 - Semestre printemps 2012 - Hexxagon</a:t>
+            </a:r>
+            <a:endParaRPr lang="fr-FR" dirty="0"/>
+          </a:p>
+        </p:txBody>
+      </p:sp>
+      <p:sp>
+        <p:nvSpPr>
+          <p:cNvPr id="2" name="Espace réservé de la date 1"/>
+          <p:cNvSpPr>
+            <a:spLocks noGrp="1"/>
+          </p:cNvSpPr>
+          <p:nvPr>
+            <p:ph type="dt" sz="half" idx="10"/>
+          </p:nvPr>
+        </p:nvSpPr>
+        <p:spPr/>
+        <p:txBody>
+          <a:bodyPr/>
+          <a:lstStyle/>
+          <a:p>
+            <a:r>
+              <a:rPr lang="fr-FR" smtClean="0"/>
+              <a:t>7 juin 2012</a:t>
+            </a:r>
+            <a:endParaRPr lang="fr-FR" dirty="0"/>
+          </a:p>
+        </p:txBody>
+      </p:sp>
+      <p:sp>
+        <p:nvSpPr>
+          <p:cNvPr id="6" name="Espace réservé du numéro de diapositive 5"/>
+          <p:cNvSpPr>
+            <a:spLocks noGrp="1"/>
+          </p:cNvSpPr>
+          <p:nvPr>
+            <p:ph type="sldNum" sz="quarter" idx="12"/>
+          </p:nvPr>
+        </p:nvSpPr>
+        <p:spPr/>
+        <p:txBody>
+          <a:bodyPr/>
+          <a:lstStyle/>
+          <a:p>
+            <a:fld id="{D1F1D131-41E1-4141-9181-81A171513161}" type="slidenum">
+              <a:rPr lang="fr-FR" sz="1200" smtClean="0">
+                <a:solidFill>
+                  <a:srgbClr val="8B8B8B"/>
+                </a:solidFill>
+                <a:latin typeface="Calibri"/>
+              </a:rPr>
+              <a:pPr/>
+              <a:t>13</a:t>
             </a:fld>
             <a:endParaRPr lang="fr-FR" dirty="0"/>
           </a:p>
@@ -5364,7 +6885,7 @@
 </p:sld>
 </file>
 
-<file path=ppt/slides/slide12.xml><?xml version="1.0" encoding="utf-8"?>
+<file path=ppt/slides/slide14.xml><?xml version="1.0" encoding="utf-8"?>
 <p:sld xmlns:a="http://schemas.openxmlformats.org/drawingml/2006/main" xmlns:r="http://schemas.openxmlformats.org/officeDocument/2006/relationships" xmlns:p="http://schemas.openxmlformats.org/presentationml/2006/main">
   <p:cSld>
     <p:spTree>
@@ -5524,14 +7045,7 @@
                 <a:latin typeface="Consolas" pitchFamily="49" charset="0"/>
                 <a:cs typeface="Consolas" pitchFamily="49" charset="0"/>
               </a:rPr>
-              <a:t>, Image 	</a:t>
-            </a:r>
-            <a:r>
-              <a:rPr lang="fr-FR" sz="1200" dirty="0" smtClean="0">
-                <a:latin typeface="Consolas" pitchFamily="49" charset="0"/>
-                <a:cs typeface="Consolas" pitchFamily="49" charset="0"/>
-              </a:rPr>
-              <a:t>	*</a:t>
+              <a:t>, Image 		*</a:t>
             </a:r>
             <a:r>
               <a:rPr lang="fr-FR" sz="1200" dirty="0" err="1" smtClean="0">
@@ -6147,7 +7661,7 @@
                 <a:latin typeface="Calibri"/>
               </a:rPr>
               <a:pPr/>
-              <a:t>12</a:t>
+              <a:t>14</a:t>
             </a:fld>
             <a:endParaRPr lang="fr-FR" dirty="0"/>
           </a:p>
@@ -6195,566 +7709,6 @@
 </p:sld>
 </file>
 
-<file path=ppt/slides/slide13.xml><?xml version="1.0" encoding="utf-8"?>
-<p:sld xmlns:a="http://schemas.openxmlformats.org/drawingml/2006/main" xmlns:r="http://schemas.openxmlformats.org/officeDocument/2006/relationships" xmlns:p="http://schemas.openxmlformats.org/presentationml/2006/main">
-  <p:cSld>
-    <p:spTree>
-      <p:nvGrpSpPr>
-        <p:cNvPr id="1" name=""/>
-        <p:cNvGrpSpPr/>
-        <p:nvPr/>
-      </p:nvGrpSpPr>
-      <p:grpSpPr>
-        <a:xfrm>
-          <a:off x="0" y="0"/>
-          <a:ext cx="0" cy="0"/>
-          <a:chOff x="0" y="0"/>
-          <a:chExt cx="0" cy="0"/>
-        </a:xfrm>
-      </p:grpSpPr>
-      <p:sp>
-        <p:nvSpPr>
-          <p:cNvPr id="4" name="Titre 3"/>
-          <p:cNvSpPr>
-            <a:spLocks noGrp="1"/>
-          </p:cNvSpPr>
-          <p:nvPr>
-            <p:ph type="title"/>
-          </p:nvPr>
-        </p:nvSpPr>
-        <p:spPr/>
-        <p:txBody>
-          <a:bodyPr/>
-          <a:lstStyle/>
-          <a:p>
-            <a:r>
-              <a:rPr lang="fr-FR" dirty="0" smtClean="0"/>
-              <a:t>Paramètres</a:t>
-            </a:r>
-            <a:endParaRPr lang="fr-FR" dirty="0"/>
-          </a:p>
-        </p:txBody>
-      </p:sp>
-      <p:sp>
-        <p:nvSpPr>
-          <p:cNvPr id="5" name="Espace réservé du contenu 4"/>
-          <p:cNvSpPr>
-            <a:spLocks noGrp="1"/>
-          </p:cNvSpPr>
-          <p:nvPr>
-            <p:ph idx="1"/>
-          </p:nvPr>
-        </p:nvSpPr>
-        <p:spPr>
-          <a:xfrm>
-            <a:off x="590872" y="1196752"/>
-            <a:ext cx="8229600" cy="5069160"/>
-          </a:xfrm>
-        </p:spPr>
-        <p:txBody>
-          <a:bodyPr>
-            <a:noAutofit/>
-          </a:bodyPr>
-          <a:lstStyle/>
-          <a:p>
-            <a:pPr>
-              <a:buNone/>
-            </a:pPr>
-            <a:endParaRPr lang="fr-FR" sz="1200" dirty="0" smtClean="0">
-              <a:latin typeface="Verdana" pitchFamily="34" charset="0"/>
-              <a:ea typeface="Verdana" pitchFamily="34" charset="0"/>
-              <a:cs typeface="Verdana" pitchFamily="34" charset="0"/>
-            </a:endParaRPr>
-          </a:p>
-          <a:p>
-            <a:pPr>
-              <a:buNone/>
-            </a:pPr>
-            <a:endParaRPr lang="fr-FR" sz="1200" dirty="0" smtClean="0">
-              <a:latin typeface="Verdana" pitchFamily="34" charset="0"/>
-              <a:ea typeface="Verdana" pitchFamily="34" charset="0"/>
-              <a:cs typeface="Verdana" pitchFamily="34" charset="0"/>
-            </a:endParaRPr>
-          </a:p>
-          <a:p>
-            <a:pPr>
-              <a:buNone/>
-            </a:pPr>
-            <a:endParaRPr lang="fr-FR" sz="1200" dirty="0">
-              <a:latin typeface="Verdana" pitchFamily="34" charset="0"/>
-              <a:ea typeface="Verdana" pitchFamily="34" charset="0"/>
-              <a:cs typeface="Verdana" pitchFamily="34" charset="0"/>
-            </a:endParaRPr>
-          </a:p>
-          <a:p>
-            <a:pPr>
-              <a:buNone/>
-            </a:pPr>
-            <a:endParaRPr lang="fr-FR" sz="1200" dirty="0" smtClean="0">
-              <a:latin typeface="Verdana" pitchFamily="34" charset="0"/>
-              <a:ea typeface="Verdana" pitchFamily="34" charset="0"/>
-              <a:cs typeface="Verdana" pitchFamily="34" charset="0"/>
-            </a:endParaRPr>
-          </a:p>
-          <a:p>
-            <a:pPr>
-              <a:buNone/>
-            </a:pPr>
-            <a:endParaRPr lang="fr-FR" sz="1400" dirty="0">
-              <a:latin typeface="Verdana" pitchFamily="34" charset="0"/>
-              <a:ea typeface="Verdana" pitchFamily="34" charset="0"/>
-              <a:cs typeface="Verdana" pitchFamily="34" charset="0"/>
-            </a:endParaRPr>
-          </a:p>
-          <a:p>
-            <a:r>
-              <a:rPr lang="fr-FR" sz="1400" dirty="0" smtClean="0">
-                <a:latin typeface="Verdana" pitchFamily="34" charset="0"/>
-                <a:ea typeface="Verdana" pitchFamily="34" charset="0"/>
-                <a:cs typeface="Verdana" pitchFamily="34" charset="0"/>
-              </a:rPr>
-              <a:t>Le fichier contient les variables de préprocesseur avec les valeurs des paramètres.</a:t>
-            </a:r>
-          </a:p>
-          <a:p>
-            <a:pPr>
-              <a:buNone/>
-            </a:pPr>
-            <a:endParaRPr lang="fr-FR" sz="1400" dirty="0">
-              <a:latin typeface="Verdana" pitchFamily="34" charset="0"/>
-              <a:ea typeface="Verdana" pitchFamily="34" charset="0"/>
-              <a:cs typeface="Verdana" pitchFamily="34" charset="0"/>
-            </a:endParaRPr>
-          </a:p>
-          <a:p>
-            <a:r>
-              <a:rPr lang="fr-FR" sz="1400" dirty="0" smtClean="0">
-                <a:latin typeface="Verdana" pitchFamily="34" charset="0"/>
-                <a:ea typeface="Verdana" pitchFamily="34" charset="0"/>
-                <a:cs typeface="Verdana" pitchFamily="34" charset="0"/>
-              </a:rPr>
-              <a:t>Les paramètres correspondent aux chemins vers les fichiers, ou aux options pour la compilation (sons, commentaires).</a:t>
-            </a:r>
-          </a:p>
-          <a:p>
-            <a:pPr>
-              <a:buNone/>
-            </a:pPr>
-            <a:endParaRPr lang="fr-FR" sz="1400" dirty="0">
-              <a:latin typeface="Verdana" pitchFamily="34" charset="0"/>
-              <a:ea typeface="Verdana" pitchFamily="34" charset="0"/>
-              <a:cs typeface="Verdana" pitchFamily="34" charset="0"/>
-            </a:endParaRPr>
-          </a:p>
-          <a:p>
-            <a:r>
-              <a:rPr lang="fr-FR" sz="1400" dirty="0" smtClean="0">
-                <a:latin typeface="Verdana" pitchFamily="34" charset="0"/>
-                <a:ea typeface="Verdana" pitchFamily="34" charset="0"/>
-                <a:cs typeface="Verdana" pitchFamily="34" charset="0"/>
-              </a:rPr>
-              <a:t>Le fichier contient les variables fixés utilisés pour l’affichage.</a:t>
-            </a:r>
-            <a:endParaRPr lang="fr-FR" sz="1400" dirty="0">
-              <a:latin typeface="Verdana" pitchFamily="34" charset="0"/>
-              <a:ea typeface="Verdana" pitchFamily="34" charset="0"/>
-              <a:cs typeface="Verdana" pitchFamily="34" charset="0"/>
-            </a:endParaRPr>
-          </a:p>
-        </p:txBody>
-      </p:sp>
-      <p:sp>
-        <p:nvSpPr>
-          <p:cNvPr id="3" name="Espace réservé du pied de page 2"/>
-          <p:cNvSpPr>
-            <a:spLocks noGrp="1"/>
-          </p:cNvSpPr>
-          <p:nvPr>
-            <p:ph type="ftr" sz="quarter" idx="11"/>
-          </p:nvPr>
-        </p:nvSpPr>
-        <p:spPr/>
-        <p:txBody>
-          <a:bodyPr/>
-          <a:lstStyle/>
-          <a:p>
-            <a:r>
-              <a:rPr lang="fr-FR" dirty="0" smtClean="0"/>
-              <a:t>Mickaël Rivollet, Thibault Lazert - UE LIF7 - Semestre printemps 2012 - Hexxagon</a:t>
-            </a:r>
-            <a:endParaRPr lang="fr-FR" dirty="0"/>
-          </a:p>
-        </p:txBody>
-      </p:sp>
-      <p:sp>
-        <p:nvSpPr>
-          <p:cNvPr id="2" name="Espace réservé de la date 1"/>
-          <p:cNvSpPr>
-            <a:spLocks noGrp="1"/>
-          </p:cNvSpPr>
-          <p:nvPr>
-            <p:ph type="dt" sz="half" idx="10"/>
-          </p:nvPr>
-        </p:nvSpPr>
-        <p:spPr/>
-        <p:txBody>
-          <a:bodyPr/>
-          <a:lstStyle/>
-          <a:p>
-            <a:r>
-              <a:rPr lang="fr-FR" smtClean="0"/>
-              <a:t>7 juin 2012</a:t>
-            </a:r>
-            <a:endParaRPr lang="fr-FR" dirty="0"/>
-          </a:p>
-        </p:txBody>
-      </p:sp>
-      <p:sp>
-        <p:nvSpPr>
-          <p:cNvPr id="6" name="Espace réservé du numéro de diapositive 5"/>
-          <p:cNvSpPr>
-            <a:spLocks noGrp="1"/>
-          </p:cNvSpPr>
-          <p:nvPr>
-            <p:ph type="sldNum" sz="quarter" idx="12"/>
-          </p:nvPr>
-        </p:nvSpPr>
-        <p:spPr/>
-        <p:txBody>
-          <a:bodyPr/>
-          <a:lstStyle/>
-          <a:p>
-            <a:fld id="{D1F1D131-41E1-4141-9181-81A171513161}" type="slidenum">
-              <a:rPr lang="fr-FR" sz="1200" smtClean="0">
-                <a:solidFill>
-                  <a:srgbClr val="8B8B8B"/>
-                </a:solidFill>
-                <a:latin typeface="Calibri"/>
-              </a:rPr>
-              <a:pPr/>
-              <a:t>13</a:t>
-            </a:fld>
-            <a:endParaRPr lang="fr-FR" dirty="0"/>
-          </a:p>
-        </p:txBody>
-      </p:sp>
-    </p:spTree>
-    <p:extLst>
-      <p:ext uri="{BB962C8B-B14F-4D97-AF65-F5344CB8AC3E}">
-        <p14:creationId xmlns="" xmlns:p14="http://schemas.microsoft.com/office/powerpoint/2010/main" val="550614223"/>
-      </p:ext>
-    </p:extLst>
-  </p:cSld>
-  <p:clrMapOvr>
-    <a:masterClrMapping/>
-  </p:clrMapOvr>
-  <p:transition/>
-  <p:timing>
-    <p:tnLst>
-      <p:par>
-        <p:cTn id="1" dur="indefinite" restart="never" nodeType="tmRoot"/>
-      </p:par>
-    </p:tnLst>
-  </p:timing>
-</p:sld>
-</file>
-
-<file path=ppt/slides/slide14.xml><?xml version="1.0" encoding="utf-8"?>
-<p:sld xmlns:a="http://schemas.openxmlformats.org/drawingml/2006/main" xmlns:r="http://schemas.openxmlformats.org/officeDocument/2006/relationships" xmlns:p="http://schemas.openxmlformats.org/presentationml/2006/main">
-  <p:cSld>
-    <p:spTree>
-      <p:nvGrpSpPr>
-        <p:cNvPr id="1" name=""/>
-        <p:cNvGrpSpPr/>
-        <p:nvPr/>
-      </p:nvGrpSpPr>
-      <p:grpSpPr>
-        <a:xfrm>
-          <a:off x="0" y="0"/>
-          <a:ext cx="0" cy="0"/>
-          <a:chOff x="0" y="0"/>
-          <a:chExt cx="0" cy="0"/>
-        </a:xfrm>
-      </p:grpSpPr>
-      <p:sp>
-        <p:nvSpPr>
-          <p:cNvPr id="4" name="Titre 3"/>
-          <p:cNvSpPr>
-            <a:spLocks noGrp="1"/>
-          </p:cNvSpPr>
-          <p:nvPr>
-            <p:ph type="title"/>
-          </p:nvPr>
-        </p:nvSpPr>
-        <p:spPr/>
-        <p:txBody>
-          <a:bodyPr/>
-          <a:lstStyle/>
-          <a:p>
-            <a:r>
-              <a:rPr lang="fr-FR" dirty="0" smtClean="0"/>
-              <a:t>Fonctionnalités</a:t>
-            </a:r>
-            <a:endParaRPr lang="fr-FR" dirty="0"/>
-          </a:p>
-        </p:txBody>
-      </p:sp>
-      <p:sp>
-        <p:nvSpPr>
-          <p:cNvPr id="5" name="Espace réservé du contenu 4"/>
-          <p:cNvSpPr>
-            <a:spLocks noGrp="1"/>
-          </p:cNvSpPr>
-          <p:nvPr>
-            <p:ph idx="1"/>
-          </p:nvPr>
-        </p:nvSpPr>
-        <p:spPr>
-          <a:xfrm>
-            <a:off x="590872" y="1700808"/>
-            <a:ext cx="8229600" cy="4565104"/>
-          </a:xfrm>
-        </p:spPr>
-        <p:txBody>
-          <a:bodyPr>
-            <a:noAutofit/>
-          </a:bodyPr>
-          <a:lstStyle/>
-          <a:p>
-            <a:r>
-              <a:rPr lang="fr-FR" sz="2200" dirty="0" smtClean="0">
-                <a:latin typeface="Verdana" pitchFamily="34" charset="0"/>
-                <a:ea typeface="Verdana" pitchFamily="34" charset="0"/>
-                <a:cs typeface="Verdana" pitchFamily="34" charset="0"/>
-              </a:rPr>
-              <a:t>Les possibilités de l’utilisateur :</a:t>
-            </a:r>
-          </a:p>
-          <a:p>
-            <a:pPr lvl="1">
-              <a:spcAft>
-                <a:spcPts val="600"/>
-              </a:spcAft>
-            </a:pPr>
-            <a:r>
-              <a:rPr lang="fr-FR" sz="1600" dirty="0" smtClean="0">
-                <a:latin typeface="Verdana" pitchFamily="34" charset="0"/>
-                <a:ea typeface="Verdana" pitchFamily="34" charset="0"/>
-                <a:cs typeface="Verdana" pitchFamily="34" charset="0"/>
-              </a:rPr>
-              <a:t>Choix du plateau parmi quatre</a:t>
-            </a:r>
-          </a:p>
-          <a:p>
-            <a:pPr lvl="1">
-              <a:spcAft>
-                <a:spcPts val="600"/>
-              </a:spcAft>
-            </a:pPr>
-            <a:r>
-              <a:rPr lang="fr-FR" sz="1600" dirty="0" smtClean="0">
-                <a:latin typeface="Verdana" pitchFamily="34" charset="0"/>
-                <a:ea typeface="Verdana" pitchFamily="34" charset="0"/>
-                <a:cs typeface="Verdana" pitchFamily="34" charset="0"/>
-              </a:rPr>
-              <a:t>Choix du mode de jeu</a:t>
-            </a:r>
-          </a:p>
-          <a:p>
-            <a:pPr lvl="2">
-              <a:spcAft>
-                <a:spcPts val="600"/>
-              </a:spcAft>
-            </a:pPr>
-            <a:r>
-              <a:rPr lang="fr-FR" sz="1400" dirty="0" smtClean="0">
-                <a:latin typeface="Verdana" pitchFamily="34" charset="0"/>
-                <a:ea typeface="Verdana" pitchFamily="34" charset="0"/>
-                <a:cs typeface="Verdana" pitchFamily="34" charset="0"/>
-              </a:rPr>
-              <a:t>Contre un autre joueur</a:t>
-            </a:r>
-          </a:p>
-          <a:p>
-            <a:pPr lvl="2">
-              <a:spcAft>
-                <a:spcPts val="600"/>
-              </a:spcAft>
-            </a:pPr>
-            <a:r>
-              <a:rPr lang="fr-FR" sz="1400" dirty="0" smtClean="0">
-                <a:latin typeface="Verdana" pitchFamily="34" charset="0"/>
-                <a:ea typeface="Verdana" pitchFamily="34" charset="0"/>
-                <a:cs typeface="Verdana" pitchFamily="34" charset="0"/>
-              </a:rPr>
-              <a:t>Contre </a:t>
-            </a:r>
-            <a:r>
-              <a:rPr lang="fr-FR" sz="1400" dirty="0">
-                <a:latin typeface="Verdana" pitchFamily="34" charset="0"/>
-                <a:ea typeface="Verdana" pitchFamily="34" charset="0"/>
-                <a:cs typeface="Verdana" pitchFamily="34" charset="0"/>
-              </a:rPr>
-              <a:t>l’ordinateur (</a:t>
-            </a:r>
-            <a:r>
-              <a:rPr lang="fr-FR" sz="1400" dirty="0" smtClean="0">
-                <a:latin typeface="Verdana" pitchFamily="34" charset="0"/>
-                <a:ea typeface="Verdana" pitchFamily="34" charset="0"/>
-                <a:cs typeface="Verdana" pitchFamily="34" charset="0"/>
-              </a:rPr>
-              <a:t>différents niveaux</a:t>
-            </a:r>
-            <a:r>
-              <a:rPr lang="fr-FR" sz="1400" dirty="0">
-                <a:latin typeface="Verdana" pitchFamily="34" charset="0"/>
-                <a:ea typeface="Verdana" pitchFamily="34" charset="0"/>
-                <a:cs typeface="Verdana" pitchFamily="34" charset="0"/>
-              </a:rPr>
-              <a:t>)</a:t>
-            </a:r>
-            <a:endParaRPr lang="fr-FR" sz="1400" dirty="0" smtClean="0">
-              <a:latin typeface="Verdana" pitchFamily="34" charset="0"/>
-              <a:ea typeface="Verdana" pitchFamily="34" charset="0"/>
-              <a:cs typeface="Verdana" pitchFamily="34" charset="0"/>
-            </a:endParaRPr>
-          </a:p>
-          <a:p>
-            <a:pPr lvl="1">
-              <a:spcAft>
-                <a:spcPts val="600"/>
-              </a:spcAft>
-            </a:pPr>
-            <a:r>
-              <a:rPr lang="fr-FR" sz="1600" dirty="0" smtClean="0">
-                <a:latin typeface="Verdana" pitchFamily="34" charset="0"/>
-                <a:ea typeface="Verdana" pitchFamily="34" charset="0"/>
-                <a:cs typeface="Verdana" pitchFamily="34" charset="0"/>
-              </a:rPr>
-              <a:t>Fonction de sauvegarde de la partie en cours</a:t>
-            </a:r>
-          </a:p>
-          <a:p>
-            <a:pPr lvl="1">
-              <a:spcAft>
-                <a:spcPts val="600"/>
-              </a:spcAft>
-            </a:pPr>
-            <a:r>
-              <a:rPr lang="fr-FR" sz="1600" dirty="0" smtClean="0">
-                <a:latin typeface="Verdana" pitchFamily="34" charset="0"/>
-                <a:ea typeface="Verdana" pitchFamily="34" charset="0"/>
-                <a:cs typeface="Verdana" pitchFamily="34" charset="0"/>
-              </a:rPr>
-              <a:t>Fonction d’aide pendant le jeu</a:t>
-            </a:r>
-          </a:p>
-          <a:p>
-            <a:pPr lvl="1"/>
-            <a:endParaRPr lang="fr-FR" sz="1500" dirty="0">
-              <a:latin typeface="Verdana" pitchFamily="34" charset="0"/>
-              <a:ea typeface="Verdana" pitchFamily="34" charset="0"/>
-              <a:cs typeface="Verdana" pitchFamily="34" charset="0"/>
-            </a:endParaRPr>
-          </a:p>
-        </p:txBody>
-      </p:sp>
-      <p:sp>
-        <p:nvSpPr>
-          <p:cNvPr id="3" name="Espace réservé du pied de page 2"/>
-          <p:cNvSpPr>
-            <a:spLocks noGrp="1"/>
-          </p:cNvSpPr>
-          <p:nvPr>
-            <p:ph type="ftr" sz="quarter" idx="11"/>
-          </p:nvPr>
-        </p:nvSpPr>
-        <p:spPr/>
-        <p:txBody>
-          <a:bodyPr/>
-          <a:lstStyle/>
-          <a:p>
-            <a:r>
-              <a:rPr lang="fr-FR" dirty="0" smtClean="0"/>
-              <a:t>Mickaël Rivollet, Thibault Lazert - UE LIF7 - Semestre printemps 2012 - Hexxagon</a:t>
-            </a:r>
-            <a:endParaRPr lang="fr-FR" dirty="0"/>
-          </a:p>
-        </p:txBody>
-      </p:sp>
-      <p:sp>
-        <p:nvSpPr>
-          <p:cNvPr id="2" name="Espace réservé de la date 1"/>
-          <p:cNvSpPr>
-            <a:spLocks noGrp="1"/>
-          </p:cNvSpPr>
-          <p:nvPr>
-            <p:ph type="dt" sz="half" idx="10"/>
-          </p:nvPr>
-        </p:nvSpPr>
-        <p:spPr/>
-        <p:txBody>
-          <a:bodyPr/>
-          <a:lstStyle/>
-          <a:p>
-            <a:r>
-              <a:rPr lang="fr-FR" smtClean="0"/>
-              <a:t>7 juin 2012</a:t>
-            </a:r>
-            <a:endParaRPr lang="fr-FR" dirty="0"/>
-          </a:p>
-        </p:txBody>
-      </p:sp>
-      <p:sp>
-        <p:nvSpPr>
-          <p:cNvPr id="6" name="Espace réservé du numéro de diapositive 5"/>
-          <p:cNvSpPr>
-            <a:spLocks noGrp="1"/>
-          </p:cNvSpPr>
-          <p:nvPr>
-            <p:ph type="sldNum" sz="quarter" idx="12"/>
-          </p:nvPr>
-        </p:nvSpPr>
-        <p:spPr/>
-        <p:txBody>
-          <a:bodyPr/>
-          <a:lstStyle/>
-          <a:p>
-            <a:fld id="{D1F1D131-41E1-4141-9181-81A171513161}" type="slidenum">
-              <a:rPr lang="fr-FR" sz="1200" smtClean="0">
-                <a:solidFill>
-                  <a:srgbClr val="8B8B8B"/>
-                </a:solidFill>
-                <a:latin typeface="Calibri"/>
-              </a:rPr>
-              <a:pPr/>
-              <a:t>14</a:t>
-            </a:fld>
-            <a:endParaRPr lang="fr-FR" dirty="0"/>
-          </a:p>
-        </p:txBody>
-      </p:sp>
-    </p:spTree>
-    <p:extLst>
-      <p:ext uri="{BB962C8B-B14F-4D97-AF65-F5344CB8AC3E}">
-        <p14:creationId xmlns="" xmlns:p14="http://schemas.microsoft.com/office/powerpoint/2010/main" val="353008338"/>
-      </p:ext>
-    </p:extLst>
-  </p:cSld>
-  <p:clrMapOvr>
-    <a:masterClrMapping/>
-  </p:clrMapOvr>
-  <p:transition/>
-  <p:timing>
-    <p:tnLst>
-      <p:par>
-        <p:cTn id="1" dur="indefinite" restart="never" nodeType="tmRoot"/>
-      </p:par>
-    </p:tnLst>
-  </p:timing>
-</p:sld>
-</file>
-
 <file path=ppt/slides/slide15.xml><?xml version="1.0" encoding="utf-8"?>
 <p:sld xmlns:a="http://schemas.openxmlformats.org/drawingml/2006/main" xmlns:r="http://schemas.openxmlformats.org/officeDocument/2006/relationships" xmlns:p="http://schemas.openxmlformats.org/presentationml/2006/main">
   <p:cSld>
@@ -6789,7 +7743,7 @@
           <a:p>
             <a:r>
               <a:rPr lang="fr-FR" dirty="0" smtClean="0"/>
-              <a:t>Tâches</a:t>
+              <a:t>Paramètres</a:t>
             </a:r>
             <a:endParaRPr lang="fr-FR" dirty="0"/>
           </a:p>
@@ -6807,8 +7761,8 @@
         </p:nvSpPr>
         <p:spPr>
           <a:xfrm>
-            <a:off x="590872" y="2276872"/>
-            <a:ext cx="8229600" cy="3989040"/>
+            <a:off x="590872" y="1196752"/>
+            <a:ext cx="8229600" cy="5069160"/>
           </a:xfrm>
         </p:spPr>
         <p:txBody>
@@ -6818,72 +7772,76 @@
           <a:lstStyle/>
           <a:p>
             <a:pPr>
-              <a:spcAft>
-                <a:spcPts val="600"/>
-              </a:spcAft>
+              <a:buNone/>
             </a:pPr>
-            <a:r>
-              <a:rPr lang="fr-FR" sz="2200" dirty="0" smtClean="0">
-                <a:latin typeface="Verdana" pitchFamily="34" charset="0"/>
-                <a:ea typeface="Verdana" pitchFamily="34" charset="0"/>
-                <a:cs typeface="Verdana" pitchFamily="34" charset="0"/>
-              </a:rPr>
-              <a:t>Répartition des tâches au sein du groupe</a:t>
-            </a:r>
-          </a:p>
-          <a:p>
-            <a:pPr lvl="1">
-              <a:spcAft>
-                <a:spcPts val="600"/>
-              </a:spcAft>
+            <a:endParaRPr lang="fr-FR" sz="1200" dirty="0" smtClean="0">
+              <a:latin typeface="Verdana" pitchFamily="34" charset="0"/>
+              <a:ea typeface="Verdana" pitchFamily="34" charset="0"/>
+              <a:cs typeface="Verdana" pitchFamily="34" charset="0"/>
+            </a:endParaRPr>
+          </a:p>
+          <a:p>
+            <a:pPr>
+              <a:buNone/>
             </a:pPr>
+            <a:endParaRPr lang="fr-FR" sz="1200" dirty="0" smtClean="0">
+              <a:latin typeface="Verdana" pitchFamily="34" charset="0"/>
+              <a:ea typeface="Verdana" pitchFamily="34" charset="0"/>
+              <a:cs typeface="Verdana" pitchFamily="34" charset="0"/>
+            </a:endParaRPr>
+          </a:p>
+          <a:p>
+            <a:pPr>
+              <a:buNone/>
+            </a:pPr>
+            <a:endParaRPr lang="fr-FR" sz="1200" dirty="0">
+              <a:latin typeface="Verdana" pitchFamily="34" charset="0"/>
+              <a:ea typeface="Verdana" pitchFamily="34" charset="0"/>
+              <a:cs typeface="Verdana" pitchFamily="34" charset="0"/>
+            </a:endParaRPr>
+          </a:p>
+          <a:p>
+            <a:pPr>
+              <a:buNone/>
+            </a:pPr>
+            <a:endParaRPr lang="fr-FR" sz="1200" dirty="0" smtClean="0">
+              <a:latin typeface="Verdana" pitchFamily="34" charset="0"/>
+              <a:ea typeface="Verdana" pitchFamily="34" charset="0"/>
+              <a:cs typeface="Verdana" pitchFamily="34" charset="0"/>
+            </a:endParaRPr>
+          </a:p>
+          <a:p>
+            <a:pPr>
+              <a:buNone/>
+            </a:pPr>
+            <a:endParaRPr lang="fr-FR" sz="1400" dirty="0">
+              <a:latin typeface="Verdana" pitchFamily="34" charset="0"/>
+              <a:ea typeface="Verdana" pitchFamily="34" charset="0"/>
+              <a:cs typeface="Verdana" pitchFamily="34" charset="0"/>
+            </a:endParaRPr>
+          </a:p>
+          <a:p>
             <a:r>
               <a:rPr lang="fr-FR" sz="1600" dirty="0" smtClean="0">
                 <a:latin typeface="Verdana" pitchFamily="34" charset="0"/>
                 <a:ea typeface="Verdana" pitchFamily="34" charset="0"/>
                 <a:cs typeface="Verdana" pitchFamily="34" charset="0"/>
               </a:rPr>
-              <a:t>Répartition équitable au fur et à mesure</a:t>
-            </a:r>
-          </a:p>
-          <a:p>
-            <a:pPr lvl="1">
-              <a:spcAft>
-                <a:spcPts val="600"/>
-              </a:spcAft>
-            </a:pPr>
+              <a:t>Le fichier contient les variables de préprocesseur avec les valeurs des paramètres</a:t>
+            </a:r>
             <a:r>
               <a:rPr lang="fr-FR" sz="1600" dirty="0" smtClean="0">
                 <a:latin typeface="Verdana" pitchFamily="34" charset="0"/>
                 <a:ea typeface="Verdana" pitchFamily="34" charset="0"/>
                 <a:cs typeface="Verdana" pitchFamily="34" charset="0"/>
               </a:rPr>
-              <a:t>Travail en parallèle grâce à </a:t>
-            </a:r>
-            <a:r>
-              <a:rPr lang="fr-FR" sz="1600" dirty="0" smtClean="0">
-                <a:latin typeface="Verdana" pitchFamily="34" charset="0"/>
-                <a:ea typeface="Verdana" pitchFamily="34" charset="0"/>
-                <a:cs typeface="Verdana" pitchFamily="34" charset="0"/>
-              </a:rPr>
-              <a:t>SVN (utilisation de </a:t>
-            </a:r>
-            <a:r>
-              <a:rPr lang="fr-FR" sz="1600" dirty="0" err="1" smtClean="0">
-                <a:latin typeface="Verdana" pitchFamily="34" charset="0"/>
-                <a:ea typeface="Verdana" pitchFamily="34" charset="0"/>
-                <a:cs typeface="Verdana" pitchFamily="34" charset="0"/>
-              </a:rPr>
-              <a:t>GoogleCode</a:t>
-            </a:r>
-            <a:r>
-              <a:rPr lang="fr-FR" sz="1600" dirty="0" smtClean="0">
-                <a:latin typeface="Verdana" pitchFamily="34" charset="0"/>
-                <a:ea typeface="Verdana" pitchFamily="34" charset="0"/>
-                <a:cs typeface="Verdana" pitchFamily="34" charset="0"/>
-              </a:rPr>
-              <a:t>)</a:t>
-            </a:r>
+              <a:t>.</a:t>
+            </a:r>
+          </a:p>
+          <a:p>
+            <a:pPr>
+              <a:buNone/>
+            </a:pPr>
             <a:endParaRPr lang="fr-FR" sz="1600" dirty="0" smtClean="0">
               <a:latin typeface="Verdana" pitchFamily="34" charset="0"/>
               <a:ea typeface="Verdana" pitchFamily="34" charset="0"/>
@@ -6891,48 +7849,57 @@
             </a:endParaRPr>
           </a:p>
           <a:p>
-            <a:pPr lvl="2">
-              <a:spcAft>
-                <a:spcPts val="600"/>
-              </a:spcAft>
-            </a:pPr>
-            <a:r>
-              <a:rPr lang="fr-FR" sz="1400" dirty="0" smtClean="0">
-                <a:latin typeface="Verdana" pitchFamily="34" charset="0"/>
-                <a:ea typeface="Verdana" pitchFamily="34" charset="0"/>
-                <a:cs typeface="Verdana" pitchFamily="34" charset="0"/>
-              </a:rPr>
-              <a:t>Travail sur le même fichier</a:t>
-            </a:r>
-          </a:p>
-          <a:p>
-            <a:pPr lvl="2">
-              <a:spcAft>
-                <a:spcPts val="600"/>
-              </a:spcAft>
-            </a:pPr>
-            <a:r>
-              <a:rPr lang="fr-FR" sz="1400" dirty="0" smtClean="0">
-                <a:latin typeface="Verdana" pitchFamily="34" charset="0"/>
-                <a:ea typeface="Verdana" pitchFamily="34" charset="0"/>
-                <a:cs typeface="Verdana" pitchFamily="34" charset="0"/>
-              </a:rPr>
-              <a:t>Historique des mises à jour</a:t>
-            </a:r>
-          </a:p>
-          <a:p>
-            <a:pPr lvl="1">
-              <a:spcAft>
-                <a:spcPts val="600"/>
-              </a:spcAft>
-            </a:pPr>
             <a:r>
               <a:rPr lang="fr-FR" sz="1600" dirty="0" smtClean="0">
                 <a:latin typeface="Verdana" pitchFamily="34" charset="0"/>
                 <a:ea typeface="Verdana" pitchFamily="34" charset="0"/>
                 <a:cs typeface="Verdana" pitchFamily="34" charset="0"/>
               </a:rPr>
-              <a:t>Fichier « TODO » avec la liste des prochaines tâches</a:t>
+              <a:t>Les </a:t>
+            </a:r>
+            <a:r>
+              <a:rPr lang="fr-FR" sz="1600" dirty="0" smtClean="0">
+                <a:latin typeface="Verdana" pitchFamily="34" charset="0"/>
+                <a:ea typeface="Verdana" pitchFamily="34" charset="0"/>
+                <a:cs typeface="Verdana" pitchFamily="34" charset="0"/>
+              </a:rPr>
+              <a:t>paramètres correspondent aux chemins vers les fichiers, ou aux options pour la compilation (sons, commentaires</a:t>
+            </a:r>
+            <a:r>
+              <a:rPr lang="fr-FR" sz="1600" dirty="0" smtClean="0">
+                <a:latin typeface="Verdana" pitchFamily="34" charset="0"/>
+                <a:ea typeface="Verdana" pitchFamily="34" charset="0"/>
+                <a:cs typeface="Verdana" pitchFamily="34" charset="0"/>
+              </a:rPr>
+              <a:t>).</a:t>
+            </a:r>
+          </a:p>
+          <a:p>
+            <a:pPr>
+              <a:buNone/>
+            </a:pPr>
+            <a:endParaRPr lang="fr-FR" sz="1600" dirty="0" smtClean="0">
+              <a:latin typeface="Verdana" pitchFamily="34" charset="0"/>
+              <a:ea typeface="Verdana" pitchFamily="34" charset="0"/>
+              <a:cs typeface="Verdana" pitchFamily="34" charset="0"/>
+            </a:endParaRPr>
+          </a:p>
+          <a:p>
+            <a:r>
+              <a:rPr lang="fr-FR" sz="1600" dirty="0" smtClean="0">
+                <a:latin typeface="Verdana" pitchFamily="34" charset="0"/>
+                <a:ea typeface="Verdana" pitchFamily="34" charset="0"/>
+                <a:cs typeface="Verdana" pitchFamily="34" charset="0"/>
+              </a:rPr>
+              <a:t>Le </a:t>
+            </a:r>
+            <a:r>
+              <a:rPr lang="fr-FR" sz="1600" dirty="0" smtClean="0">
+                <a:latin typeface="Verdana" pitchFamily="34" charset="0"/>
+                <a:ea typeface="Verdana" pitchFamily="34" charset="0"/>
+                <a:cs typeface="Verdana" pitchFamily="34" charset="0"/>
+              </a:rPr>
+              <a:t>fichier contient les variables fixés utilisés pour l’affichage.</a:t>
             </a:r>
             <a:endParaRPr lang="fr-FR" sz="1600" dirty="0">
               <a:latin typeface="Verdana" pitchFamily="34" charset="0"/>
@@ -7020,7 +7987,7 @@
     </p:spTree>
     <p:extLst>
       <p:ext uri="{BB962C8B-B14F-4D97-AF65-F5344CB8AC3E}">
-        <p14:creationId xmlns="" xmlns:p14="http://schemas.microsoft.com/office/powerpoint/2010/main" val="2431959646"/>
+        <p14:creationId xmlns:p14="http://schemas.microsoft.com/office/powerpoint/2010/main" xmlns="" val="550614223"/>
       </p:ext>
     </p:extLst>
   </p:cSld>
@@ -7114,23 +8081,61 @@
           <a:p>
             <a:pPr lvl="1"/>
             <a:r>
-              <a:rPr lang="fr-FR" sz="1800" dirty="0" smtClean="0"/>
+              <a:rPr lang="fr-FR" sz="1600" dirty="0" smtClean="0"/>
               <a:t>Adjacentes</a:t>
             </a:r>
           </a:p>
           <a:p>
             <a:pPr lvl="1"/>
             <a:r>
-              <a:rPr lang="fr-FR" sz="1800" dirty="0" smtClean="0"/>
+              <a:rPr lang="fr-FR" sz="1600" dirty="0" smtClean="0"/>
               <a:t>Distantes d’une case</a:t>
             </a:r>
           </a:p>
           <a:p>
             <a:r>
               <a:rPr lang="fr-FR" sz="2200" dirty="0" smtClean="0"/>
-              <a:t>Animations des pions</a:t>
-            </a:r>
-            <a:endParaRPr lang="fr-FR" sz="2200" dirty="0"/>
+              <a:t>Animations des </a:t>
+            </a:r>
+            <a:r>
+              <a:rPr lang="fr-FR" sz="2200" dirty="0" smtClean="0"/>
+              <a:t>pions</a:t>
+            </a:r>
+          </a:p>
+          <a:p>
+            <a:r>
+              <a:rPr lang="fr-FR" sz="2200" dirty="0" smtClean="0"/>
+              <a:t>Programmation et améliorations de la fonction ordinateur (IA)</a:t>
+            </a:r>
+          </a:p>
+          <a:p>
+            <a:pPr lvl="1"/>
+            <a:r>
+              <a:rPr lang="fr-FR" sz="1600" dirty="0" smtClean="0"/>
+              <a:t>Chercher la meilleure position sur la meilleurs position</a:t>
+            </a:r>
+          </a:p>
+          <a:p>
+            <a:pPr lvl="1"/>
+            <a:r>
+              <a:rPr lang="fr-FR" sz="1600" dirty="0" smtClean="0"/>
+              <a:t>Remplir </a:t>
+            </a:r>
+            <a:r>
+              <a:rPr lang="fr-FR" sz="1600" dirty="0" smtClean="0"/>
+              <a:t>en priorité les cases en danger ou qui peuvent rapporter </a:t>
+            </a:r>
+            <a:r>
+              <a:rPr lang="fr-FR" sz="1600" dirty="0" smtClean="0"/>
+              <a:t>beaucoup</a:t>
+            </a:r>
+          </a:p>
+          <a:p>
+            <a:pPr lvl="1"/>
+            <a:r>
+              <a:rPr lang="fr-FR" sz="1600" dirty="0" smtClean="0"/>
+              <a:t>Calculer avec un coup d’avance</a:t>
+            </a:r>
           </a:p>
         </p:txBody>
       </p:sp>
@@ -7244,7 +8249,7 @@
       </p:grpSpPr>
       <p:sp>
         <p:nvSpPr>
-          <p:cNvPr id="4" name="Titre 3"/>
+          <p:cNvPr id="2" name="Titre 1"/>
           <p:cNvSpPr>
             <a:spLocks noGrp="1"/>
           </p:cNvSpPr>
@@ -7259,11 +8264,7 @@
           <a:p>
             <a:r>
               <a:rPr lang="fr-FR" dirty="0" smtClean="0"/>
-              <a:t>Aperçu du </a:t>
-            </a:r>
-            <a:r>
-              <a:rPr lang="fr-FR" dirty="0" smtClean="0"/>
-              <a:t>menu principal</a:t>
+              <a:t>Conclusion</a:t>
             </a:r>
             <a:endParaRPr lang="fr-FR" dirty="0"/>
           </a:p>
@@ -7271,64 +8272,96 @@
       </p:sp>
       <p:sp>
         <p:nvSpPr>
-          <p:cNvPr id="3" name="Espace réservé du pied de page 2"/>
-          <p:cNvSpPr>
-            <a:spLocks noGrp="1"/>
-          </p:cNvSpPr>
-          <p:nvPr>
-            <p:ph type="ftr" sz="quarter" idx="11"/>
+          <p:cNvPr id="3" name="Espace réservé du contenu 2"/>
+          <p:cNvSpPr>
+            <a:spLocks noGrp="1"/>
+          </p:cNvSpPr>
+          <p:nvPr>
+            <p:ph idx="1"/>
           </p:nvPr>
         </p:nvSpPr>
         <p:spPr/>
         <p:txBody>
-          <a:bodyPr/>
-          <a:lstStyle/>
-          <a:p>
-            <a:r>
-              <a:rPr lang="fr-FR" dirty="0" smtClean="0"/>
-              <a:t>Mickaël Rivollet, Thibault Lazert - UE LIF7 - Semestre printemps 2012 - Hexxagon</a:t>
-            </a:r>
-            <a:endParaRPr lang="fr-FR" dirty="0"/>
-          </a:p>
-        </p:txBody>
-      </p:sp>
-      <p:pic>
-        <p:nvPicPr>
-          <p:cNvPr id="1026" name="Picture 2"/>
-          <p:cNvPicPr>
-            <a:picLocks noGrp="1" noChangeAspect="1" noChangeArrowheads="1"/>
-          </p:cNvPicPr>
-          <p:nvPr>
-            <p:ph idx="1"/>
-          </p:nvPr>
-        </p:nvPicPr>
-        <p:blipFill>
-          <a:blip r:embed="rId2" cstate="print"/>
-          <a:srcRect l="497" t="2836" r="1169" b="1984"/>
-          <a:stretch>
-            <a:fillRect/>
-          </a:stretch>
-        </p:blipFill>
-        <p:spPr bwMode="auto">
-          <a:xfrm>
-            <a:off x="971600" y="1340768"/>
-            <a:ext cx="7416824" cy="4824536"/>
-          </a:xfrm>
-          <a:prstGeom prst="rect">
-            <a:avLst/>
-          </a:prstGeom>
-          <a:noFill/>
-          <a:ln w="9525">
-            <a:noFill/>
-            <a:miter lim="800000"/>
-            <a:headEnd/>
-            <a:tailEnd/>
-          </a:ln>
-        </p:spPr>
-      </p:pic>
-      <p:sp>
-        <p:nvSpPr>
-          <p:cNvPr id="2" name="Espace réservé de la date 1"/>
+          <a:bodyPr>
+            <a:normAutofit/>
+          </a:bodyPr>
+          <a:lstStyle/>
+          <a:p>
+            <a:r>
+              <a:rPr lang="fr-FR" sz="2200" dirty="0" smtClean="0"/>
+              <a:t>Ce projet nous a permis de …</a:t>
+            </a:r>
+          </a:p>
+          <a:p>
+            <a:pPr lvl="1"/>
+            <a:r>
+              <a:rPr lang="fr-FR" sz="1600" dirty="0" smtClean="0"/>
+              <a:t>… découvrir et d’utiliser des librairies</a:t>
+            </a:r>
+          </a:p>
+          <a:p>
+            <a:pPr lvl="2"/>
+            <a:r>
+              <a:rPr lang="fr-FR" sz="1600" dirty="0" smtClean="0"/>
+              <a:t>SDL pour l’affichage à l’écran</a:t>
+            </a:r>
+          </a:p>
+          <a:p>
+            <a:pPr lvl="2"/>
+            <a:r>
+              <a:rPr lang="fr-FR" sz="1600" dirty="0" smtClean="0"/>
+              <a:t>FMOD pour les sons</a:t>
+            </a:r>
+          </a:p>
+          <a:p>
+            <a:pPr lvl="1"/>
+            <a:r>
+              <a:rPr lang="fr-FR" sz="1600" dirty="0" smtClean="0"/>
+              <a:t>… travailler à plusieurs sur un projet en utilisant un logiciel de gestion de versions (SVN avec </a:t>
+            </a:r>
+            <a:r>
+              <a:rPr lang="fr-FR" sz="1600" dirty="0" err="1" smtClean="0"/>
+              <a:t>GoogleCode</a:t>
+            </a:r>
+            <a:r>
+              <a:rPr lang="fr-FR" sz="1600" dirty="0" smtClean="0"/>
+              <a:t>)</a:t>
+            </a:r>
+          </a:p>
+          <a:p>
+            <a:pPr lvl="1"/>
+            <a:r>
+              <a:rPr lang="fr-FR" sz="1600" dirty="0" smtClean="0"/>
+              <a:t>… mettre concrètement en application nous connaissances de LIF5 sur les modules</a:t>
+            </a:r>
+          </a:p>
+          <a:p>
+            <a:pPr lvl="1"/>
+            <a:r>
+              <a:rPr lang="fr-FR" sz="1600" dirty="0" smtClean="0"/>
+              <a:t>… développer une IA pour imiter la stratégie d’un joueur</a:t>
+            </a:r>
+          </a:p>
+          <a:p>
+            <a:r>
+              <a:rPr lang="fr-FR" sz="2200" dirty="0" smtClean="0"/>
+              <a:t>Nous avons apprécié travailler sur ce projet</a:t>
+            </a:r>
+          </a:p>
+          <a:p>
+            <a:r>
+              <a:rPr lang="fr-FR" sz="2200" dirty="0" smtClean="0"/>
+              <a:t>Notre jeu a été testé par différentes personnes</a:t>
+            </a:r>
+          </a:p>
+          <a:p>
+            <a:endParaRPr lang="fr-FR" sz="2400" dirty="0"/>
+          </a:p>
+        </p:txBody>
+      </p:sp>
+      <p:sp>
+        <p:nvSpPr>
+          <p:cNvPr id="4" name="Espace réservé de la date 3"/>
           <p:cNvSpPr>
             <a:spLocks noGrp="1"/>
           </p:cNvSpPr>
@@ -7351,7 +8384,30 @@
       </p:sp>
       <p:sp>
         <p:nvSpPr>
-          <p:cNvPr id="5" name="Espace réservé du numéro de diapositive 4"/>
+          <p:cNvPr id="5" name="Espace réservé du pied de page 4"/>
+          <p:cNvSpPr>
+            <a:spLocks noGrp="1"/>
+          </p:cNvSpPr>
+          <p:nvPr>
+            <p:ph type="ftr" sz="quarter" idx="11"/>
+          </p:nvPr>
+        </p:nvSpPr>
+        <p:spPr/>
+        <p:txBody>
+          <a:bodyPr/>
+          <a:lstStyle/>
+          <a:p>
+            <a:r>
+              <a:rPr lang="fr-FR" smtClean="0"/>
+              <a:t>Mickaël Rivollet, Thibault Lazert - UE LIF7 - Semestre printemps 2012 - Hexxagon</a:t>
+            </a:r>
+            <a:endParaRPr lang="fr-FR" dirty="0"/>
+          </a:p>
+        </p:txBody>
+      </p:sp>
+      <p:sp>
+        <p:nvSpPr>
+          <p:cNvPr id="6" name="Espace réservé du numéro de diapositive 5"/>
           <p:cNvSpPr>
             <a:spLocks noGrp="1"/>
           </p:cNvSpPr>
@@ -7413,7 +8469,7 @@
       </p:grpSpPr>
       <p:sp>
         <p:nvSpPr>
-          <p:cNvPr id="4" name="Titre 3"/>
+          <p:cNvPr id="2" name="Titre 1"/>
           <p:cNvSpPr>
             <a:spLocks noGrp="1"/>
           </p:cNvSpPr>
@@ -7421,14 +8477,19 @@
             <p:ph type="title"/>
           </p:nvPr>
         </p:nvSpPr>
-        <p:spPr/>
+        <p:spPr>
+          <a:xfrm>
+            <a:off x="395536" y="2636912"/>
+            <a:ext cx="8229600" cy="1143000"/>
+          </a:xfrm>
+        </p:spPr>
         <p:txBody>
           <a:bodyPr/>
           <a:lstStyle/>
           <a:p>
             <a:r>
               <a:rPr lang="fr-FR" dirty="0" smtClean="0"/>
-              <a:t>Aperçu du jeu</a:t>
+              <a:t>Merci de votre attention</a:t>
             </a:r>
             <a:endParaRPr lang="fr-FR" dirty="0"/>
           </a:p>
@@ -7436,64 +8497,7 @@
       </p:sp>
       <p:sp>
         <p:nvSpPr>
-          <p:cNvPr id="3" name="Espace réservé du pied de page 2"/>
-          <p:cNvSpPr>
-            <a:spLocks noGrp="1"/>
-          </p:cNvSpPr>
-          <p:nvPr>
-            <p:ph type="ftr" sz="quarter" idx="11"/>
-          </p:nvPr>
-        </p:nvSpPr>
-        <p:spPr/>
-        <p:txBody>
-          <a:bodyPr/>
-          <a:lstStyle/>
-          <a:p>
-            <a:r>
-              <a:rPr lang="fr-FR" dirty="0" smtClean="0"/>
-              <a:t>Mickaël Rivollet, Thibault Lazert - UE LIF7 - Semestre printemps 2012 - Hexxagon</a:t>
-            </a:r>
-            <a:endParaRPr lang="fr-FR" dirty="0"/>
-          </a:p>
-        </p:txBody>
-      </p:sp>
-      <p:pic>
-        <p:nvPicPr>
-          <p:cNvPr id="2051" name="Picture 3"/>
-          <p:cNvPicPr>
-            <a:picLocks noGrp="1" noChangeAspect="1" noChangeArrowheads="1"/>
-          </p:cNvPicPr>
-          <p:nvPr>
-            <p:ph idx="1"/>
-          </p:nvPr>
-        </p:nvPicPr>
-        <p:blipFill>
-          <a:blip r:embed="rId2" cstate="print"/>
-          <a:srcRect l="816" t="3814" r="1885" b="2317"/>
-          <a:stretch>
-            <a:fillRect/>
-          </a:stretch>
-        </p:blipFill>
-        <p:spPr bwMode="auto">
-          <a:xfrm>
-            <a:off x="1259632" y="1772816"/>
-            <a:ext cx="6552728" cy="4248472"/>
-          </a:xfrm>
-          <a:prstGeom prst="rect">
-            <a:avLst/>
-          </a:prstGeom>
-          <a:noFill/>
-          <a:ln w="9525">
-            <a:noFill/>
-            <a:miter lim="800000"/>
-            <a:headEnd/>
-            <a:tailEnd/>
-          </a:ln>
-        </p:spPr>
-      </p:pic>
-      <p:sp>
-        <p:nvSpPr>
-          <p:cNvPr id="2" name="Espace réservé de la date 1"/>
+          <p:cNvPr id="4" name="Espace réservé de la date 3"/>
           <p:cNvSpPr>
             <a:spLocks noGrp="1"/>
           </p:cNvSpPr>
@@ -7516,7 +8520,30 @@
       </p:sp>
       <p:sp>
         <p:nvSpPr>
-          <p:cNvPr id="5" name="Espace réservé du numéro de diapositive 4"/>
+          <p:cNvPr id="5" name="Espace réservé du pied de page 4"/>
+          <p:cNvSpPr>
+            <a:spLocks noGrp="1"/>
+          </p:cNvSpPr>
+          <p:nvPr>
+            <p:ph type="ftr" sz="quarter" idx="11"/>
+          </p:nvPr>
+        </p:nvSpPr>
+        <p:spPr/>
+        <p:txBody>
+          <a:bodyPr/>
+          <a:lstStyle/>
+          <a:p>
+            <a:r>
+              <a:rPr lang="fr-FR" smtClean="0"/>
+              <a:t>Mickaël Rivollet, Thibault Lazert - UE LIF7 - Semestre printemps 2012 - Hexxagon</a:t>
+            </a:r>
+            <a:endParaRPr lang="fr-FR" dirty="0"/>
+          </a:p>
+        </p:txBody>
+      </p:sp>
+      <p:sp>
+        <p:nvSpPr>
+          <p:cNvPr id="6" name="Espace réservé du numéro de diapositive 5"/>
           <p:cNvSpPr>
             <a:spLocks noGrp="1"/>
           </p:cNvSpPr>
@@ -7544,226 +8571,11 @@
         </p:txBody>
       </p:sp>
     </p:spTree>
-  </p:cSld>
-  <p:clrMapOvr>
-    <a:masterClrMapping/>
-  </p:clrMapOvr>
-  <p:transition/>
-  <p:timing>
-    <p:tnLst>
-      <p:par>
-        <p:cTn id="1" dur="indefinite" restart="never" nodeType="tmRoot"/>
-      </p:par>
-    </p:tnLst>
-  </p:timing>
-</p:sld>
-</file>
-
-<file path=ppt/slides/slide19.xml><?xml version="1.0" encoding="utf-8"?>
-<p:sld xmlns:a="http://schemas.openxmlformats.org/drawingml/2006/main" xmlns:r="http://schemas.openxmlformats.org/officeDocument/2006/relationships" xmlns:p="http://schemas.openxmlformats.org/presentationml/2006/main">
-  <p:cSld>
-    <p:spTree>
-      <p:nvGrpSpPr>
-        <p:cNvPr id="1" name=""/>
-        <p:cNvGrpSpPr/>
-        <p:nvPr/>
-      </p:nvGrpSpPr>
-      <p:grpSpPr>
-        <a:xfrm>
-          <a:off x="0" y="0"/>
-          <a:ext cx="0" cy="0"/>
-          <a:chOff x="0" y="0"/>
-          <a:chExt cx="0" cy="0"/>
-        </a:xfrm>
-      </p:grpSpPr>
-      <p:sp>
-        <p:nvSpPr>
-          <p:cNvPr id="2" name="Titre 1"/>
-          <p:cNvSpPr>
-            <a:spLocks noGrp="1"/>
-          </p:cNvSpPr>
-          <p:nvPr>
-            <p:ph type="title"/>
-          </p:nvPr>
-        </p:nvSpPr>
-        <p:spPr/>
-        <p:txBody>
-          <a:bodyPr/>
-          <a:lstStyle/>
-          <a:p>
-            <a:r>
-              <a:rPr lang="fr-FR" dirty="0" smtClean="0"/>
-              <a:t>Conclusion</a:t>
-            </a:r>
-            <a:endParaRPr lang="fr-FR" dirty="0"/>
-          </a:p>
-        </p:txBody>
-      </p:sp>
-      <p:sp>
-        <p:nvSpPr>
-          <p:cNvPr id="3" name="Espace réservé du contenu 2"/>
-          <p:cNvSpPr>
-            <a:spLocks noGrp="1"/>
-          </p:cNvSpPr>
-          <p:nvPr>
-            <p:ph idx="1"/>
-          </p:nvPr>
-        </p:nvSpPr>
-        <p:spPr/>
-        <p:txBody>
-          <a:bodyPr>
-            <a:normAutofit/>
-          </a:bodyPr>
-          <a:lstStyle/>
-          <a:p>
-            <a:r>
-              <a:rPr lang="fr-FR" sz="2200" dirty="0" smtClean="0"/>
-              <a:t>Ce projet nous a permis de …</a:t>
-            </a:r>
-          </a:p>
-          <a:p>
-            <a:pPr lvl="1"/>
-            <a:r>
-              <a:rPr lang="fr-FR" sz="1600" dirty="0" smtClean="0"/>
-              <a:t>… découvrir et d’utiliser des librairies</a:t>
-            </a:r>
-          </a:p>
-          <a:p>
-            <a:pPr lvl="2"/>
-            <a:r>
-              <a:rPr lang="fr-FR" sz="1600" dirty="0" smtClean="0"/>
-              <a:t>SDL pour l’affichage à l’écran</a:t>
-            </a:r>
-          </a:p>
-          <a:p>
-            <a:pPr lvl="2"/>
-            <a:r>
-              <a:rPr lang="fr-FR" sz="1600" dirty="0" smtClean="0"/>
-              <a:t>FMOD pour les sons</a:t>
-            </a:r>
-          </a:p>
-          <a:p>
-            <a:pPr lvl="1"/>
-            <a:r>
-              <a:rPr lang="fr-FR" sz="1600" dirty="0" smtClean="0"/>
-              <a:t>… travailler à plusieurs sur un projet en utilisant un logiciel de gestion de versions (SVN avec </a:t>
-            </a:r>
-            <a:r>
-              <a:rPr lang="fr-FR" sz="1600" dirty="0" err="1" smtClean="0"/>
-              <a:t>GoogleCode</a:t>
-            </a:r>
-            <a:r>
-              <a:rPr lang="fr-FR" sz="1600" dirty="0" smtClean="0"/>
-              <a:t>)</a:t>
-            </a:r>
-          </a:p>
-          <a:p>
-            <a:pPr lvl="1"/>
-            <a:r>
-              <a:rPr lang="fr-FR" sz="1600" dirty="0" smtClean="0"/>
-              <a:t>… mettre concrètement en application nous connaissances de LIF5 sur les modules</a:t>
-            </a:r>
-          </a:p>
-          <a:p>
-            <a:pPr lvl="1"/>
-            <a:r>
-              <a:rPr lang="fr-FR" sz="1600" dirty="0" smtClean="0"/>
-              <a:t>… développer une IA pour imiter la stratégie d’un joueur</a:t>
-            </a:r>
-          </a:p>
-          <a:p>
-            <a:r>
-              <a:rPr lang="fr-FR" sz="2200" dirty="0" smtClean="0"/>
-              <a:t>Nous avons apprécié travailler sur ce projet</a:t>
-            </a:r>
-          </a:p>
-          <a:p>
-            <a:r>
-              <a:rPr lang="fr-FR" sz="2200" dirty="0" smtClean="0"/>
-              <a:t>Notre jeu a été testé par différentes personnes</a:t>
-            </a:r>
-          </a:p>
-          <a:p>
-            <a:endParaRPr lang="fr-FR" sz="2400" dirty="0"/>
-          </a:p>
-        </p:txBody>
-      </p:sp>
-      <p:sp>
-        <p:nvSpPr>
-          <p:cNvPr id="4" name="Espace réservé de la date 3"/>
-          <p:cNvSpPr>
-            <a:spLocks noGrp="1"/>
-          </p:cNvSpPr>
-          <p:nvPr>
-            <p:ph type="dt" sz="half" idx="10"/>
-          </p:nvPr>
-        </p:nvSpPr>
-        <p:spPr/>
-        <p:txBody>
-          <a:bodyPr/>
-          <a:lstStyle/>
-          <a:p>
-            <a:r>
-              <a:rPr lang="fr-FR" smtClean="0"/>
-              <a:t>7 juin 2012</a:t>
-            </a:r>
-            <a:endParaRPr lang="fr-FR" dirty="0"/>
-          </a:p>
-        </p:txBody>
-      </p:sp>
-      <p:sp>
-        <p:nvSpPr>
-          <p:cNvPr id="5" name="Espace réservé du pied de page 4"/>
-          <p:cNvSpPr>
-            <a:spLocks noGrp="1"/>
-          </p:cNvSpPr>
-          <p:nvPr>
-            <p:ph type="ftr" sz="quarter" idx="11"/>
-          </p:nvPr>
-        </p:nvSpPr>
-        <p:spPr/>
-        <p:txBody>
-          <a:bodyPr/>
-          <a:lstStyle/>
-          <a:p>
-            <a:r>
-              <a:rPr lang="fr-FR" smtClean="0"/>
-              <a:t>Mickaël Rivollet, Thibault Lazert - UE LIF7 - Semestre printemps 2012 - Hexxagon</a:t>
-            </a:r>
-            <a:endParaRPr lang="fr-FR" dirty="0"/>
-          </a:p>
-        </p:txBody>
-      </p:sp>
-      <p:sp>
-        <p:nvSpPr>
-          <p:cNvPr id="6" name="Espace réservé du numéro de diapositive 5"/>
-          <p:cNvSpPr>
-            <a:spLocks noGrp="1"/>
-          </p:cNvSpPr>
-          <p:nvPr>
-            <p:ph type="sldNum" sz="quarter" idx="12"/>
-          </p:nvPr>
-        </p:nvSpPr>
-        <p:spPr/>
-        <p:txBody>
-          <a:bodyPr/>
-          <a:lstStyle/>
-          <a:p>
-            <a:fld id="{D1F1D131-41E1-4141-9181-81A171513161}" type="slidenum">
-              <a:rPr lang="fr-FR" sz="1200" smtClean="0">
-                <a:solidFill>
-                  <a:srgbClr val="8B8B8B"/>
-                </a:solidFill>
-                <a:latin typeface="Calibri"/>
-              </a:rPr>
-              <a:pPr/>
-              <a:t>19</a:t>
-            </a:fld>
-            <a:endParaRPr lang="fr-FR" dirty="0"/>
-          </a:p>
-        </p:txBody>
-      </p:sp>
-    </p:spTree>
+    <p:extLst>
+      <p:ext uri="{BB962C8B-B14F-4D97-AF65-F5344CB8AC3E}">
+        <p14:creationId xmlns:p14="http://schemas.microsoft.com/office/powerpoint/2010/main" xmlns="" val="230228527"/>
+      </p:ext>
+    </p:extLst>
   </p:cSld>
   <p:clrMapOvr>
     <a:masterClrMapping/>
@@ -7843,8 +8655,19 @@
           <a:p>
             <a:r>
               <a:rPr lang="fr-FR" sz="2400" dirty="0" smtClean="0"/>
-              <a:t>Objectifs du projet</a:t>
-            </a:r>
+              <a:t>Objectifs du </a:t>
+            </a:r>
+            <a:r>
+              <a:rPr lang="fr-FR" sz="2400" dirty="0" smtClean="0"/>
+              <a:t>projet et principe du jeu</a:t>
+            </a:r>
+          </a:p>
+          <a:p>
+            <a:r>
+              <a:rPr lang="fr-FR" sz="2400" dirty="0" smtClean="0"/>
+              <a:t>Fonctionnalités développées et tâches</a:t>
+            </a:r>
+            <a:endParaRPr lang="fr-FR" sz="2400" dirty="0" smtClean="0"/>
           </a:p>
           <a:p>
             <a:r>
@@ -7859,18 +8682,9 @@
             </a:r>
           </a:p>
           <a:p>
-            <a:r>
-              <a:rPr lang="fr-FR" sz="2400" dirty="0" smtClean="0"/>
-              <a:t>Fonctionnalités</a:t>
-            </a:r>
-          </a:p>
-          <a:p>
-            <a:r>
-              <a:rPr lang="fr-FR" sz="2400" dirty="0" smtClean="0"/>
-              <a:t>Organisation</a:t>
-            </a:r>
-          </a:p>
-          <a:p>
+            <a:pPr>
+              <a:buNone/>
+            </a:pPr>
             <a:endParaRPr lang="fr-FR" sz="2400" dirty="0" smtClean="0"/>
           </a:p>
           <a:p>
@@ -7958,314 +8772,6 @@
         </p:txBody>
       </p:sp>
     </p:spTree>
-  </p:cSld>
-  <p:clrMapOvr>
-    <a:masterClrMapping/>
-  </p:clrMapOvr>
-  <p:transition/>
-  <p:timing>
-    <p:tnLst>
-      <p:par>
-        <p:cTn id="1" dur="indefinite" restart="never" nodeType="tmRoot"/>
-      </p:par>
-    </p:tnLst>
-  </p:timing>
-</p:sld>
-</file>
-
-<file path=ppt/slides/slide20.xml><?xml version="1.0" encoding="utf-8"?>
-<p:sld xmlns:a="http://schemas.openxmlformats.org/drawingml/2006/main" xmlns:r="http://schemas.openxmlformats.org/officeDocument/2006/relationships" xmlns:p="http://schemas.openxmlformats.org/presentationml/2006/main">
-  <p:cSld>
-    <p:spTree>
-      <p:nvGrpSpPr>
-        <p:cNvPr id="1" name=""/>
-        <p:cNvGrpSpPr/>
-        <p:nvPr/>
-      </p:nvGrpSpPr>
-      <p:grpSpPr>
-        <a:xfrm>
-          <a:off x="0" y="0"/>
-          <a:ext cx="0" cy="0"/>
-          <a:chOff x="0" y="0"/>
-          <a:chExt cx="0" cy="0"/>
-        </a:xfrm>
-      </p:grpSpPr>
-      <p:sp>
-        <p:nvSpPr>
-          <p:cNvPr id="2" name="Titre 1"/>
-          <p:cNvSpPr>
-            <a:spLocks noGrp="1"/>
-          </p:cNvSpPr>
-          <p:nvPr>
-            <p:ph type="title"/>
-          </p:nvPr>
-        </p:nvSpPr>
-        <p:spPr>
-          <a:xfrm>
-            <a:off x="395536" y="2636912"/>
-            <a:ext cx="8229600" cy="1143000"/>
-          </a:xfrm>
-        </p:spPr>
-        <p:txBody>
-          <a:bodyPr/>
-          <a:lstStyle/>
-          <a:p>
-            <a:r>
-              <a:rPr lang="fr-FR" dirty="0" smtClean="0"/>
-              <a:t>Merci de votre attention</a:t>
-            </a:r>
-            <a:endParaRPr lang="fr-FR" dirty="0"/>
-          </a:p>
-        </p:txBody>
-      </p:sp>
-      <p:sp>
-        <p:nvSpPr>
-          <p:cNvPr id="4" name="Espace réservé de la date 3"/>
-          <p:cNvSpPr>
-            <a:spLocks noGrp="1"/>
-          </p:cNvSpPr>
-          <p:nvPr>
-            <p:ph type="dt" sz="half" idx="10"/>
-          </p:nvPr>
-        </p:nvSpPr>
-        <p:spPr/>
-        <p:txBody>
-          <a:bodyPr/>
-          <a:lstStyle/>
-          <a:p>
-            <a:r>
-              <a:rPr lang="fr-FR" smtClean="0"/>
-              <a:t>7 juin 2012</a:t>
-            </a:r>
-            <a:endParaRPr lang="fr-FR" dirty="0"/>
-          </a:p>
-        </p:txBody>
-      </p:sp>
-      <p:sp>
-        <p:nvSpPr>
-          <p:cNvPr id="5" name="Espace réservé du pied de page 4"/>
-          <p:cNvSpPr>
-            <a:spLocks noGrp="1"/>
-          </p:cNvSpPr>
-          <p:nvPr>
-            <p:ph type="ftr" sz="quarter" idx="11"/>
-          </p:nvPr>
-        </p:nvSpPr>
-        <p:spPr/>
-        <p:txBody>
-          <a:bodyPr/>
-          <a:lstStyle/>
-          <a:p>
-            <a:r>
-              <a:rPr lang="fr-FR" smtClean="0"/>
-              <a:t>Mickaël Rivollet, Thibault Lazert - UE LIF7 - Semestre printemps 2012 - Hexxagon</a:t>
-            </a:r>
-            <a:endParaRPr lang="fr-FR" dirty="0"/>
-          </a:p>
-        </p:txBody>
-      </p:sp>
-      <p:sp>
-        <p:nvSpPr>
-          <p:cNvPr id="6" name="Espace réservé du numéro de diapositive 5"/>
-          <p:cNvSpPr>
-            <a:spLocks noGrp="1"/>
-          </p:cNvSpPr>
-          <p:nvPr>
-            <p:ph type="sldNum" sz="quarter" idx="12"/>
-          </p:nvPr>
-        </p:nvSpPr>
-        <p:spPr/>
-        <p:txBody>
-          <a:bodyPr/>
-          <a:lstStyle/>
-          <a:p>
-            <a:fld id="{D1F1D131-41E1-4141-9181-81A171513161}" type="slidenum">
-              <a:rPr lang="fr-FR" sz="1200" smtClean="0">
-                <a:solidFill>
-                  <a:srgbClr val="8B8B8B"/>
-                </a:solidFill>
-                <a:latin typeface="Calibri"/>
-              </a:rPr>
-              <a:pPr/>
-              <a:t>20</a:t>
-            </a:fld>
-            <a:endParaRPr lang="fr-FR" dirty="0"/>
-          </a:p>
-        </p:txBody>
-      </p:sp>
-    </p:spTree>
-    <p:extLst>
-      <p:ext uri="{BB962C8B-B14F-4D97-AF65-F5344CB8AC3E}">
-        <p14:creationId xmlns="" xmlns:p14="http://schemas.microsoft.com/office/powerpoint/2010/main" val="230228527"/>
-      </p:ext>
-    </p:extLst>
-  </p:cSld>
-  <p:clrMapOvr>
-    <a:masterClrMapping/>
-  </p:clrMapOvr>
-  <p:transition/>
-  <p:timing>
-    <p:tnLst>
-      <p:par>
-        <p:cTn id="1" dur="indefinite" restart="never" nodeType="tmRoot"/>
-      </p:par>
-    </p:tnLst>
-  </p:timing>
-</p:sld>
-</file>
-
-<file path=ppt/slides/slide21.xml><?xml version="1.0" encoding="utf-8"?>
-<p:sld xmlns:a="http://schemas.openxmlformats.org/drawingml/2006/main" xmlns:r="http://schemas.openxmlformats.org/officeDocument/2006/relationships" xmlns:p="http://schemas.openxmlformats.org/presentationml/2006/main">
-  <p:cSld>
-    <p:spTree>
-      <p:nvGrpSpPr>
-        <p:cNvPr id="1" name=""/>
-        <p:cNvGrpSpPr/>
-        <p:nvPr/>
-      </p:nvGrpSpPr>
-      <p:grpSpPr>
-        <a:xfrm>
-          <a:off x="0" y="0"/>
-          <a:ext cx="0" cy="0"/>
-          <a:chOff x="0" y="0"/>
-          <a:chExt cx="0" cy="0"/>
-        </a:xfrm>
-      </p:grpSpPr>
-      <p:sp>
-        <p:nvSpPr>
-          <p:cNvPr id="4" name="Titre 3"/>
-          <p:cNvSpPr>
-            <a:spLocks noGrp="1"/>
-          </p:cNvSpPr>
-          <p:nvPr>
-            <p:ph type="title"/>
-          </p:nvPr>
-        </p:nvSpPr>
-        <p:spPr/>
-        <p:txBody>
-          <a:bodyPr/>
-          <a:lstStyle/>
-          <a:p>
-            <a:r>
-              <a:rPr lang="fr-FR" dirty="0" smtClean="0"/>
-              <a:t>Démo</a:t>
-            </a:r>
-            <a:endParaRPr lang="fr-FR" dirty="0"/>
-          </a:p>
-        </p:txBody>
-      </p:sp>
-      <p:pic>
-        <p:nvPicPr>
-          <p:cNvPr id="7" name="Espace réservé du contenu 6">
-            <a:hlinkClick r:id="" action="ppaction://hlinkshowjump?jump=endshow"/>
-          </p:cNvPr>
-          <p:cNvPicPr>
-            <a:picLocks noGrp="1" noChangeAspect="1"/>
-          </p:cNvPicPr>
-          <p:nvPr>
-            <p:ph idx="1"/>
-          </p:nvPr>
-        </p:nvPicPr>
-        <p:blipFill>
-          <a:blip r:embed="rId2" cstate="print">
-            <a:extLst>
-              <a:ext uri="{28A0092B-C50C-407E-A947-70E740481C1C}">
-                <a14:useLocalDpi xmlns="" xmlns:a14="http://schemas.microsoft.com/office/drawing/2010/main" val="0"/>
-              </a:ext>
-            </a:extLst>
-          </a:blip>
-          <a:stretch>
-            <a:fillRect/>
-          </a:stretch>
-        </p:blipFill>
-        <p:spPr>
-          <a:xfrm>
-            <a:off x="3779912" y="2852936"/>
-            <a:ext cx="1728192" cy="864096"/>
-          </a:xfrm>
-        </p:spPr>
-      </p:pic>
-      <p:sp>
-        <p:nvSpPr>
-          <p:cNvPr id="3" name="Espace réservé du pied de page 2"/>
-          <p:cNvSpPr>
-            <a:spLocks noGrp="1"/>
-          </p:cNvSpPr>
-          <p:nvPr>
-            <p:ph type="ftr" sz="quarter" idx="11"/>
-          </p:nvPr>
-        </p:nvSpPr>
-        <p:spPr/>
-        <p:txBody>
-          <a:bodyPr/>
-          <a:lstStyle/>
-          <a:p>
-            <a:r>
-              <a:rPr lang="fr-FR" dirty="0" smtClean="0"/>
-              <a:t>Mickaël Rivollet, Thibault Lazert - UE LIF7 - Semestre printemps 2012 - Hexxagon</a:t>
-            </a:r>
-            <a:endParaRPr lang="fr-FR" dirty="0"/>
-          </a:p>
-        </p:txBody>
-      </p:sp>
-      <p:sp>
-        <p:nvSpPr>
-          <p:cNvPr id="2" name="Espace réservé de la date 1"/>
-          <p:cNvSpPr>
-            <a:spLocks noGrp="1"/>
-          </p:cNvSpPr>
-          <p:nvPr>
-            <p:ph type="dt" sz="half" idx="10"/>
-          </p:nvPr>
-        </p:nvSpPr>
-        <p:spPr/>
-        <p:txBody>
-          <a:bodyPr/>
-          <a:lstStyle/>
-          <a:p>
-            <a:r>
-              <a:rPr lang="fr-FR" smtClean="0"/>
-              <a:t>7 juin 2012</a:t>
-            </a:r>
-            <a:endParaRPr lang="fr-FR" dirty="0"/>
-          </a:p>
-        </p:txBody>
-      </p:sp>
-      <p:sp>
-        <p:nvSpPr>
-          <p:cNvPr id="6" name="Espace réservé du numéro de diapositive 5"/>
-          <p:cNvSpPr>
-            <a:spLocks noGrp="1"/>
-          </p:cNvSpPr>
-          <p:nvPr>
-            <p:ph type="sldNum" sz="quarter" idx="12"/>
-          </p:nvPr>
-        </p:nvSpPr>
-        <p:spPr/>
-        <p:txBody>
-          <a:bodyPr/>
-          <a:lstStyle/>
-          <a:p>
-            <a:fld id="{D1F1D131-41E1-4141-9181-81A171513161}" type="slidenum">
-              <a:rPr lang="fr-FR" sz="1200" smtClean="0">
-                <a:solidFill>
-                  <a:srgbClr val="8B8B8B"/>
-                </a:solidFill>
-                <a:latin typeface="Calibri"/>
-              </a:rPr>
-              <a:pPr/>
-              <a:t>21</a:t>
-            </a:fld>
-            <a:endParaRPr lang="fr-FR" dirty="0"/>
-          </a:p>
-        </p:txBody>
-      </p:sp>
-    </p:spTree>
-    <p:extLst>
-      <p:ext uri="{BB962C8B-B14F-4D97-AF65-F5344CB8AC3E}">
-        <p14:creationId xmlns="" xmlns:p14="http://schemas.microsoft.com/office/powerpoint/2010/main" val="250309710"/>
-      </p:ext>
-    </p:extLst>
   </p:cSld>
   <p:clrMapOvr>
     <a:masterClrMapping/>
@@ -8315,7 +8821,7 @@
           <a:p>
             <a:r>
               <a:rPr lang="fr-FR" dirty="0" smtClean="0"/>
-              <a:t>Objectifs</a:t>
+              <a:t>Objectifs et principe du jeu</a:t>
             </a:r>
             <a:endParaRPr lang="fr-FR" dirty="0"/>
           </a:p>
@@ -8339,7 +8845,7 @@
           <a:lstStyle/>
           <a:p>
             <a:r>
-              <a:rPr lang="fr-FR" sz="2400" dirty="0" smtClean="0"/>
+              <a:rPr lang="fr-FR" sz="2000" dirty="0" smtClean="0"/>
               <a:t>Nos objectifs étaient :</a:t>
             </a:r>
           </a:p>
@@ -8347,8 +8853,13 @@
             <a:pPr lvl="1"/>
             <a:r>
               <a:rPr lang="fr-FR" sz="1600" dirty="0" smtClean="0"/>
-              <a:t>Programmer en C un jeu connu dont nous connaissions le principe (illustration)</a:t>
-            </a:r>
+              <a:t>Programmer en C un jeu connu dont nous connaissions le </a:t>
+            </a:r>
+            <a:r>
+              <a:rPr lang="fr-FR" sz="1600" dirty="0" smtClean="0"/>
+              <a:t>principe</a:t>
+            </a:r>
+            <a:endParaRPr lang="fr-FR" sz="1600" dirty="0" smtClean="0"/>
           </a:p>
           <a:p>
             <a:pPr lvl="1"/>
@@ -8361,9 +8872,63 @@
             <a:pPr lvl="1"/>
             <a:r>
               <a:rPr lang="fr-FR" sz="1600" dirty="0" smtClean="0"/>
-              <a:t>Travailler à deux sur un projet en utilisant SVN</a:t>
-            </a:r>
-            <a:endParaRPr lang="fr-FR" sz="1600" dirty="0"/>
+              <a:t>Travailler à deux sur un projet en utilisant </a:t>
+            </a:r>
+            <a:r>
+              <a:rPr lang="fr-FR" sz="1600" dirty="0" smtClean="0"/>
+              <a:t>SVN</a:t>
+            </a:r>
+          </a:p>
+          <a:p>
+            <a:endParaRPr lang="fr-FR" sz="2000" dirty="0" smtClean="0"/>
+          </a:p>
+          <a:p>
+            <a:r>
+              <a:rPr lang="fr-FR" sz="2000" dirty="0" smtClean="0"/>
+              <a:t>Principe du jeu:</a:t>
+            </a:r>
+          </a:p>
+          <a:p>
+            <a:pPr lvl="1"/>
+            <a:r>
+              <a:rPr lang="fr-FR" sz="1600" dirty="0" smtClean="0"/>
+              <a:t>Dupliquer (case adjacente) ou déplacer (case séparée par une autre) un de ses pions</a:t>
+            </a:r>
+          </a:p>
+          <a:p>
+            <a:pPr lvl="1"/>
+            <a:r>
+              <a:rPr lang="fr-FR" sz="1600" dirty="0" smtClean="0"/>
+              <a:t>Obtenir les pions adverses lorsque l’on place son pion à coté</a:t>
+            </a:r>
+          </a:p>
+          <a:p>
+            <a:pPr lvl="1"/>
+            <a:r>
+              <a:rPr lang="fr-FR" sz="1600" dirty="0" smtClean="0"/>
+              <a:t>Avoir plus de pions que l’adversaire pour gagner</a:t>
+            </a:r>
+          </a:p>
+          <a:p>
+            <a:pPr lvl="1"/>
+            <a:endParaRPr lang="fr-FR" sz="1600" dirty="0" smtClean="0"/>
+          </a:p>
+          <a:p>
+            <a:pPr lvl="1">
+              <a:buNone/>
+            </a:pPr>
+            <a:r>
+              <a:rPr lang="fr-FR" sz="1600" i="1" dirty="0" smtClean="0"/>
+              <a:t>ci-contre : illustration du jeu dont nous nous</a:t>
+            </a:r>
+            <a:br>
+              <a:rPr lang="fr-FR" sz="1600" i="1" dirty="0" smtClean="0"/>
+            </a:br>
+            <a:r>
+              <a:rPr lang="fr-FR" sz="1600" i="1" dirty="0" smtClean="0"/>
+              <a:t>sommes inspirés.</a:t>
+            </a:r>
+            <a:endParaRPr lang="fr-FR" sz="1600" i="1" dirty="0"/>
           </a:p>
         </p:txBody>
       </p:sp>
@@ -8459,7 +9024,7 @@
         </p:blipFill>
         <p:spPr bwMode="auto">
           <a:xfrm>
-            <a:off x="4427984" y="3356992"/>
+            <a:off x="5364088" y="4005064"/>
             <a:ext cx="3212008" cy="2443211"/>
           </a:xfrm>
           <a:prstGeom prst="rect">
@@ -8492,6 +9057,450 @@
 </file>
 
 <file path=ppt/slides/slide4.xml><?xml version="1.0" encoding="utf-8"?>
+<p:sld xmlns:a="http://schemas.openxmlformats.org/drawingml/2006/main" xmlns:r="http://schemas.openxmlformats.org/officeDocument/2006/relationships" xmlns:p="http://schemas.openxmlformats.org/presentationml/2006/main">
+  <p:cSld>
+    <p:spTree>
+      <p:nvGrpSpPr>
+        <p:cNvPr id="1" name=""/>
+        <p:cNvGrpSpPr/>
+        <p:nvPr/>
+      </p:nvGrpSpPr>
+      <p:grpSpPr>
+        <a:xfrm>
+          <a:off x="0" y="0"/>
+          <a:ext cx="0" cy="0"/>
+          <a:chOff x="0" y="0"/>
+          <a:chExt cx="0" cy="0"/>
+        </a:xfrm>
+      </p:grpSpPr>
+      <p:sp>
+        <p:nvSpPr>
+          <p:cNvPr id="4" name="Titre 3"/>
+          <p:cNvSpPr>
+            <a:spLocks noGrp="1"/>
+          </p:cNvSpPr>
+          <p:nvPr>
+            <p:ph type="title"/>
+          </p:nvPr>
+        </p:nvSpPr>
+        <p:spPr/>
+        <p:txBody>
+          <a:bodyPr/>
+          <a:lstStyle/>
+          <a:p>
+            <a:r>
+              <a:rPr lang="fr-FR" dirty="0" smtClean="0"/>
+              <a:t>Fonctionnalités et tâches</a:t>
+            </a:r>
+            <a:endParaRPr lang="fr-FR" dirty="0"/>
+          </a:p>
+        </p:txBody>
+      </p:sp>
+      <p:sp>
+        <p:nvSpPr>
+          <p:cNvPr id="5" name="Espace réservé du contenu 4"/>
+          <p:cNvSpPr>
+            <a:spLocks noGrp="1"/>
+          </p:cNvSpPr>
+          <p:nvPr>
+            <p:ph idx="1"/>
+          </p:nvPr>
+        </p:nvSpPr>
+        <p:spPr>
+          <a:xfrm>
+            <a:off x="590872" y="1340768"/>
+            <a:ext cx="8229600" cy="4925144"/>
+          </a:xfrm>
+        </p:spPr>
+        <p:txBody>
+          <a:bodyPr>
+            <a:noAutofit/>
+          </a:bodyPr>
+          <a:lstStyle/>
+          <a:p>
+            <a:r>
+              <a:rPr lang="fr-FR" sz="2000" dirty="0" smtClean="0">
+                <a:latin typeface="Verdana" pitchFamily="34" charset="0"/>
+                <a:ea typeface="Verdana" pitchFamily="34" charset="0"/>
+                <a:cs typeface="Verdana" pitchFamily="34" charset="0"/>
+              </a:rPr>
+              <a:t>Les possibilités de l’utilisateur :</a:t>
+            </a:r>
+          </a:p>
+          <a:p>
+            <a:pPr lvl="1">
+              <a:spcAft>
+                <a:spcPts val="600"/>
+              </a:spcAft>
+            </a:pPr>
+            <a:r>
+              <a:rPr lang="fr-FR" sz="1600" dirty="0" smtClean="0">
+                <a:latin typeface="Verdana" pitchFamily="34" charset="0"/>
+                <a:ea typeface="Verdana" pitchFamily="34" charset="0"/>
+                <a:cs typeface="Verdana" pitchFamily="34" charset="0"/>
+              </a:rPr>
+              <a:t>Choix du plateau parmi quatre</a:t>
+            </a:r>
+          </a:p>
+          <a:p>
+            <a:pPr lvl="1">
+              <a:spcAft>
+                <a:spcPts val="600"/>
+              </a:spcAft>
+            </a:pPr>
+            <a:r>
+              <a:rPr lang="fr-FR" sz="1600" dirty="0" smtClean="0">
+                <a:latin typeface="Verdana" pitchFamily="34" charset="0"/>
+                <a:ea typeface="Verdana" pitchFamily="34" charset="0"/>
+                <a:cs typeface="Verdana" pitchFamily="34" charset="0"/>
+              </a:rPr>
+              <a:t>Choix </a:t>
+            </a:r>
+            <a:r>
+              <a:rPr lang="fr-FR" sz="1600" dirty="0" smtClean="0">
+                <a:latin typeface="Verdana" pitchFamily="34" charset="0"/>
+                <a:ea typeface="Verdana" pitchFamily="34" charset="0"/>
+                <a:cs typeface="Verdana" pitchFamily="34" charset="0"/>
+              </a:rPr>
+              <a:t>du mode de jeu</a:t>
+            </a:r>
+          </a:p>
+          <a:p>
+            <a:pPr lvl="2">
+              <a:spcAft>
+                <a:spcPts val="600"/>
+              </a:spcAft>
+            </a:pPr>
+            <a:r>
+              <a:rPr lang="fr-FR" sz="1400" dirty="0" smtClean="0">
+                <a:latin typeface="Verdana" pitchFamily="34" charset="0"/>
+                <a:ea typeface="Verdana" pitchFamily="34" charset="0"/>
+                <a:cs typeface="Verdana" pitchFamily="34" charset="0"/>
+              </a:rPr>
+              <a:t>Contre un autre joueur</a:t>
+            </a:r>
+          </a:p>
+          <a:p>
+            <a:pPr lvl="2">
+              <a:spcAft>
+                <a:spcPts val="600"/>
+              </a:spcAft>
+            </a:pPr>
+            <a:r>
+              <a:rPr lang="fr-FR" sz="1400" dirty="0" smtClean="0">
+                <a:latin typeface="Verdana" pitchFamily="34" charset="0"/>
+                <a:ea typeface="Verdana" pitchFamily="34" charset="0"/>
+                <a:cs typeface="Verdana" pitchFamily="34" charset="0"/>
+              </a:rPr>
+              <a:t>Contre </a:t>
+            </a:r>
+            <a:r>
+              <a:rPr lang="fr-FR" sz="1400" dirty="0">
+                <a:latin typeface="Verdana" pitchFamily="34" charset="0"/>
+                <a:ea typeface="Verdana" pitchFamily="34" charset="0"/>
+                <a:cs typeface="Verdana" pitchFamily="34" charset="0"/>
+              </a:rPr>
+              <a:t>l’ordinateur (</a:t>
+            </a:r>
+            <a:r>
+              <a:rPr lang="fr-FR" sz="1400" dirty="0" smtClean="0">
+                <a:latin typeface="Verdana" pitchFamily="34" charset="0"/>
+                <a:ea typeface="Verdana" pitchFamily="34" charset="0"/>
+                <a:cs typeface="Verdana" pitchFamily="34" charset="0"/>
+              </a:rPr>
+              <a:t>différents niveaux</a:t>
+            </a:r>
+            <a:r>
+              <a:rPr lang="fr-FR" sz="1400" dirty="0">
+                <a:latin typeface="Verdana" pitchFamily="34" charset="0"/>
+                <a:ea typeface="Verdana" pitchFamily="34" charset="0"/>
+                <a:cs typeface="Verdana" pitchFamily="34" charset="0"/>
+              </a:rPr>
+              <a:t>)</a:t>
+            </a:r>
+            <a:endParaRPr lang="fr-FR" sz="1400" dirty="0" smtClean="0">
+              <a:latin typeface="Verdana" pitchFamily="34" charset="0"/>
+              <a:ea typeface="Verdana" pitchFamily="34" charset="0"/>
+              <a:cs typeface="Verdana" pitchFamily="34" charset="0"/>
+            </a:endParaRPr>
+          </a:p>
+          <a:p>
+            <a:pPr lvl="1">
+              <a:spcAft>
+                <a:spcPts val="600"/>
+              </a:spcAft>
+            </a:pPr>
+            <a:r>
+              <a:rPr lang="fr-FR" sz="1600" dirty="0" smtClean="0">
+                <a:latin typeface="Verdana" pitchFamily="34" charset="0"/>
+                <a:ea typeface="Verdana" pitchFamily="34" charset="0"/>
+                <a:cs typeface="Verdana" pitchFamily="34" charset="0"/>
+              </a:rPr>
+              <a:t>Fonction de sauvegarde de la partie en cours</a:t>
+            </a:r>
+          </a:p>
+          <a:p>
+            <a:pPr lvl="1">
+              <a:spcAft>
+                <a:spcPts val="600"/>
+              </a:spcAft>
+            </a:pPr>
+            <a:r>
+              <a:rPr lang="fr-FR" sz="1600" dirty="0" smtClean="0">
+                <a:latin typeface="Verdana" pitchFamily="34" charset="0"/>
+                <a:ea typeface="Verdana" pitchFamily="34" charset="0"/>
+                <a:cs typeface="Verdana" pitchFamily="34" charset="0"/>
+              </a:rPr>
+              <a:t>Fonction d’aide pendant le </a:t>
+            </a:r>
+            <a:r>
+              <a:rPr lang="fr-FR" sz="1600" dirty="0" smtClean="0">
+                <a:latin typeface="Verdana" pitchFamily="34" charset="0"/>
+                <a:ea typeface="Verdana" pitchFamily="34" charset="0"/>
+                <a:cs typeface="Verdana" pitchFamily="34" charset="0"/>
+              </a:rPr>
+              <a:t>jeu</a:t>
+            </a:r>
+          </a:p>
+          <a:p>
+            <a:pPr>
+              <a:spcAft>
+                <a:spcPts val="600"/>
+              </a:spcAft>
+            </a:pPr>
+            <a:r>
+              <a:rPr lang="fr-FR" sz="2000" dirty="0" smtClean="0">
+                <a:latin typeface="Verdana" pitchFamily="34" charset="0"/>
+                <a:ea typeface="Verdana" pitchFamily="34" charset="0"/>
+                <a:cs typeface="Verdana" pitchFamily="34" charset="0"/>
+              </a:rPr>
+              <a:t>Répartition des tâches au sein du </a:t>
+            </a:r>
+            <a:r>
+              <a:rPr lang="fr-FR" sz="2000" dirty="0" smtClean="0">
+                <a:latin typeface="Verdana" pitchFamily="34" charset="0"/>
+                <a:ea typeface="Verdana" pitchFamily="34" charset="0"/>
+                <a:cs typeface="Verdana" pitchFamily="34" charset="0"/>
+              </a:rPr>
+              <a:t>groupe :</a:t>
+            </a:r>
+            <a:endParaRPr lang="fr-FR" sz="2000" dirty="0" smtClean="0">
+              <a:latin typeface="Verdana" pitchFamily="34" charset="0"/>
+              <a:ea typeface="Verdana" pitchFamily="34" charset="0"/>
+              <a:cs typeface="Verdana" pitchFamily="34" charset="0"/>
+            </a:endParaRPr>
+          </a:p>
+          <a:p>
+            <a:pPr lvl="1">
+              <a:spcAft>
+                <a:spcPts val="600"/>
+              </a:spcAft>
+            </a:pPr>
+            <a:r>
+              <a:rPr lang="fr-FR" sz="1600" dirty="0" smtClean="0">
+                <a:latin typeface="Verdana" pitchFamily="34" charset="0"/>
+                <a:ea typeface="Verdana" pitchFamily="34" charset="0"/>
+                <a:cs typeface="Verdana" pitchFamily="34" charset="0"/>
+              </a:rPr>
+              <a:t>Répartition équitable au fur et à mesure</a:t>
+            </a:r>
+          </a:p>
+          <a:p>
+            <a:pPr lvl="1">
+              <a:spcAft>
+                <a:spcPts val="600"/>
+              </a:spcAft>
+            </a:pPr>
+            <a:r>
+              <a:rPr lang="fr-FR" sz="1600" dirty="0" smtClean="0">
+                <a:latin typeface="Verdana" pitchFamily="34" charset="0"/>
+                <a:ea typeface="Verdana" pitchFamily="34" charset="0"/>
+                <a:cs typeface="Verdana" pitchFamily="34" charset="0"/>
+              </a:rPr>
+              <a:t>Travail en parallèle grâce à SVN (utilisation de </a:t>
+            </a:r>
+            <a:r>
+              <a:rPr lang="fr-FR" sz="1600" dirty="0" err="1" smtClean="0">
+                <a:latin typeface="Verdana" pitchFamily="34" charset="0"/>
+                <a:ea typeface="Verdana" pitchFamily="34" charset="0"/>
+                <a:cs typeface="Verdana" pitchFamily="34" charset="0"/>
+              </a:rPr>
+              <a:t>GoogleCode</a:t>
+            </a:r>
+            <a:r>
+              <a:rPr lang="fr-FR" sz="1600" dirty="0" smtClean="0">
+                <a:latin typeface="Verdana" pitchFamily="34" charset="0"/>
+                <a:ea typeface="Verdana" pitchFamily="34" charset="0"/>
+                <a:cs typeface="Verdana" pitchFamily="34" charset="0"/>
+              </a:rPr>
+              <a:t>)</a:t>
+            </a:r>
+          </a:p>
+          <a:p>
+            <a:pPr lvl="2">
+              <a:spcAft>
+                <a:spcPts val="600"/>
+              </a:spcAft>
+            </a:pPr>
+            <a:r>
+              <a:rPr lang="fr-FR" sz="1400" dirty="0" smtClean="0">
+                <a:latin typeface="Verdana" pitchFamily="34" charset="0"/>
+                <a:ea typeface="Verdana" pitchFamily="34" charset="0"/>
+                <a:cs typeface="Verdana" pitchFamily="34" charset="0"/>
+              </a:rPr>
+              <a:t>Travail sur le même fichier</a:t>
+            </a:r>
+          </a:p>
+          <a:p>
+            <a:pPr lvl="2">
+              <a:spcAft>
+                <a:spcPts val="600"/>
+              </a:spcAft>
+            </a:pPr>
+            <a:r>
+              <a:rPr lang="fr-FR" sz="1400" dirty="0" smtClean="0">
+                <a:latin typeface="Verdana" pitchFamily="34" charset="0"/>
+                <a:ea typeface="Verdana" pitchFamily="34" charset="0"/>
+                <a:cs typeface="Verdana" pitchFamily="34" charset="0"/>
+              </a:rPr>
+              <a:t>Historique des mises à jour</a:t>
+            </a:r>
+          </a:p>
+          <a:p>
+            <a:pPr lvl="1">
+              <a:spcAft>
+                <a:spcPts val="600"/>
+              </a:spcAft>
+            </a:pPr>
+            <a:r>
+              <a:rPr lang="fr-FR" sz="1600" dirty="0" smtClean="0">
+                <a:latin typeface="Verdana" pitchFamily="34" charset="0"/>
+                <a:ea typeface="Verdana" pitchFamily="34" charset="0"/>
+                <a:cs typeface="Verdana" pitchFamily="34" charset="0"/>
+              </a:rPr>
+              <a:t>Fichier « TODO » avec la liste des prochaines tâches</a:t>
+            </a:r>
+          </a:p>
+          <a:p>
+            <a:pPr lvl="1">
+              <a:spcAft>
+                <a:spcPts val="600"/>
+              </a:spcAft>
+              <a:buNone/>
+            </a:pPr>
+            <a:endParaRPr lang="fr-FR" sz="1600" dirty="0" smtClean="0">
+              <a:latin typeface="Verdana" pitchFamily="34" charset="0"/>
+              <a:ea typeface="Verdana" pitchFamily="34" charset="0"/>
+              <a:cs typeface="Verdana" pitchFamily="34" charset="0"/>
+            </a:endParaRPr>
+          </a:p>
+          <a:p>
+            <a:pPr lvl="1"/>
+            <a:endParaRPr lang="fr-FR" sz="1500" dirty="0">
+              <a:latin typeface="Verdana" pitchFamily="34" charset="0"/>
+              <a:ea typeface="Verdana" pitchFamily="34" charset="0"/>
+              <a:cs typeface="Verdana" pitchFamily="34" charset="0"/>
+            </a:endParaRPr>
+          </a:p>
+        </p:txBody>
+      </p:sp>
+      <p:sp>
+        <p:nvSpPr>
+          <p:cNvPr id="3" name="Espace réservé du pied de page 2"/>
+          <p:cNvSpPr>
+            <a:spLocks noGrp="1"/>
+          </p:cNvSpPr>
+          <p:nvPr>
+            <p:ph type="ftr" sz="quarter" idx="11"/>
+          </p:nvPr>
+        </p:nvSpPr>
+        <p:spPr/>
+        <p:txBody>
+          <a:bodyPr/>
+          <a:lstStyle/>
+          <a:p>
+            <a:r>
+              <a:rPr lang="fr-FR" dirty="0" smtClean="0"/>
+              <a:t>Mickaël Rivollet, Thibault Lazert - UE LIF7 - Semestre printemps 2012 - Hexxagon</a:t>
+            </a:r>
+            <a:endParaRPr lang="fr-FR" dirty="0"/>
+          </a:p>
+        </p:txBody>
+      </p:sp>
+      <p:sp>
+        <p:nvSpPr>
+          <p:cNvPr id="2" name="Espace réservé de la date 1"/>
+          <p:cNvSpPr>
+            <a:spLocks noGrp="1"/>
+          </p:cNvSpPr>
+          <p:nvPr>
+            <p:ph type="dt" sz="half" idx="10"/>
+          </p:nvPr>
+        </p:nvSpPr>
+        <p:spPr/>
+        <p:txBody>
+          <a:bodyPr/>
+          <a:lstStyle/>
+          <a:p>
+            <a:r>
+              <a:rPr lang="fr-FR" smtClean="0"/>
+              <a:t>7 juin 2012</a:t>
+            </a:r>
+            <a:endParaRPr lang="fr-FR" dirty="0"/>
+          </a:p>
+        </p:txBody>
+      </p:sp>
+      <p:sp>
+        <p:nvSpPr>
+          <p:cNvPr id="6" name="Espace réservé du numéro de diapositive 5"/>
+          <p:cNvSpPr>
+            <a:spLocks noGrp="1"/>
+          </p:cNvSpPr>
+          <p:nvPr>
+            <p:ph type="sldNum" sz="quarter" idx="12"/>
+          </p:nvPr>
+        </p:nvSpPr>
+        <p:spPr/>
+        <p:txBody>
+          <a:bodyPr/>
+          <a:lstStyle/>
+          <a:p>
+            <a:fld id="{D1F1D131-41E1-4141-9181-81A171513161}" type="slidenum">
+              <a:rPr lang="fr-FR" sz="1200" smtClean="0">
+                <a:solidFill>
+                  <a:srgbClr val="8B8B8B"/>
+                </a:solidFill>
+                <a:latin typeface="Calibri"/>
+              </a:rPr>
+              <a:pPr/>
+              <a:t>4</a:t>
+            </a:fld>
+            <a:endParaRPr lang="fr-FR" dirty="0"/>
+          </a:p>
+        </p:txBody>
+      </p:sp>
+    </p:spTree>
+    <p:extLst>
+      <p:ext uri="{BB962C8B-B14F-4D97-AF65-F5344CB8AC3E}">
+        <p14:creationId xmlns:p14="http://schemas.microsoft.com/office/powerpoint/2010/main" xmlns="" val="353008338"/>
+      </p:ext>
+    </p:extLst>
+  </p:cSld>
+  <p:clrMapOvr>
+    <a:masterClrMapping/>
+  </p:clrMapOvr>
+  <p:transition/>
+  <p:timing>
+    <p:tnLst>
+      <p:par>
+        <p:cTn id="1" dur="indefinite" restart="never" nodeType="tmRoot"/>
+      </p:par>
+    </p:tnLst>
+  </p:timing>
+</p:sld>
+</file>
+
+<file path=ppt/slides/slide5.xml><?xml version="1.0" encoding="utf-8"?>
 <p:sld xmlns:a="http://schemas.openxmlformats.org/drawingml/2006/main" xmlns:r="http://schemas.openxmlformats.org/officeDocument/2006/relationships" xmlns:p="http://schemas.openxmlformats.org/presentationml/2006/main">
   <p:cSld>
     <p:spTree>
@@ -8774,27 +9783,7 @@
                   <a:latin typeface="Consolas" pitchFamily="49" charset="0"/>
                   <a:cs typeface="Consolas" pitchFamily="49" charset="0"/>
                 </a:rPr>
-                <a:t>support </a:t>
-              </a:r>
-              <a:r>
-                <a:rPr lang="fr-FR" sz="1000" dirty="0" smtClean="0">
-                  <a:solidFill>
-                    <a:schemeClr val="tx1"/>
-                  </a:solidFill>
-                  <a:latin typeface="Consolas" pitchFamily="49" charset="0"/>
-                  <a:cs typeface="Consolas" pitchFamily="49" charset="0"/>
-                </a:rPr>
-                <a:t>(tableau de </a:t>
-              </a:r>
-              <a:r>
-                <a:rPr lang="fr-FR" sz="1000" dirty="0" smtClean="0">
-                  <a:solidFill>
-                    <a:schemeClr val="tx1"/>
-                  </a:solidFill>
-                  <a:latin typeface="Consolas" pitchFamily="49" charset="0"/>
-                  <a:cs typeface="Consolas" pitchFamily="49" charset="0"/>
-                </a:rPr>
-                <a:t>Case*)</a:t>
+                <a:t>support (tableau de Case*)</a:t>
               </a:r>
             </a:p>
             <a:p>
@@ -9747,7 +10736,7 @@
                 <a:latin typeface="Calibri"/>
               </a:rPr>
               <a:pPr/>
-              <a:t>4</a:t>
+              <a:t>5</a:t>
             </a:fld>
             <a:endParaRPr lang="fr-FR" dirty="0"/>
           </a:p>
@@ -9828,352 +10817,6 @@
 </p:sld>
 </file>
 
-<file path=ppt/slides/slide5.xml><?xml version="1.0" encoding="utf-8"?>
-<p:sld xmlns:a="http://schemas.openxmlformats.org/drawingml/2006/main" xmlns:r="http://schemas.openxmlformats.org/officeDocument/2006/relationships" xmlns:p="http://schemas.openxmlformats.org/presentationml/2006/main">
-  <p:cSld>
-    <p:spTree>
-      <p:nvGrpSpPr>
-        <p:cNvPr id="1" name=""/>
-        <p:cNvGrpSpPr/>
-        <p:nvPr/>
-      </p:nvGrpSpPr>
-      <p:grpSpPr>
-        <a:xfrm>
-          <a:off x="0" y="0"/>
-          <a:ext cx="0" cy="0"/>
-          <a:chOff x="0" y="0"/>
-          <a:chExt cx="0" cy="0"/>
-        </a:xfrm>
-      </p:grpSpPr>
-      <p:sp>
-        <p:nvSpPr>
-          <p:cNvPr id="4" name="Titre 3"/>
-          <p:cNvSpPr>
-            <a:spLocks noGrp="1"/>
-          </p:cNvSpPr>
-          <p:nvPr>
-            <p:ph type="title"/>
-          </p:nvPr>
-        </p:nvSpPr>
-        <p:spPr/>
-        <p:txBody>
-          <a:bodyPr/>
-          <a:lstStyle/>
-          <a:p>
-            <a:r>
-              <a:rPr lang="fr-FR" dirty="0" smtClean="0"/>
-              <a:t>Main</a:t>
-            </a:r>
-            <a:endParaRPr lang="fr-FR" dirty="0"/>
-          </a:p>
-        </p:txBody>
-      </p:sp>
-      <p:sp>
-        <p:nvSpPr>
-          <p:cNvPr id="5" name="Espace réservé du contenu 4"/>
-          <p:cNvSpPr>
-            <a:spLocks noGrp="1"/>
-          </p:cNvSpPr>
-          <p:nvPr>
-            <p:ph idx="1"/>
-          </p:nvPr>
-        </p:nvSpPr>
-        <p:spPr>
-          <a:xfrm>
-            <a:off x="590872" y="1196752"/>
-            <a:ext cx="8229600" cy="5069160"/>
-          </a:xfrm>
-        </p:spPr>
-        <p:txBody>
-          <a:bodyPr>
-            <a:noAutofit/>
-          </a:bodyPr>
-          <a:lstStyle/>
-          <a:p>
-            <a:pPr>
-              <a:buNone/>
-            </a:pPr>
-            <a:endParaRPr lang="fr-FR" sz="1200" dirty="0" smtClean="0">
-              <a:latin typeface="Consolas" pitchFamily="49" charset="0"/>
-              <a:cs typeface="Consolas" pitchFamily="49" charset="0"/>
-            </a:endParaRPr>
-          </a:p>
-          <a:p>
-            <a:pPr>
-              <a:buNone/>
-            </a:pPr>
-            <a:endParaRPr lang="fr-FR" sz="1200" dirty="0">
-              <a:latin typeface="Consolas" pitchFamily="49" charset="0"/>
-              <a:cs typeface="Consolas" pitchFamily="49" charset="0"/>
-            </a:endParaRPr>
-          </a:p>
-          <a:p>
-            <a:pPr>
-              <a:buNone/>
-            </a:pPr>
-            <a:endParaRPr lang="fr-FR" sz="1200" dirty="0" smtClean="0">
-              <a:latin typeface="Consolas" pitchFamily="49" charset="0"/>
-              <a:cs typeface="Consolas" pitchFamily="49" charset="0"/>
-            </a:endParaRPr>
-          </a:p>
-          <a:p>
-            <a:pPr>
-              <a:buNone/>
-            </a:pPr>
-            <a:r>
-              <a:rPr lang="fr-FR" sz="1200" dirty="0" err="1" smtClean="0">
-                <a:latin typeface="Consolas" pitchFamily="49" charset="0"/>
-                <a:cs typeface="Consolas" pitchFamily="49" charset="0"/>
-              </a:rPr>
-              <a:t>int</a:t>
-            </a:r>
-            <a:r>
-              <a:rPr lang="fr-FR" sz="1200" dirty="0" smtClean="0">
-                <a:latin typeface="Consolas" pitchFamily="49" charset="0"/>
-                <a:cs typeface="Consolas" pitchFamily="49" charset="0"/>
-              </a:rPr>
-              <a:t> 		main (</a:t>
-            </a:r>
-            <a:r>
-              <a:rPr lang="fr-FR" sz="1200" dirty="0" err="1" smtClean="0">
-                <a:latin typeface="Consolas" pitchFamily="49" charset="0"/>
-                <a:cs typeface="Consolas" pitchFamily="49" charset="0"/>
-              </a:rPr>
-              <a:t>int</a:t>
-            </a:r>
-            <a:r>
-              <a:rPr lang="fr-FR" sz="1200" dirty="0" smtClean="0">
-                <a:latin typeface="Consolas" pitchFamily="49" charset="0"/>
-                <a:cs typeface="Consolas" pitchFamily="49" charset="0"/>
-              </a:rPr>
-              <a:t> </a:t>
-            </a:r>
-            <a:r>
-              <a:rPr lang="fr-FR" sz="1200" dirty="0" err="1" smtClean="0">
-                <a:latin typeface="Consolas" pitchFamily="49" charset="0"/>
-                <a:cs typeface="Consolas" pitchFamily="49" charset="0"/>
-              </a:rPr>
-              <a:t>argc</a:t>
-            </a:r>
-            <a:r>
-              <a:rPr lang="fr-FR" sz="1200" dirty="0" smtClean="0">
-                <a:latin typeface="Consolas" pitchFamily="49" charset="0"/>
-                <a:cs typeface="Consolas" pitchFamily="49" charset="0"/>
-              </a:rPr>
-              <a:t>, char *</a:t>
-            </a:r>
-            <a:r>
-              <a:rPr lang="fr-FR" sz="1200" dirty="0" err="1" smtClean="0">
-                <a:latin typeface="Consolas" pitchFamily="49" charset="0"/>
-                <a:cs typeface="Consolas" pitchFamily="49" charset="0"/>
-              </a:rPr>
-              <a:t>argv</a:t>
-            </a:r>
-            <a:r>
-              <a:rPr lang="fr-FR" sz="1200" dirty="0" smtClean="0">
-                <a:latin typeface="Consolas" pitchFamily="49" charset="0"/>
-                <a:cs typeface="Consolas" pitchFamily="49" charset="0"/>
-              </a:rPr>
-              <a:t>[])</a:t>
-            </a:r>
-          </a:p>
-          <a:p>
-            <a:pPr>
-              <a:buNone/>
-            </a:pPr>
-            <a:r>
-              <a:rPr lang="fr-FR" sz="1200" dirty="0" err="1" smtClean="0">
-                <a:latin typeface="Consolas" pitchFamily="49" charset="0"/>
-                <a:cs typeface="Consolas" pitchFamily="49" charset="0"/>
-              </a:rPr>
-              <a:t>int</a:t>
-            </a:r>
-            <a:r>
-              <a:rPr lang="fr-FR" sz="1200" dirty="0" smtClean="0">
-                <a:latin typeface="Consolas" pitchFamily="49" charset="0"/>
-                <a:cs typeface="Consolas" pitchFamily="49" charset="0"/>
-              </a:rPr>
-              <a:t> 		</a:t>
-            </a:r>
-            <a:r>
-              <a:rPr lang="fr-FR" sz="1200" dirty="0" err="1" smtClean="0">
-                <a:latin typeface="Consolas" pitchFamily="49" charset="0"/>
-                <a:cs typeface="Consolas" pitchFamily="49" charset="0"/>
-              </a:rPr>
-              <a:t>regression</a:t>
-            </a:r>
-            <a:r>
-              <a:rPr lang="fr-FR" sz="1200" dirty="0" smtClean="0">
-                <a:latin typeface="Consolas" pitchFamily="49" charset="0"/>
-                <a:cs typeface="Consolas" pitchFamily="49" charset="0"/>
-              </a:rPr>
-              <a:t> (</a:t>
-            </a:r>
-            <a:r>
-              <a:rPr lang="fr-FR" sz="1200" dirty="0" err="1" smtClean="0">
-                <a:latin typeface="Consolas" pitchFamily="49" charset="0"/>
-                <a:cs typeface="Consolas" pitchFamily="49" charset="0"/>
-              </a:rPr>
-              <a:t>void</a:t>
-            </a:r>
-            <a:r>
-              <a:rPr lang="fr-FR" sz="1200" dirty="0" smtClean="0">
-                <a:latin typeface="Consolas" pitchFamily="49" charset="0"/>
-                <a:cs typeface="Consolas" pitchFamily="49" charset="0"/>
-              </a:rPr>
-              <a:t>)</a:t>
-            </a:r>
-          </a:p>
-          <a:p>
-            <a:pPr>
-              <a:buNone/>
-            </a:pPr>
-            <a:endParaRPr lang="fr-FR" sz="1200" dirty="0" smtClean="0">
-              <a:latin typeface="Consolas" pitchFamily="49" charset="0"/>
-              <a:cs typeface="Consolas" pitchFamily="49" charset="0"/>
-            </a:endParaRPr>
-          </a:p>
-          <a:p>
-            <a:pPr>
-              <a:buNone/>
-            </a:pPr>
-            <a:endParaRPr lang="fr-FR" sz="1200" dirty="0">
-              <a:latin typeface="Consolas" pitchFamily="49" charset="0"/>
-              <a:cs typeface="Consolas" pitchFamily="49" charset="0"/>
-            </a:endParaRPr>
-          </a:p>
-          <a:p>
-            <a:pPr>
-              <a:buNone/>
-            </a:pPr>
-            <a:endParaRPr lang="fr-FR" sz="1200" dirty="0">
-              <a:latin typeface="Consolas" pitchFamily="49" charset="0"/>
-              <a:cs typeface="Consolas" pitchFamily="49" charset="0"/>
-            </a:endParaRPr>
-          </a:p>
-          <a:p>
-            <a:r>
-              <a:rPr lang="fr-FR" sz="1400" dirty="0" smtClean="0">
-                <a:latin typeface="Verdana" pitchFamily="34" charset="0"/>
-                <a:ea typeface="Verdana" pitchFamily="34" charset="0"/>
-                <a:cs typeface="Verdana" pitchFamily="34" charset="0"/>
-              </a:rPr>
-              <a:t>Appel du jeu avec le paramètre « -r » pour les tests de régression.</a:t>
-            </a:r>
-          </a:p>
-          <a:p>
-            <a:pPr>
-              <a:buNone/>
-            </a:pPr>
-            <a:endParaRPr lang="fr-FR" sz="1400" dirty="0" smtClean="0">
-              <a:latin typeface="Verdana" pitchFamily="34" charset="0"/>
-              <a:ea typeface="Verdana" pitchFamily="34" charset="0"/>
-              <a:cs typeface="Verdana" pitchFamily="34" charset="0"/>
-            </a:endParaRPr>
-          </a:p>
-          <a:p>
-            <a:r>
-              <a:rPr lang="fr-FR" sz="1400" dirty="0" smtClean="0">
-                <a:latin typeface="Verdana" pitchFamily="34" charset="0"/>
-                <a:ea typeface="Verdana" pitchFamily="34" charset="0"/>
-                <a:cs typeface="Verdana" pitchFamily="34" charset="0"/>
-              </a:rPr>
-              <a:t>Le main gère les échanges entre le menu principal et le jeu.</a:t>
-            </a:r>
-          </a:p>
-        </p:txBody>
-      </p:sp>
-      <p:sp>
-        <p:nvSpPr>
-          <p:cNvPr id="3" name="Espace réservé du pied de page 2"/>
-          <p:cNvSpPr>
-            <a:spLocks noGrp="1"/>
-          </p:cNvSpPr>
-          <p:nvPr>
-            <p:ph type="ftr" sz="quarter" idx="11"/>
-          </p:nvPr>
-        </p:nvSpPr>
-        <p:spPr/>
-        <p:txBody>
-          <a:bodyPr/>
-          <a:lstStyle/>
-          <a:p>
-            <a:r>
-              <a:rPr lang="fr-FR" dirty="0" smtClean="0"/>
-              <a:t>Mickaël Rivollet, Thibault Lazert - UE LIF7 - Semestre printemps 2012 - Hexxagon</a:t>
-            </a:r>
-            <a:endParaRPr lang="fr-FR" dirty="0"/>
-          </a:p>
-        </p:txBody>
-      </p:sp>
-      <p:sp>
-        <p:nvSpPr>
-          <p:cNvPr id="2" name="Espace réservé de la date 1"/>
-          <p:cNvSpPr>
-            <a:spLocks noGrp="1"/>
-          </p:cNvSpPr>
-          <p:nvPr>
-            <p:ph type="dt" sz="half" idx="10"/>
-          </p:nvPr>
-        </p:nvSpPr>
-        <p:spPr/>
-        <p:txBody>
-          <a:bodyPr/>
-          <a:lstStyle/>
-          <a:p>
-            <a:r>
-              <a:rPr lang="fr-FR" smtClean="0"/>
-              <a:t>7 juin 2012</a:t>
-            </a:r>
-            <a:endParaRPr lang="fr-FR" dirty="0"/>
-          </a:p>
-        </p:txBody>
-      </p:sp>
-      <p:sp>
-        <p:nvSpPr>
-          <p:cNvPr id="6" name="Espace réservé du numéro de diapositive 5"/>
-          <p:cNvSpPr>
-            <a:spLocks noGrp="1"/>
-          </p:cNvSpPr>
-          <p:nvPr>
-            <p:ph type="sldNum" sz="quarter" idx="12"/>
-          </p:nvPr>
-        </p:nvSpPr>
-        <p:spPr/>
-        <p:txBody>
-          <a:bodyPr/>
-          <a:lstStyle/>
-          <a:p>
-            <a:fld id="{D1F1D131-41E1-4141-9181-81A171513161}" type="slidenum">
-              <a:rPr lang="fr-FR" sz="1200" smtClean="0">
-                <a:solidFill>
-                  <a:srgbClr val="8B8B8B"/>
-                </a:solidFill>
-                <a:latin typeface="Calibri"/>
-              </a:rPr>
-              <a:pPr/>
-              <a:t>5</a:t>
-            </a:fld>
-            <a:endParaRPr lang="fr-FR" dirty="0"/>
-          </a:p>
-        </p:txBody>
-      </p:sp>
-    </p:spTree>
-  </p:cSld>
-  <p:clrMapOvr>
-    <a:masterClrMapping/>
-  </p:clrMapOvr>
-  <p:transition/>
-  <p:timing>
-    <p:tnLst>
-      <p:par>
-        <p:cTn id="1" dur="indefinite" restart="never" nodeType="tmRoot"/>
-      </p:par>
-    </p:tnLst>
-  </p:timing>
-</p:sld>
-</file>
-
 <file path=ppt/slides/slide6.xml><?xml version="1.0" encoding="utf-8"?>
 <p:sld xmlns:a="http://schemas.openxmlformats.org/drawingml/2006/main" xmlns:r="http://schemas.openxmlformats.org/officeDocument/2006/relationships" xmlns:p="http://schemas.openxmlformats.org/presentationml/2006/main">
   <p:cSld>
@@ -10208,7 +10851,7 @@
           <a:p>
             <a:r>
               <a:rPr lang="fr-FR" dirty="0" smtClean="0"/>
-              <a:t>Menu principal</a:t>
+              <a:t>Main et menu-principal</a:t>
             </a:r>
             <a:endParaRPr lang="fr-FR" dirty="0"/>
           </a:p>
@@ -10239,6 +10882,141 @@
             <a:pPr>
               <a:buNone/>
             </a:pPr>
+            <a:r>
+              <a:rPr lang="fr-FR" sz="1400" b="1" dirty="0" smtClean="0">
+                <a:latin typeface="Verdana" pitchFamily="34" charset="0"/>
+                <a:ea typeface="Verdana" pitchFamily="34" charset="0"/>
+                <a:cs typeface="Verdana" pitchFamily="34" charset="0"/>
+              </a:rPr>
+              <a:t>Main :</a:t>
+            </a:r>
+            <a:endParaRPr lang="fr-FR" sz="1400" b="1" dirty="0" smtClean="0">
+              <a:latin typeface="Verdana" pitchFamily="34" charset="0"/>
+              <a:ea typeface="Verdana" pitchFamily="34" charset="0"/>
+              <a:cs typeface="Verdana" pitchFamily="34" charset="0"/>
+            </a:endParaRPr>
+          </a:p>
+          <a:p>
+            <a:pPr>
+              <a:buNone/>
+            </a:pPr>
+            <a:endParaRPr lang="fr-FR" sz="1200" dirty="0" smtClean="0">
+              <a:latin typeface="Consolas" pitchFamily="49" charset="0"/>
+              <a:cs typeface="Consolas" pitchFamily="49" charset="0"/>
+            </a:endParaRPr>
+          </a:p>
+          <a:p>
+            <a:pPr>
+              <a:buNone/>
+            </a:pPr>
+            <a:r>
+              <a:rPr lang="fr-FR" sz="1200" dirty="0" err="1" smtClean="0">
+                <a:latin typeface="Consolas" pitchFamily="49" charset="0"/>
+                <a:cs typeface="Consolas" pitchFamily="49" charset="0"/>
+              </a:rPr>
+              <a:t>int</a:t>
+            </a:r>
+            <a:r>
+              <a:rPr lang="fr-FR" sz="1200" dirty="0" smtClean="0">
+                <a:latin typeface="Consolas" pitchFamily="49" charset="0"/>
+                <a:cs typeface="Consolas" pitchFamily="49" charset="0"/>
+              </a:rPr>
+              <a:t> 		main (</a:t>
+            </a:r>
+            <a:r>
+              <a:rPr lang="fr-FR" sz="1200" dirty="0" err="1" smtClean="0">
+                <a:latin typeface="Consolas" pitchFamily="49" charset="0"/>
+                <a:cs typeface="Consolas" pitchFamily="49" charset="0"/>
+              </a:rPr>
+              <a:t>int</a:t>
+            </a:r>
+            <a:r>
+              <a:rPr lang="fr-FR" sz="1200" dirty="0" smtClean="0">
+                <a:latin typeface="Consolas" pitchFamily="49" charset="0"/>
+                <a:cs typeface="Consolas" pitchFamily="49" charset="0"/>
+              </a:rPr>
+              <a:t> </a:t>
+            </a:r>
+            <a:r>
+              <a:rPr lang="fr-FR" sz="1200" dirty="0" err="1" smtClean="0">
+                <a:latin typeface="Consolas" pitchFamily="49" charset="0"/>
+                <a:cs typeface="Consolas" pitchFamily="49" charset="0"/>
+              </a:rPr>
+              <a:t>argc</a:t>
+            </a:r>
+            <a:r>
+              <a:rPr lang="fr-FR" sz="1200" dirty="0" smtClean="0">
+                <a:latin typeface="Consolas" pitchFamily="49" charset="0"/>
+                <a:cs typeface="Consolas" pitchFamily="49" charset="0"/>
+              </a:rPr>
+              <a:t>, char *</a:t>
+            </a:r>
+            <a:r>
+              <a:rPr lang="fr-FR" sz="1200" dirty="0" err="1" smtClean="0">
+                <a:latin typeface="Consolas" pitchFamily="49" charset="0"/>
+                <a:cs typeface="Consolas" pitchFamily="49" charset="0"/>
+              </a:rPr>
+              <a:t>argv</a:t>
+            </a:r>
+            <a:r>
+              <a:rPr lang="fr-FR" sz="1200" dirty="0" smtClean="0">
+                <a:latin typeface="Consolas" pitchFamily="49" charset="0"/>
+                <a:cs typeface="Consolas" pitchFamily="49" charset="0"/>
+              </a:rPr>
+              <a:t>[])</a:t>
+            </a:r>
+          </a:p>
+          <a:p>
+            <a:pPr>
+              <a:buNone/>
+            </a:pPr>
+            <a:r>
+              <a:rPr lang="fr-FR" sz="1200" dirty="0" err="1" smtClean="0">
+                <a:latin typeface="Consolas" pitchFamily="49" charset="0"/>
+                <a:cs typeface="Consolas" pitchFamily="49" charset="0"/>
+              </a:rPr>
+              <a:t>int</a:t>
+            </a:r>
+            <a:r>
+              <a:rPr lang="fr-FR" sz="1200" dirty="0" smtClean="0">
+                <a:latin typeface="Consolas" pitchFamily="49" charset="0"/>
+                <a:cs typeface="Consolas" pitchFamily="49" charset="0"/>
+              </a:rPr>
+              <a:t> 		</a:t>
+            </a:r>
+            <a:r>
+              <a:rPr lang="fr-FR" sz="1200" dirty="0" err="1" smtClean="0">
+                <a:latin typeface="Consolas" pitchFamily="49" charset="0"/>
+                <a:cs typeface="Consolas" pitchFamily="49" charset="0"/>
+              </a:rPr>
+              <a:t>regression</a:t>
+            </a:r>
+            <a:r>
+              <a:rPr lang="fr-FR" sz="1200" dirty="0" smtClean="0">
+                <a:latin typeface="Consolas" pitchFamily="49" charset="0"/>
+                <a:cs typeface="Consolas" pitchFamily="49" charset="0"/>
+              </a:rPr>
+              <a:t> (</a:t>
+            </a:r>
+            <a:r>
+              <a:rPr lang="fr-FR" sz="1200" dirty="0" err="1" smtClean="0">
+                <a:latin typeface="Consolas" pitchFamily="49" charset="0"/>
+                <a:cs typeface="Consolas" pitchFamily="49" charset="0"/>
+              </a:rPr>
+              <a:t>void</a:t>
+            </a:r>
+            <a:r>
+              <a:rPr lang="fr-FR" sz="1200" dirty="0" smtClean="0">
+                <a:latin typeface="Consolas" pitchFamily="49" charset="0"/>
+                <a:cs typeface="Consolas" pitchFamily="49" charset="0"/>
+              </a:rPr>
+              <a:t>)</a:t>
+            </a:r>
+          </a:p>
+          <a:p>
+            <a:pPr>
+              <a:buNone/>
+            </a:pPr>
             <a:endParaRPr lang="fr-FR" sz="1200" dirty="0" smtClean="0">
               <a:latin typeface="Consolas" pitchFamily="49" charset="0"/>
               <a:cs typeface="Consolas" pitchFamily="49" charset="0"/>
@@ -10254,158 +11032,43 @@
             </a:endParaRPr>
           </a:p>
           <a:p>
-            <a:pPr>
-              <a:buNone/>
-            </a:pPr>
-            <a:endParaRPr lang="fr-FR" sz="1200" dirty="0" smtClean="0">
-              <a:latin typeface="Consolas" pitchFamily="49" charset="0"/>
-              <a:cs typeface="Consolas" pitchFamily="49" charset="0"/>
-            </a:endParaRPr>
-          </a:p>
-          <a:p>
-            <a:pPr>
-              <a:buNone/>
-            </a:pPr>
-            <a:r>
-              <a:rPr lang="fr-FR" sz="1200" dirty="0" err="1" smtClean="0">
-                <a:latin typeface="Consolas" pitchFamily="49" charset="0"/>
-                <a:cs typeface="Consolas" pitchFamily="49" charset="0"/>
-              </a:rPr>
-              <a:t>int</a:t>
-            </a:r>
-            <a:r>
-              <a:rPr lang="fr-FR" sz="1200" dirty="0" smtClean="0">
-                <a:latin typeface="Consolas" pitchFamily="49" charset="0"/>
-                <a:cs typeface="Consolas" pitchFamily="49" charset="0"/>
-              </a:rPr>
-              <a:t> 		</a:t>
-            </a:r>
-            <a:r>
-              <a:rPr lang="fr-FR" sz="1200" dirty="0" err="1" smtClean="0">
-                <a:latin typeface="Consolas" pitchFamily="49" charset="0"/>
-                <a:cs typeface="Consolas" pitchFamily="49" charset="0"/>
-              </a:rPr>
-              <a:t>menuPrincipal</a:t>
-            </a:r>
-            <a:r>
-              <a:rPr lang="fr-FR" sz="1200" dirty="0" smtClean="0">
-                <a:latin typeface="Consolas" pitchFamily="49" charset="0"/>
-                <a:cs typeface="Consolas" pitchFamily="49" charset="0"/>
-              </a:rPr>
-              <a:t> (</a:t>
-            </a:r>
-            <a:r>
-              <a:rPr lang="fr-FR" sz="1200" dirty="0" err="1" smtClean="0">
-                <a:latin typeface="Consolas" pitchFamily="49" charset="0"/>
-                <a:cs typeface="Consolas" pitchFamily="49" charset="0"/>
-              </a:rPr>
-              <a:t>int</a:t>
-            </a:r>
-            <a:r>
-              <a:rPr lang="fr-FR" sz="1200" dirty="0" smtClean="0">
-                <a:latin typeface="Consolas" pitchFamily="49" charset="0"/>
-                <a:cs typeface="Consolas" pitchFamily="49" charset="0"/>
-              </a:rPr>
-              <a:t> *</a:t>
-            </a:r>
-            <a:r>
-              <a:rPr lang="fr-FR" sz="1200" dirty="0" err="1" smtClean="0">
-                <a:latin typeface="Consolas" pitchFamily="49" charset="0"/>
-                <a:cs typeface="Consolas" pitchFamily="49" charset="0"/>
-              </a:rPr>
-              <a:t>contreordinateur</a:t>
-            </a:r>
-            <a:r>
-              <a:rPr lang="fr-FR" sz="1200" dirty="0" smtClean="0">
-                <a:latin typeface="Consolas" pitchFamily="49" charset="0"/>
-                <a:cs typeface="Consolas" pitchFamily="49" charset="0"/>
-              </a:rPr>
-              <a:t>, </a:t>
-            </a:r>
-            <a:r>
-              <a:rPr lang="fr-FR" sz="1200" dirty="0" err="1" smtClean="0">
-                <a:latin typeface="Consolas" pitchFamily="49" charset="0"/>
-                <a:cs typeface="Consolas" pitchFamily="49" charset="0"/>
-              </a:rPr>
-              <a:t>int</a:t>
-            </a:r>
-            <a:r>
-              <a:rPr lang="fr-FR" sz="1200" dirty="0" smtClean="0">
-                <a:latin typeface="Consolas" pitchFamily="49" charset="0"/>
-                <a:cs typeface="Consolas" pitchFamily="49" charset="0"/>
-              </a:rPr>
-              <a:t> *</a:t>
-            </a:r>
-            <a:r>
-              <a:rPr lang="fr-FR" sz="1200" dirty="0" err="1" smtClean="0">
-                <a:latin typeface="Consolas" pitchFamily="49" charset="0"/>
-                <a:cs typeface="Consolas" pitchFamily="49" charset="0"/>
-              </a:rPr>
-              <a:t>niveauordinateur</a:t>
-            </a:r>
-            <a:r>
-              <a:rPr lang="fr-FR" sz="1200" dirty="0" smtClean="0">
-                <a:latin typeface="Consolas" pitchFamily="49" charset="0"/>
-                <a:cs typeface="Consolas" pitchFamily="49" charset="0"/>
-              </a:rPr>
-              <a:t>, </a:t>
-            </a:r>
-            <a:r>
-              <a:rPr lang="fr-FR" sz="1200" dirty="0" err="1" smtClean="0">
-                <a:latin typeface="Consolas" pitchFamily="49" charset="0"/>
-                <a:cs typeface="Consolas" pitchFamily="49" charset="0"/>
-              </a:rPr>
-              <a:t>int</a:t>
-            </a:r>
-            <a:r>
-              <a:rPr lang="fr-FR" sz="1200" dirty="0" smtClean="0">
-                <a:latin typeface="Consolas" pitchFamily="49" charset="0"/>
-                <a:cs typeface="Consolas" pitchFamily="49" charset="0"/>
-              </a:rPr>
-              <a:t> *plateau)</a:t>
-            </a:r>
-          </a:p>
-          <a:p>
-            <a:pPr>
-              <a:buNone/>
-            </a:pPr>
-            <a:endParaRPr lang="fr-FR" sz="1200" dirty="0" smtClean="0">
-              <a:latin typeface="Consolas" pitchFamily="49" charset="0"/>
-              <a:cs typeface="Consolas" pitchFamily="49" charset="0"/>
-            </a:endParaRPr>
-          </a:p>
-          <a:p>
-            <a:pPr>
-              <a:buNone/>
-            </a:pPr>
-            <a:endParaRPr lang="fr-FR" sz="1200" dirty="0">
-              <a:latin typeface="Consolas" pitchFamily="49" charset="0"/>
-              <a:cs typeface="Consolas" pitchFamily="49" charset="0"/>
-            </a:endParaRPr>
-          </a:p>
-          <a:p>
-            <a:pPr>
-              <a:buNone/>
-            </a:pPr>
-            <a:r>
-              <a:rPr lang="fr-FR" sz="1400" b="1" dirty="0" smtClean="0">
-                <a:latin typeface="Verdana" pitchFamily="34" charset="0"/>
-                <a:ea typeface="Verdana" pitchFamily="34" charset="0"/>
-                <a:cs typeface="Verdana" pitchFamily="34" charset="0"/>
-              </a:rPr>
-              <a:t>Menu principal :</a:t>
-            </a:r>
-          </a:p>
-          <a:p>
             <a:r>
               <a:rPr lang="fr-FR" sz="1400" dirty="0" smtClean="0">
                 <a:latin typeface="Verdana" pitchFamily="34" charset="0"/>
                 <a:ea typeface="Verdana" pitchFamily="34" charset="0"/>
                 <a:cs typeface="Verdana" pitchFamily="34" charset="0"/>
               </a:rPr>
-              <a:t>Cette fenêtre contient un descriptif du jeu et de ses fonctionnalités.</a:t>
-            </a:r>
-            <a:endParaRPr lang="fr-FR" sz="1400" dirty="0">
+              <a:t>Appel du jeu avec le paramètre « -r » pour les tests de régression.</a:t>
+            </a:r>
+          </a:p>
+          <a:p>
+            <a:r>
+              <a:rPr lang="fr-FR" sz="1400" dirty="0" smtClean="0">
+                <a:latin typeface="Verdana" pitchFamily="34" charset="0"/>
+                <a:ea typeface="Verdana" pitchFamily="34" charset="0"/>
+                <a:cs typeface="Verdana" pitchFamily="34" charset="0"/>
+              </a:rPr>
+              <a:t>Le </a:t>
+            </a:r>
+            <a:r>
+              <a:rPr lang="fr-FR" sz="1400" dirty="0" smtClean="0">
+                <a:latin typeface="Verdana" pitchFamily="34" charset="0"/>
+                <a:ea typeface="Verdana" pitchFamily="34" charset="0"/>
+                <a:cs typeface="Verdana" pitchFamily="34" charset="0"/>
+              </a:rPr>
+              <a:t>main gère les échanges entre le menu principal et le jeu</a:t>
+            </a:r>
+            <a:r>
+              <a:rPr lang="fr-FR" sz="1400" dirty="0" smtClean="0">
+                <a:latin typeface="Verdana" pitchFamily="34" charset="0"/>
+                <a:ea typeface="Verdana" pitchFamily="34" charset="0"/>
+                <a:cs typeface="Verdana" pitchFamily="34" charset="0"/>
+              </a:rPr>
+              <a:t>.</a:t>
+            </a:r>
+          </a:p>
+          <a:p>
+            <a:endParaRPr lang="fr-FR" sz="1400" dirty="0" smtClean="0">
               <a:latin typeface="Verdana" pitchFamily="34" charset="0"/>
               <a:ea typeface="Verdana" pitchFamily="34" charset="0"/>
               <a:cs typeface="Verdana" pitchFamily="34" charset="0"/>
@@ -10422,19 +11085,17 @@
             </a:endParaRPr>
           </a:p>
           <a:p>
-            <a:r>
-              <a:rPr lang="fr-FR" sz="1400" dirty="0" smtClean="0">
+            <a:pPr>
+              <a:buNone/>
+            </a:pPr>
+            <a:r>
+              <a:rPr lang="fr-FR" sz="1400" b="1" dirty="0" smtClean="0">
                 <a:latin typeface="Verdana" pitchFamily="34" charset="0"/>
                 <a:ea typeface="Verdana" pitchFamily="34" charset="0"/>
                 <a:cs typeface="Verdana" pitchFamily="34" charset="0"/>
               </a:rPr>
-              <a:t>C’est dans cette fenêtre que l’utilisateur peut choisir le plateau et le mode de jeu.</a:t>
-            </a:r>
-            <a:endParaRPr lang="fr-FR" sz="1400" dirty="0">
-              <a:latin typeface="Verdana" pitchFamily="34" charset="0"/>
-              <a:ea typeface="Verdana" pitchFamily="34" charset="0"/>
-              <a:cs typeface="Verdana" pitchFamily="34" charset="0"/>
-            </a:endParaRPr>
+              <a:t>Menu principal :</a:t>
+            </a:r>
           </a:p>
           <a:p>
             <a:pPr>
@@ -10447,15 +11108,189 @@
             </a:endParaRPr>
           </a:p>
           <a:p>
+            <a:pPr>
+              <a:buNone/>
+            </a:pPr>
+            <a:r>
+              <a:rPr lang="fr-FR" sz="1200" dirty="0" err="1" smtClean="0">
+                <a:latin typeface="Consolas" pitchFamily="49" charset="0"/>
+                <a:cs typeface="Consolas" pitchFamily="49" charset="0"/>
+              </a:rPr>
+              <a:t>int</a:t>
+            </a:r>
+            <a:r>
+              <a:rPr lang="fr-FR" sz="1200" dirty="0" smtClean="0">
+                <a:latin typeface="Consolas" pitchFamily="49" charset="0"/>
+                <a:cs typeface="Consolas" pitchFamily="49" charset="0"/>
+              </a:rPr>
+              <a:t> </a:t>
+            </a:r>
+            <a:r>
+              <a:rPr lang="fr-FR" sz="1200" dirty="0" smtClean="0">
+                <a:latin typeface="Consolas" pitchFamily="49" charset="0"/>
+                <a:cs typeface="Consolas" pitchFamily="49" charset="0"/>
+              </a:rPr>
+              <a:t>		</a:t>
+            </a:r>
+            <a:r>
+              <a:rPr lang="fr-FR" sz="1200" dirty="0" err="1" smtClean="0">
+                <a:latin typeface="Consolas" pitchFamily="49" charset="0"/>
+                <a:cs typeface="Consolas" pitchFamily="49" charset="0"/>
+              </a:rPr>
+              <a:t>menuPrincipal</a:t>
+            </a:r>
+            <a:r>
+              <a:rPr lang="fr-FR" sz="1200" dirty="0" smtClean="0">
+                <a:latin typeface="Consolas" pitchFamily="49" charset="0"/>
+                <a:cs typeface="Consolas" pitchFamily="49" charset="0"/>
+              </a:rPr>
+              <a:t> (</a:t>
+            </a:r>
+            <a:r>
+              <a:rPr lang="fr-FR" sz="1200" dirty="0" err="1" smtClean="0">
+                <a:latin typeface="Consolas" pitchFamily="49" charset="0"/>
+                <a:cs typeface="Consolas" pitchFamily="49" charset="0"/>
+              </a:rPr>
+              <a:t>int</a:t>
+            </a:r>
+            <a:r>
+              <a:rPr lang="fr-FR" sz="1200" dirty="0" smtClean="0">
+                <a:latin typeface="Consolas" pitchFamily="49" charset="0"/>
+                <a:cs typeface="Consolas" pitchFamily="49" charset="0"/>
+              </a:rPr>
+              <a:t> *</a:t>
+            </a:r>
+            <a:r>
+              <a:rPr lang="fr-FR" sz="1200" dirty="0" err="1" smtClean="0">
+                <a:latin typeface="Consolas" pitchFamily="49" charset="0"/>
+                <a:cs typeface="Consolas" pitchFamily="49" charset="0"/>
+              </a:rPr>
+              <a:t>contreordinateur</a:t>
+            </a:r>
+            <a:r>
+              <a:rPr lang="fr-FR" sz="1200" dirty="0" smtClean="0">
+                <a:latin typeface="Consolas" pitchFamily="49" charset="0"/>
+                <a:cs typeface="Consolas" pitchFamily="49" charset="0"/>
+              </a:rPr>
+              <a:t>, </a:t>
+            </a:r>
+            <a:r>
+              <a:rPr lang="fr-FR" sz="1200" dirty="0" err="1" smtClean="0">
+                <a:latin typeface="Consolas" pitchFamily="49" charset="0"/>
+                <a:cs typeface="Consolas" pitchFamily="49" charset="0"/>
+              </a:rPr>
+              <a:t>int</a:t>
+            </a:r>
+            <a:r>
+              <a:rPr lang="fr-FR" sz="1200" dirty="0" smtClean="0">
+                <a:latin typeface="Consolas" pitchFamily="49" charset="0"/>
+                <a:cs typeface="Consolas" pitchFamily="49" charset="0"/>
+              </a:rPr>
+              <a:t> *</a:t>
+            </a:r>
+            <a:r>
+              <a:rPr lang="fr-FR" sz="1200" dirty="0" err="1" smtClean="0">
+                <a:latin typeface="Consolas" pitchFamily="49" charset="0"/>
+                <a:cs typeface="Consolas" pitchFamily="49" charset="0"/>
+              </a:rPr>
+              <a:t>niveauordinateur</a:t>
+            </a:r>
+            <a:r>
+              <a:rPr lang="fr-FR" sz="1200" dirty="0" smtClean="0">
+                <a:latin typeface="Consolas" pitchFamily="49" charset="0"/>
+                <a:cs typeface="Consolas" pitchFamily="49" charset="0"/>
+              </a:rPr>
+              <a:t>, </a:t>
+            </a:r>
+            <a:r>
+              <a:rPr lang="fr-FR" sz="1200" dirty="0" err="1" smtClean="0">
+                <a:latin typeface="Consolas" pitchFamily="49" charset="0"/>
+                <a:cs typeface="Consolas" pitchFamily="49" charset="0"/>
+              </a:rPr>
+              <a:t>int</a:t>
+            </a:r>
+            <a:r>
+              <a:rPr lang="fr-FR" sz="1200" dirty="0" smtClean="0">
+                <a:latin typeface="Consolas" pitchFamily="49" charset="0"/>
+                <a:cs typeface="Consolas" pitchFamily="49" charset="0"/>
+              </a:rPr>
+              <a:t> *plateau)</a:t>
+            </a:r>
+          </a:p>
+          <a:p>
+            <a:pPr>
+              <a:buNone/>
+            </a:pPr>
+            <a:endParaRPr lang="fr-FR" sz="1200" dirty="0" smtClean="0">
+              <a:latin typeface="Consolas" pitchFamily="49" charset="0"/>
+              <a:cs typeface="Consolas" pitchFamily="49" charset="0"/>
+            </a:endParaRPr>
+          </a:p>
+          <a:p>
+            <a:pPr>
+              <a:buNone/>
+            </a:pPr>
+            <a:endParaRPr lang="fr-FR" sz="1200" dirty="0" smtClean="0">
+              <a:latin typeface="Consolas" pitchFamily="49" charset="0"/>
+              <a:cs typeface="Consolas" pitchFamily="49" charset="0"/>
+            </a:endParaRPr>
+          </a:p>
+          <a:p>
             <a:r>
               <a:rPr lang="fr-FR" sz="1400" dirty="0" smtClean="0">
                 <a:latin typeface="Verdana" pitchFamily="34" charset="0"/>
                 <a:ea typeface="Verdana" pitchFamily="34" charset="0"/>
                 <a:cs typeface="Verdana" pitchFamily="34" charset="0"/>
               </a:rPr>
-              <a:t>Il est possible de reprendre une partie enregistrée depuis ce menu.</a:t>
-            </a:r>
-            <a:endParaRPr lang="fr-FR" sz="1400" dirty="0">
+              <a:t>Cette </a:t>
+            </a:r>
+            <a:r>
+              <a:rPr lang="fr-FR" sz="1400" dirty="0" smtClean="0">
+                <a:latin typeface="Verdana" pitchFamily="34" charset="0"/>
+                <a:ea typeface="Verdana" pitchFamily="34" charset="0"/>
+                <a:cs typeface="Verdana" pitchFamily="34" charset="0"/>
+              </a:rPr>
+              <a:t>fenêtre contient un descriptif du jeu et de ses fonctionnalités.</a:t>
+            </a:r>
+          </a:p>
+          <a:p>
+            <a:r>
+              <a:rPr lang="fr-FR" sz="1400" dirty="0" smtClean="0">
+                <a:latin typeface="Verdana" pitchFamily="34" charset="0"/>
+                <a:ea typeface="Verdana" pitchFamily="34" charset="0"/>
+                <a:cs typeface="Verdana" pitchFamily="34" charset="0"/>
+              </a:rPr>
+              <a:t>C’est </a:t>
+            </a:r>
+            <a:r>
+              <a:rPr lang="fr-FR" sz="1400" dirty="0" smtClean="0">
+                <a:latin typeface="Verdana" pitchFamily="34" charset="0"/>
+                <a:ea typeface="Verdana" pitchFamily="34" charset="0"/>
+                <a:cs typeface="Verdana" pitchFamily="34" charset="0"/>
+              </a:rPr>
+              <a:t>dans cette fenêtre que l’utilisateur peut choisir le plateau et le mode de jeu.</a:t>
+            </a:r>
+          </a:p>
+          <a:p>
+            <a:r>
+              <a:rPr lang="fr-FR" sz="1400" dirty="0" smtClean="0">
+                <a:latin typeface="Verdana" pitchFamily="34" charset="0"/>
+                <a:ea typeface="Verdana" pitchFamily="34" charset="0"/>
+                <a:cs typeface="Verdana" pitchFamily="34" charset="0"/>
+              </a:rPr>
+              <a:t>Il </a:t>
+            </a:r>
+            <a:r>
+              <a:rPr lang="fr-FR" sz="1400" dirty="0" smtClean="0">
+                <a:latin typeface="Verdana" pitchFamily="34" charset="0"/>
+                <a:ea typeface="Verdana" pitchFamily="34" charset="0"/>
+                <a:cs typeface="Verdana" pitchFamily="34" charset="0"/>
+              </a:rPr>
+              <a:t>est possible de reprendre une partie enregistrée depuis ce menu.</a:t>
+            </a:r>
+          </a:p>
+          <a:p>
+            <a:endParaRPr lang="fr-FR" sz="1400" dirty="0" smtClean="0">
               <a:latin typeface="Verdana" pitchFamily="34" charset="0"/>
               <a:ea typeface="Verdana" pitchFamily="34" charset="0"/>
               <a:cs typeface="Verdana" pitchFamily="34" charset="0"/>
@@ -10588,306 +11423,9 @@
           <a:p>
             <a:r>
               <a:rPr lang="fr-FR" dirty="0" smtClean="0"/>
-              <a:t>Jeu</a:t>
+              <a:t>Aperçu du menu principal</a:t>
             </a:r>
             <a:endParaRPr lang="fr-FR" dirty="0"/>
-          </a:p>
-        </p:txBody>
-      </p:sp>
-      <p:sp>
-        <p:nvSpPr>
-          <p:cNvPr id="5" name="Espace réservé du contenu 4"/>
-          <p:cNvSpPr>
-            <a:spLocks noGrp="1"/>
-          </p:cNvSpPr>
-          <p:nvPr>
-            <p:ph idx="1"/>
-          </p:nvPr>
-        </p:nvSpPr>
-        <p:spPr>
-          <a:xfrm>
-            <a:off x="590872" y="1196752"/>
-            <a:ext cx="8229600" cy="5069160"/>
-          </a:xfrm>
-        </p:spPr>
-        <p:txBody>
-          <a:bodyPr bIns="0">
-            <a:noAutofit/>
-          </a:bodyPr>
-          <a:lstStyle/>
-          <a:p>
-            <a:pPr>
-              <a:buNone/>
-            </a:pPr>
-            <a:endParaRPr lang="fr-FR" sz="1200" dirty="0" smtClean="0">
-              <a:latin typeface="Consolas" pitchFamily="49" charset="0"/>
-              <a:cs typeface="Consolas" pitchFamily="49" charset="0"/>
-            </a:endParaRPr>
-          </a:p>
-          <a:p>
-            <a:pPr>
-              <a:buNone/>
-            </a:pPr>
-            <a:endParaRPr lang="fr-FR" sz="1200" dirty="0">
-              <a:latin typeface="Consolas" pitchFamily="49" charset="0"/>
-              <a:cs typeface="Consolas" pitchFamily="49" charset="0"/>
-            </a:endParaRPr>
-          </a:p>
-          <a:p>
-            <a:pPr>
-              <a:buNone/>
-            </a:pPr>
-            <a:endParaRPr lang="fr-FR" sz="1200" dirty="0" smtClean="0">
-              <a:latin typeface="Consolas" pitchFamily="49" charset="0"/>
-              <a:cs typeface="Consolas" pitchFamily="49" charset="0"/>
-            </a:endParaRPr>
-          </a:p>
-          <a:p>
-            <a:pPr>
-              <a:buNone/>
-            </a:pPr>
-            <a:r>
-              <a:rPr lang="fr-FR" sz="1200" dirty="0" err="1" smtClean="0">
-                <a:latin typeface="Consolas" pitchFamily="49" charset="0"/>
-                <a:cs typeface="Consolas" pitchFamily="49" charset="0"/>
-              </a:rPr>
-              <a:t>int</a:t>
-            </a:r>
-            <a:r>
-              <a:rPr lang="fr-FR" sz="1200" dirty="0" smtClean="0">
-                <a:latin typeface="Consolas" pitchFamily="49" charset="0"/>
-                <a:cs typeface="Consolas" pitchFamily="49" charset="0"/>
-              </a:rPr>
-              <a:t> 	Jouer (</a:t>
-            </a:r>
-            <a:r>
-              <a:rPr lang="fr-FR" sz="1200" dirty="0" err="1" smtClean="0">
-                <a:latin typeface="Consolas" pitchFamily="49" charset="0"/>
-                <a:cs typeface="Consolas" pitchFamily="49" charset="0"/>
-              </a:rPr>
-              <a:t>const</a:t>
-            </a:r>
-            <a:r>
-              <a:rPr lang="fr-FR" sz="1200" dirty="0" smtClean="0">
-                <a:latin typeface="Consolas" pitchFamily="49" charset="0"/>
-                <a:cs typeface="Consolas" pitchFamily="49" charset="0"/>
-              </a:rPr>
-              <a:t> </a:t>
-            </a:r>
-            <a:r>
-              <a:rPr lang="fr-FR" sz="1200" dirty="0" err="1" smtClean="0">
-                <a:latin typeface="Consolas" pitchFamily="49" charset="0"/>
-                <a:cs typeface="Consolas" pitchFamily="49" charset="0"/>
-              </a:rPr>
-              <a:t>int</a:t>
-            </a:r>
-            <a:r>
-              <a:rPr lang="fr-FR" sz="1200" dirty="0" smtClean="0">
-                <a:latin typeface="Consolas" pitchFamily="49" charset="0"/>
-                <a:cs typeface="Consolas" pitchFamily="49" charset="0"/>
-              </a:rPr>
-              <a:t> </a:t>
-            </a:r>
-            <a:r>
-              <a:rPr lang="fr-FR" sz="1200" dirty="0" err="1" smtClean="0">
-                <a:latin typeface="Consolas" pitchFamily="49" charset="0"/>
-                <a:cs typeface="Consolas" pitchFamily="49" charset="0"/>
-              </a:rPr>
-              <a:t>contreordinateur</a:t>
-            </a:r>
-            <a:r>
-              <a:rPr lang="fr-FR" sz="1200" dirty="0" smtClean="0">
-                <a:latin typeface="Consolas" pitchFamily="49" charset="0"/>
-                <a:cs typeface="Consolas" pitchFamily="49" charset="0"/>
-              </a:rPr>
-              <a:t>, </a:t>
-            </a:r>
-            <a:r>
-              <a:rPr lang="fr-FR" sz="1200" dirty="0" err="1" smtClean="0">
-                <a:latin typeface="Consolas" pitchFamily="49" charset="0"/>
-                <a:cs typeface="Consolas" pitchFamily="49" charset="0"/>
-              </a:rPr>
-              <a:t>const</a:t>
-            </a:r>
-            <a:r>
-              <a:rPr lang="fr-FR" sz="1200" dirty="0" smtClean="0">
-                <a:latin typeface="Consolas" pitchFamily="49" charset="0"/>
-                <a:cs typeface="Consolas" pitchFamily="49" charset="0"/>
-              </a:rPr>
-              <a:t> </a:t>
-            </a:r>
-            <a:r>
-              <a:rPr lang="fr-FR" sz="1200" dirty="0" err="1" smtClean="0">
-                <a:latin typeface="Consolas" pitchFamily="49" charset="0"/>
-                <a:cs typeface="Consolas" pitchFamily="49" charset="0"/>
-              </a:rPr>
-              <a:t>int</a:t>
-            </a:r>
-            <a:r>
-              <a:rPr lang="fr-FR" sz="1200" dirty="0" smtClean="0">
-                <a:latin typeface="Consolas" pitchFamily="49" charset="0"/>
-                <a:cs typeface="Consolas" pitchFamily="49" charset="0"/>
-              </a:rPr>
-              <a:t> </a:t>
-            </a:r>
-            <a:r>
-              <a:rPr lang="fr-FR" sz="1200" dirty="0" err="1" smtClean="0">
-                <a:latin typeface="Consolas" pitchFamily="49" charset="0"/>
-                <a:cs typeface="Consolas" pitchFamily="49" charset="0"/>
-              </a:rPr>
-              <a:t>niveauordinateur</a:t>
-            </a:r>
-            <a:r>
-              <a:rPr lang="fr-FR" sz="1200" dirty="0" smtClean="0">
-                <a:latin typeface="Consolas" pitchFamily="49" charset="0"/>
-                <a:cs typeface="Consolas" pitchFamily="49" charset="0"/>
-              </a:rPr>
-              <a:t>, </a:t>
-            </a:r>
-            <a:r>
-              <a:rPr lang="fr-FR" sz="1200" dirty="0" err="1" smtClean="0">
-                <a:latin typeface="Consolas" pitchFamily="49" charset="0"/>
-                <a:cs typeface="Consolas" pitchFamily="49" charset="0"/>
-              </a:rPr>
-              <a:t>const</a:t>
-            </a:r>
-            <a:r>
-              <a:rPr lang="fr-FR" sz="1200" dirty="0" smtClean="0">
-                <a:latin typeface="Consolas" pitchFamily="49" charset="0"/>
-                <a:cs typeface="Consolas" pitchFamily="49" charset="0"/>
-              </a:rPr>
-              <a:t> </a:t>
-            </a:r>
-            <a:r>
-              <a:rPr lang="fr-FR" sz="1200" dirty="0" err="1" smtClean="0">
-                <a:latin typeface="Consolas" pitchFamily="49" charset="0"/>
-                <a:cs typeface="Consolas" pitchFamily="49" charset="0"/>
-              </a:rPr>
-              <a:t>int</a:t>
-            </a:r>
-            <a:r>
-              <a:rPr lang="fr-FR" sz="1200" dirty="0" smtClean="0">
-                <a:latin typeface="Consolas" pitchFamily="49" charset="0"/>
-                <a:cs typeface="Consolas" pitchFamily="49" charset="0"/>
-              </a:rPr>
-              <a:t> plateau)</a:t>
-            </a:r>
-          </a:p>
-          <a:p>
-            <a:pPr>
-              <a:buNone/>
-            </a:pPr>
-            <a:endParaRPr lang="fr-FR" sz="1200" dirty="0" smtClean="0">
-              <a:latin typeface="Consolas" pitchFamily="49" charset="0"/>
-              <a:cs typeface="Consolas" pitchFamily="49" charset="0"/>
-            </a:endParaRPr>
-          </a:p>
-          <a:p>
-            <a:pPr>
-              <a:buNone/>
-            </a:pPr>
-            <a:endParaRPr lang="fr-FR" sz="1200" dirty="0">
-              <a:latin typeface="Consolas" pitchFamily="49" charset="0"/>
-              <a:cs typeface="Consolas" pitchFamily="49" charset="0"/>
-            </a:endParaRPr>
-          </a:p>
-          <a:p>
-            <a:pPr>
-              <a:buNone/>
-            </a:pPr>
-            <a:endParaRPr lang="fr-FR" sz="1400" dirty="0">
-              <a:latin typeface="Consolas" pitchFamily="49" charset="0"/>
-              <a:cs typeface="Consolas" pitchFamily="49" charset="0"/>
-            </a:endParaRPr>
-          </a:p>
-          <a:p>
-            <a:pPr>
-              <a:buNone/>
-            </a:pPr>
-            <a:r>
-              <a:rPr lang="fr-FR" sz="1400" b="1" dirty="0" smtClean="0">
-                <a:latin typeface="Verdana" pitchFamily="34" charset="0"/>
-                <a:ea typeface="Verdana" pitchFamily="34" charset="0"/>
-                <a:cs typeface="Verdana" pitchFamily="34" charset="0"/>
-              </a:rPr>
-              <a:t>Jeu :</a:t>
-            </a:r>
-          </a:p>
-          <a:p>
-            <a:pPr>
-              <a:spcAft>
-                <a:spcPts val="500"/>
-              </a:spcAft>
-            </a:pPr>
-            <a:r>
-              <a:rPr lang="fr-FR" sz="1400" dirty="0" smtClean="0">
-                <a:latin typeface="Verdana" pitchFamily="34" charset="0"/>
-                <a:ea typeface="Verdana" pitchFamily="34" charset="0"/>
-                <a:cs typeface="Verdana" pitchFamily="34" charset="0"/>
-              </a:rPr>
-              <a:t>Fenêtre de jeu dans laquelle se déroule la partie.</a:t>
-            </a:r>
-          </a:p>
-          <a:p>
-            <a:pPr>
-              <a:spcAft>
-                <a:spcPts val="500"/>
-              </a:spcAft>
-              <a:buNone/>
-            </a:pPr>
-            <a:endParaRPr lang="fr-FR" sz="1400" dirty="0" smtClean="0">
-              <a:latin typeface="Verdana" pitchFamily="34" charset="0"/>
-              <a:ea typeface="Verdana" pitchFamily="34" charset="0"/>
-              <a:cs typeface="Verdana" pitchFamily="34" charset="0"/>
-            </a:endParaRPr>
-          </a:p>
-          <a:p>
-            <a:pPr>
-              <a:spcAft>
-                <a:spcPts val="500"/>
-              </a:spcAft>
-            </a:pPr>
-            <a:r>
-              <a:rPr lang="fr-FR" sz="1400" dirty="0" smtClean="0">
-                <a:latin typeface="Verdana" pitchFamily="34" charset="0"/>
-                <a:ea typeface="Verdana" pitchFamily="34" charset="0"/>
-                <a:cs typeface="Verdana" pitchFamily="34" charset="0"/>
-              </a:rPr>
-              <a:t>Le bouton pour enregistrer la partie est en bas de cette fenêtre.</a:t>
-            </a:r>
-          </a:p>
-          <a:p>
-            <a:pPr>
-              <a:spcAft>
-                <a:spcPts val="500"/>
-              </a:spcAft>
-              <a:buNone/>
-            </a:pPr>
-            <a:endParaRPr lang="fr-FR" sz="1400" dirty="0" smtClean="0">
-              <a:latin typeface="Verdana" pitchFamily="34" charset="0"/>
-              <a:ea typeface="Verdana" pitchFamily="34" charset="0"/>
-              <a:cs typeface="Verdana" pitchFamily="34" charset="0"/>
-            </a:endParaRPr>
-          </a:p>
-          <a:p>
-            <a:pPr>
-              <a:spcAft>
-                <a:spcPts val="500"/>
-              </a:spcAft>
-            </a:pPr>
-            <a:r>
-              <a:rPr lang="fr-FR" sz="1400" dirty="0" smtClean="0">
-                <a:latin typeface="Verdana" pitchFamily="34" charset="0"/>
-                <a:ea typeface="Verdana" pitchFamily="34" charset="0"/>
-                <a:cs typeface="Verdana" pitchFamily="34" charset="0"/>
-              </a:rPr>
-              <a:t>Dans cette fenêtre, on voit le plateau complet ainsi que les scores des joueurs et le pion de celui qui a la main.</a:t>
-            </a:r>
-            <a:endParaRPr lang="fr-FR" sz="1400" dirty="0">
-              <a:latin typeface="Verdana" pitchFamily="34" charset="0"/>
-              <a:ea typeface="Verdana" pitchFamily="34" charset="0"/>
-              <a:cs typeface="Verdana" pitchFamily="34" charset="0"/>
-            </a:endParaRPr>
           </a:p>
         </p:txBody>
       </p:sp>
@@ -10914,6 +11452,40 @@
           </a:p>
         </p:txBody>
       </p:sp>
+      <p:pic>
+        <p:nvPicPr>
+          <p:cNvPr id="1026" name="Picture 2"/>
+          <p:cNvPicPr>
+            <a:picLocks noGrp="1" noChangeAspect="1" noChangeArrowheads="1"/>
+          </p:cNvPicPr>
+          <p:nvPr>
+            <p:ph idx="1"/>
+          </p:nvPr>
+        </p:nvPicPr>
+        <p:blipFill>
+          <a:blip r:embed="rId2" cstate="print"/>
+          <a:srcRect l="497" t="2836" r="1169" b="1984"/>
+          <a:stretch>
+            <a:fillRect/>
+          </a:stretch>
+        </p:blipFill>
+        <p:spPr bwMode="auto">
+          <a:xfrm>
+            <a:off x="971600" y="1340768"/>
+            <a:ext cx="7416824" cy="4824536"/>
+          </a:xfrm>
+          <a:prstGeom prst="rect">
+            <a:avLst/>
+          </a:prstGeom>
+          <a:noFill/>
+          <a:ln w="9525">
+            <a:noFill/>
+            <a:miter lim="800000"/>
+            <a:headEnd/>
+            <a:tailEnd/>
+          </a:ln>
+        </p:spPr>
+      </p:pic>
       <p:sp>
         <p:nvSpPr>
           <p:cNvPr id="2" name="Espace réservé de la date 1"/>
@@ -10939,7 +11511,7 @@
       </p:sp>
       <p:sp>
         <p:nvSpPr>
-          <p:cNvPr id="6" name="Espace réservé du numéro de diapositive 5"/>
+          <p:cNvPr id="5" name="Espace réservé du numéro de diapositive 4"/>
           <p:cNvSpPr>
             <a:spLocks noGrp="1"/>
           </p:cNvSpPr>
@@ -11016,7 +11588,7 @@
           <a:p>
             <a:r>
               <a:rPr lang="fr-FR" dirty="0" smtClean="0"/>
-              <a:t>Plateau</a:t>
+              <a:t>Jeu</a:t>
             </a:r>
             <a:endParaRPr lang="fr-FR" dirty="0"/>
           </a:p>
@@ -11039,7 +11611,7 @@
           </a:xfrm>
         </p:spPr>
         <p:txBody>
-          <a:bodyPr>
+          <a:bodyPr bIns="0">
             <a:noAutofit/>
           </a:bodyPr>
           <a:lstStyle/>
@@ -11056,896 +11628,176 @@
             <a:pPr>
               <a:buNone/>
             </a:pPr>
-            <a:r>
-              <a:rPr lang="fr-FR" sz="1200" dirty="0" err="1" smtClean="0">
-                <a:latin typeface="Consolas" pitchFamily="49" charset="0"/>
-                <a:cs typeface="Consolas" pitchFamily="49" charset="0"/>
-              </a:rPr>
-              <a:t>void</a:t>
-            </a:r>
-            <a:r>
-              <a:rPr lang="fr-FR" sz="1200" dirty="0" smtClean="0">
-                <a:latin typeface="Consolas" pitchFamily="49" charset="0"/>
-                <a:cs typeface="Consolas" pitchFamily="49" charset="0"/>
-              </a:rPr>
-              <a:t> 	</a:t>
-            </a:r>
-            <a:r>
-              <a:rPr lang="fr-FR" sz="1200" dirty="0" err="1" smtClean="0">
-                <a:latin typeface="Consolas" pitchFamily="49" charset="0"/>
-                <a:cs typeface="Consolas" pitchFamily="49" charset="0"/>
-              </a:rPr>
-              <a:t>plateauInit</a:t>
-            </a:r>
-            <a:r>
-              <a:rPr lang="fr-FR" sz="1200" dirty="0" smtClean="0">
-                <a:latin typeface="Consolas" pitchFamily="49" charset="0"/>
-                <a:cs typeface="Consolas" pitchFamily="49" charset="0"/>
-              </a:rPr>
-              <a:t> (Plateau *p, </a:t>
-            </a:r>
-            <a:r>
-              <a:rPr lang="fr-FR" sz="1200" dirty="0" err="1" smtClean="0">
-                <a:latin typeface="Consolas" pitchFamily="49" charset="0"/>
-                <a:cs typeface="Consolas" pitchFamily="49" charset="0"/>
-              </a:rPr>
-              <a:t>int</a:t>
-            </a:r>
-            <a:r>
-              <a:rPr lang="fr-FR" sz="1200" dirty="0" smtClean="0">
-                <a:latin typeface="Consolas" pitchFamily="49" charset="0"/>
-                <a:cs typeface="Consolas" pitchFamily="49" charset="0"/>
-              </a:rPr>
-              <a:t> </a:t>
-            </a:r>
-            <a:r>
-              <a:rPr lang="fr-FR" sz="1200" dirty="0" err="1" smtClean="0">
-                <a:latin typeface="Consolas" pitchFamily="49" charset="0"/>
-                <a:cs typeface="Consolas" pitchFamily="49" charset="0"/>
-              </a:rPr>
-              <a:t>capacite</a:t>
-            </a:r>
-            <a:r>
-              <a:rPr lang="fr-FR" sz="1200" dirty="0" smtClean="0">
-                <a:latin typeface="Consolas" pitchFamily="49" charset="0"/>
-                <a:cs typeface="Consolas" pitchFamily="49" charset="0"/>
-              </a:rPr>
-              <a:t>)</a:t>
-            </a:r>
-          </a:p>
-          <a:p>
-            <a:pPr>
-              <a:buNone/>
-            </a:pPr>
-            <a:r>
-              <a:rPr lang="fr-FR" sz="1200" dirty="0" err="1" smtClean="0">
-                <a:latin typeface="Consolas" pitchFamily="49" charset="0"/>
-                <a:cs typeface="Consolas" pitchFamily="49" charset="0"/>
-              </a:rPr>
-              <a:t>int</a:t>
-            </a:r>
-            <a:r>
-              <a:rPr lang="fr-FR" sz="1200" dirty="0" smtClean="0">
-                <a:latin typeface="Consolas" pitchFamily="49" charset="0"/>
-                <a:cs typeface="Consolas" pitchFamily="49" charset="0"/>
-              </a:rPr>
-              <a:t> </a:t>
-            </a:r>
-            <a:r>
-              <a:rPr lang="fr-FR" sz="1200" dirty="0" smtClean="0">
-                <a:latin typeface="Consolas" pitchFamily="49" charset="0"/>
-                <a:cs typeface="Consolas" pitchFamily="49" charset="0"/>
-              </a:rPr>
-              <a:t>		</a:t>
-            </a:r>
-            <a:r>
-              <a:rPr lang="fr-FR" sz="1200" dirty="0" err="1" smtClean="0">
-                <a:latin typeface="Consolas" pitchFamily="49" charset="0"/>
-                <a:cs typeface="Consolas" pitchFamily="49" charset="0"/>
-              </a:rPr>
-              <a:t>plateauSourisDansCase</a:t>
-            </a:r>
-            <a:r>
-              <a:rPr lang="fr-FR" sz="1200" dirty="0" smtClean="0">
-                <a:latin typeface="Consolas" pitchFamily="49" charset="0"/>
-                <a:cs typeface="Consolas" pitchFamily="49" charset="0"/>
-              </a:rPr>
-              <a:t> (</a:t>
-            </a:r>
-            <a:r>
-              <a:rPr lang="fr-FR" sz="1200" dirty="0" err="1" smtClean="0">
-                <a:latin typeface="Consolas" pitchFamily="49" charset="0"/>
-                <a:cs typeface="Consolas" pitchFamily="49" charset="0"/>
-              </a:rPr>
-              <a:t>int</a:t>
-            </a:r>
-            <a:r>
-              <a:rPr lang="fr-FR" sz="1200" dirty="0" smtClean="0">
-                <a:latin typeface="Consolas" pitchFamily="49" charset="0"/>
-                <a:cs typeface="Consolas" pitchFamily="49" charset="0"/>
-              </a:rPr>
-              <a:t> </a:t>
-            </a:r>
-            <a:r>
-              <a:rPr lang="fr-FR" sz="1200" dirty="0" err="1" smtClean="0">
-                <a:latin typeface="Consolas" pitchFamily="49" charset="0"/>
-                <a:cs typeface="Consolas" pitchFamily="49" charset="0"/>
-              </a:rPr>
-              <a:t>sx</a:t>
-            </a:r>
-            <a:r>
-              <a:rPr lang="fr-FR" sz="1200" dirty="0" smtClean="0">
-                <a:latin typeface="Consolas" pitchFamily="49" charset="0"/>
-                <a:cs typeface="Consolas" pitchFamily="49" charset="0"/>
-              </a:rPr>
-              <a:t>, </a:t>
-            </a:r>
-            <a:r>
-              <a:rPr lang="fr-FR" sz="1200" dirty="0" err="1" smtClean="0">
-                <a:latin typeface="Consolas" pitchFamily="49" charset="0"/>
-                <a:cs typeface="Consolas" pitchFamily="49" charset="0"/>
-              </a:rPr>
-              <a:t>int</a:t>
-            </a:r>
-            <a:r>
-              <a:rPr lang="fr-FR" sz="1200" dirty="0" smtClean="0">
-                <a:latin typeface="Consolas" pitchFamily="49" charset="0"/>
-                <a:cs typeface="Consolas" pitchFamily="49" charset="0"/>
-              </a:rPr>
-              <a:t> </a:t>
-            </a:r>
-            <a:r>
-              <a:rPr lang="fr-FR" sz="1200" dirty="0" err="1" smtClean="0">
-                <a:latin typeface="Consolas" pitchFamily="49" charset="0"/>
-                <a:cs typeface="Consolas" pitchFamily="49" charset="0"/>
-              </a:rPr>
-              <a:t>sy</a:t>
-            </a:r>
-            <a:r>
-              <a:rPr lang="fr-FR" sz="1200" dirty="0" smtClean="0">
-                <a:latin typeface="Consolas" pitchFamily="49" charset="0"/>
-                <a:cs typeface="Consolas" pitchFamily="49" charset="0"/>
-              </a:rPr>
-              <a:t>, </a:t>
-            </a:r>
-            <a:r>
-              <a:rPr lang="fr-FR" sz="1200" dirty="0" err="1" smtClean="0">
-                <a:latin typeface="Consolas" pitchFamily="49" charset="0"/>
-                <a:cs typeface="Consolas" pitchFamily="49" charset="0"/>
-              </a:rPr>
-              <a:t>const</a:t>
-            </a:r>
-            <a:r>
-              <a:rPr lang="fr-FR" sz="1200" dirty="0" smtClean="0">
-                <a:latin typeface="Consolas" pitchFamily="49" charset="0"/>
-                <a:cs typeface="Consolas" pitchFamily="49" charset="0"/>
-              </a:rPr>
-              <a:t> Case *c, </a:t>
-            </a:r>
-            <a:r>
-              <a:rPr lang="fr-FR" sz="1200" dirty="0" err="1" smtClean="0">
-                <a:latin typeface="Consolas" pitchFamily="49" charset="0"/>
-                <a:cs typeface="Consolas" pitchFamily="49" charset="0"/>
-              </a:rPr>
-              <a:t>int</a:t>
-            </a:r>
-            <a:r>
-              <a:rPr lang="fr-FR" sz="1200" dirty="0" smtClean="0">
-                <a:latin typeface="Consolas" pitchFamily="49" charset="0"/>
-                <a:cs typeface="Consolas" pitchFamily="49" charset="0"/>
-              </a:rPr>
-              <a:t> </a:t>
-            </a:r>
-            <a:r>
-              <a:rPr lang="fr-FR" sz="1200" dirty="0" err="1" smtClean="0">
-                <a:latin typeface="Consolas" pitchFamily="49" charset="0"/>
-                <a:cs typeface="Consolas" pitchFamily="49" charset="0"/>
-              </a:rPr>
-              <a:t>dim</a:t>
-            </a:r>
-            <a:r>
-              <a:rPr lang="fr-FR" sz="1200" dirty="0" smtClean="0">
-                <a:latin typeface="Consolas" pitchFamily="49" charset="0"/>
-                <a:cs typeface="Consolas" pitchFamily="49" charset="0"/>
-              </a:rPr>
-              <a:t>)</a:t>
-            </a:r>
-          </a:p>
-          <a:p>
-            <a:pPr>
-              <a:buNone/>
-            </a:pPr>
-            <a:r>
-              <a:rPr lang="fr-FR" sz="1200" dirty="0" smtClean="0">
-                <a:latin typeface="Consolas" pitchFamily="49" charset="0"/>
-                <a:cs typeface="Consolas" pitchFamily="49" charset="0"/>
-              </a:rPr>
-              <a:t>Case * 	</a:t>
-            </a:r>
-            <a:r>
-              <a:rPr lang="fr-FR" sz="1200" dirty="0" err="1" smtClean="0">
-                <a:latin typeface="Consolas" pitchFamily="49" charset="0"/>
-                <a:cs typeface="Consolas" pitchFamily="49" charset="0"/>
-              </a:rPr>
-              <a:t>plateauCaseSurvollee</a:t>
-            </a:r>
-            <a:r>
-              <a:rPr lang="fr-FR" sz="1200" dirty="0" smtClean="0">
-                <a:latin typeface="Consolas" pitchFamily="49" charset="0"/>
-                <a:cs typeface="Consolas" pitchFamily="49" charset="0"/>
-              </a:rPr>
-              <a:t> (</a:t>
-            </a:r>
-            <a:r>
-              <a:rPr lang="fr-FR" sz="1200" dirty="0" err="1" smtClean="0">
-                <a:latin typeface="Consolas" pitchFamily="49" charset="0"/>
-                <a:cs typeface="Consolas" pitchFamily="49" charset="0"/>
-              </a:rPr>
-              <a:t>int</a:t>
-            </a:r>
-            <a:r>
-              <a:rPr lang="fr-FR" sz="1200" dirty="0" smtClean="0">
-                <a:latin typeface="Consolas" pitchFamily="49" charset="0"/>
-                <a:cs typeface="Consolas" pitchFamily="49" charset="0"/>
-              </a:rPr>
-              <a:t> </a:t>
-            </a:r>
-            <a:r>
-              <a:rPr lang="fr-FR" sz="1200" dirty="0" err="1" smtClean="0">
-                <a:latin typeface="Consolas" pitchFamily="49" charset="0"/>
-                <a:cs typeface="Consolas" pitchFamily="49" charset="0"/>
-              </a:rPr>
-              <a:t>sx</a:t>
-            </a:r>
-            <a:r>
-              <a:rPr lang="fr-FR" sz="1200" dirty="0" smtClean="0">
-                <a:latin typeface="Consolas" pitchFamily="49" charset="0"/>
-                <a:cs typeface="Consolas" pitchFamily="49" charset="0"/>
-              </a:rPr>
-              <a:t>, </a:t>
-            </a:r>
-            <a:r>
-              <a:rPr lang="fr-FR" sz="1200" dirty="0" err="1" smtClean="0">
-                <a:latin typeface="Consolas" pitchFamily="49" charset="0"/>
-                <a:cs typeface="Consolas" pitchFamily="49" charset="0"/>
-              </a:rPr>
-              <a:t>int</a:t>
-            </a:r>
-            <a:r>
-              <a:rPr lang="fr-FR" sz="1200" dirty="0" smtClean="0">
-                <a:latin typeface="Consolas" pitchFamily="49" charset="0"/>
-                <a:cs typeface="Consolas" pitchFamily="49" charset="0"/>
-              </a:rPr>
-              <a:t> </a:t>
-            </a:r>
-            <a:r>
-              <a:rPr lang="fr-FR" sz="1200" dirty="0" err="1" smtClean="0">
-                <a:latin typeface="Consolas" pitchFamily="49" charset="0"/>
-                <a:cs typeface="Consolas" pitchFamily="49" charset="0"/>
-              </a:rPr>
-              <a:t>sy</a:t>
-            </a:r>
-            <a:r>
-              <a:rPr lang="fr-FR" sz="1200" dirty="0" smtClean="0">
-                <a:latin typeface="Consolas" pitchFamily="49" charset="0"/>
-                <a:cs typeface="Consolas" pitchFamily="49" charset="0"/>
-              </a:rPr>
-              <a:t>, </a:t>
-            </a:r>
-            <a:r>
-              <a:rPr lang="fr-FR" sz="1200" dirty="0" err="1" smtClean="0">
-                <a:latin typeface="Consolas" pitchFamily="49" charset="0"/>
-                <a:cs typeface="Consolas" pitchFamily="49" charset="0"/>
-              </a:rPr>
-              <a:t>const</a:t>
-            </a:r>
-            <a:r>
-              <a:rPr lang="fr-FR" sz="1200" dirty="0" smtClean="0">
-                <a:latin typeface="Consolas" pitchFamily="49" charset="0"/>
-                <a:cs typeface="Consolas" pitchFamily="49" charset="0"/>
-              </a:rPr>
-              <a:t> Plateau *p, </a:t>
-            </a:r>
-            <a:r>
-              <a:rPr lang="fr-FR" sz="1200" dirty="0" err="1" smtClean="0">
-                <a:latin typeface="Consolas" pitchFamily="49" charset="0"/>
-                <a:cs typeface="Consolas" pitchFamily="49" charset="0"/>
-              </a:rPr>
-              <a:t>int</a:t>
-            </a:r>
-            <a:r>
-              <a:rPr lang="fr-FR" sz="1200" dirty="0" smtClean="0">
-                <a:latin typeface="Consolas" pitchFamily="49" charset="0"/>
-                <a:cs typeface="Consolas" pitchFamily="49" charset="0"/>
-              </a:rPr>
-              <a:t> </a:t>
-            </a:r>
-            <a:r>
-              <a:rPr lang="fr-FR" sz="1200" dirty="0" err="1" smtClean="0">
-                <a:latin typeface="Consolas" pitchFamily="49" charset="0"/>
-                <a:cs typeface="Consolas" pitchFamily="49" charset="0"/>
-              </a:rPr>
-              <a:t>dim</a:t>
-            </a:r>
-            <a:r>
-              <a:rPr lang="fr-FR" sz="1200" dirty="0" smtClean="0">
-                <a:latin typeface="Consolas" pitchFamily="49" charset="0"/>
-                <a:cs typeface="Consolas" pitchFamily="49" charset="0"/>
-              </a:rPr>
-              <a:t>)</a:t>
-            </a:r>
-          </a:p>
-          <a:p>
-            <a:pPr>
-              <a:buNone/>
-            </a:pPr>
-            <a:r>
-              <a:rPr lang="fr-FR" sz="1200" dirty="0" err="1" smtClean="0">
-                <a:latin typeface="Consolas" pitchFamily="49" charset="0"/>
-                <a:cs typeface="Consolas" pitchFamily="49" charset="0"/>
-              </a:rPr>
-              <a:t>void</a:t>
-            </a:r>
-            <a:r>
-              <a:rPr lang="fr-FR" sz="1200" dirty="0" smtClean="0">
-                <a:latin typeface="Consolas" pitchFamily="49" charset="0"/>
-                <a:cs typeface="Consolas" pitchFamily="49" charset="0"/>
-              </a:rPr>
-              <a:t> 	</a:t>
-            </a:r>
-            <a:r>
-              <a:rPr lang="fr-FR" sz="1200" dirty="0" err="1" smtClean="0">
-                <a:latin typeface="Consolas" pitchFamily="49" charset="0"/>
-                <a:cs typeface="Consolas" pitchFamily="49" charset="0"/>
-              </a:rPr>
-              <a:t>plateauLireFichier</a:t>
-            </a:r>
-            <a:r>
-              <a:rPr lang="fr-FR" sz="1200" dirty="0" smtClean="0">
-                <a:latin typeface="Consolas" pitchFamily="49" charset="0"/>
-                <a:cs typeface="Consolas" pitchFamily="49" charset="0"/>
-              </a:rPr>
-              <a:t> (Plateau *p, </a:t>
-            </a:r>
-            <a:r>
-              <a:rPr lang="fr-FR" sz="1200" dirty="0" err="1" smtClean="0">
-                <a:latin typeface="Consolas" pitchFamily="49" charset="0"/>
-                <a:cs typeface="Consolas" pitchFamily="49" charset="0"/>
-              </a:rPr>
-              <a:t>const</a:t>
-            </a:r>
-            <a:r>
-              <a:rPr lang="fr-FR" sz="1200" dirty="0" smtClean="0">
-                <a:latin typeface="Consolas" pitchFamily="49" charset="0"/>
-                <a:cs typeface="Consolas" pitchFamily="49" charset="0"/>
-              </a:rPr>
-              <a:t> char </a:t>
-            </a:r>
-            <a:r>
-              <a:rPr lang="fr-FR" sz="1200" dirty="0" err="1" smtClean="0">
-                <a:latin typeface="Consolas" pitchFamily="49" charset="0"/>
-                <a:cs typeface="Consolas" pitchFamily="49" charset="0"/>
-              </a:rPr>
-              <a:t>filename</a:t>
-            </a:r>
-            <a:r>
-              <a:rPr lang="fr-FR" sz="1200" dirty="0" smtClean="0">
-                <a:latin typeface="Consolas" pitchFamily="49" charset="0"/>
-                <a:cs typeface="Consolas" pitchFamily="49" charset="0"/>
-              </a:rPr>
-              <a:t>[], </a:t>
-            </a:r>
-            <a:r>
-              <a:rPr lang="fr-FR" sz="1200" dirty="0" err="1" smtClean="0">
-                <a:latin typeface="Consolas" pitchFamily="49" charset="0"/>
-                <a:cs typeface="Consolas" pitchFamily="49" charset="0"/>
-              </a:rPr>
-              <a:t>int</a:t>
-            </a:r>
-            <a:r>
-              <a:rPr lang="fr-FR" sz="1200" dirty="0" smtClean="0">
-                <a:latin typeface="Consolas" pitchFamily="49" charset="0"/>
-                <a:cs typeface="Consolas" pitchFamily="49" charset="0"/>
-              </a:rPr>
-              <a:t> *joueur)</a:t>
-            </a:r>
-          </a:p>
-          <a:p>
-            <a:pPr>
-              <a:buNone/>
-            </a:pPr>
-            <a:r>
-              <a:rPr lang="fr-FR" sz="1200" dirty="0" err="1" smtClean="0">
-                <a:latin typeface="Consolas" pitchFamily="49" charset="0"/>
-                <a:cs typeface="Consolas" pitchFamily="49" charset="0"/>
-              </a:rPr>
-              <a:t>void</a:t>
-            </a:r>
-            <a:r>
-              <a:rPr lang="fr-FR" sz="1200" dirty="0" smtClean="0">
-                <a:latin typeface="Consolas" pitchFamily="49" charset="0"/>
-                <a:cs typeface="Consolas" pitchFamily="49" charset="0"/>
-              </a:rPr>
-              <a:t> 	</a:t>
-            </a:r>
-            <a:r>
-              <a:rPr lang="fr-FR" sz="1200" dirty="0" err="1" smtClean="0">
-                <a:latin typeface="Consolas" pitchFamily="49" charset="0"/>
-                <a:cs typeface="Consolas" pitchFamily="49" charset="0"/>
-              </a:rPr>
-              <a:t>plateauEcrireFichier</a:t>
-            </a:r>
-            <a:r>
-              <a:rPr lang="fr-FR" sz="1200" dirty="0" smtClean="0">
-                <a:latin typeface="Consolas" pitchFamily="49" charset="0"/>
-                <a:cs typeface="Consolas" pitchFamily="49" charset="0"/>
-              </a:rPr>
-              <a:t> (Plateau *p, </a:t>
-            </a:r>
-            <a:r>
-              <a:rPr lang="fr-FR" sz="1200" dirty="0" err="1" smtClean="0">
-                <a:latin typeface="Consolas" pitchFamily="49" charset="0"/>
-                <a:cs typeface="Consolas" pitchFamily="49" charset="0"/>
-              </a:rPr>
-              <a:t>int</a:t>
-            </a:r>
-            <a:r>
-              <a:rPr lang="fr-FR" sz="1200" dirty="0" smtClean="0">
-                <a:latin typeface="Consolas" pitchFamily="49" charset="0"/>
-                <a:cs typeface="Consolas" pitchFamily="49" charset="0"/>
-              </a:rPr>
-              <a:t> </a:t>
-            </a:r>
-            <a:r>
-              <a:rPr lang="fr-FR" sz="1200" dirty="0" err="1" smtClean="0">
-                <a:latin typeface="Consolas" pitchFamily="49" charset="0"/>
-                <a:cs typeface="Consolas" pitchFamily="49" charset="0"/>
-              </a:rPr>
-              <a:t>qui_joue</a:t>
-            </a:r>
-            <a:r>
-              <a:rPr lang="fr-FR" sz="1200" dirty="0" smtClean="0">
-                <a:latin typeface="Consolas" pitchFamily="49" charset="0"/>
-                <a:cs typeface="Consolas" pitchFamily="49" charset="0"/>
-              </a:rPr>
-              <a:t>, </a:t>
-            </a:r>
-            <a:r>
-              <a:rPr lang="fr-FR" sz="1200" dirty="0" err="1" smtClean="0">
-                <a:latin typeface="Consolas" pitchFamily="49" charset="0"/>
-                <a:cs typeface="Consolas" pitchFamily="49" charset="0"/>
-              </a:rPr>
-              <a:t>int</a:t>
-            </a:r>
-            <a:r>
-              <a:rPr lang="fr-FR" sz="1200" dirty="0" smtClean="0">
-                <a:latin typeface="Consolas" pitchFamily="49" charset="0"/>
-                <a:cs typeface="Consolas" pitchFamily="49" charset="0"/>
-              </a:rPr>
-              <a:t> </a:t>
-            </a:r>
-            <a:r>
-              <a:rPr lang="fr-FR" sz="1200" dirty="0" err="1" smtClean="0">
-                <a:latin typeface="Consolas" pitchFamily="49" charset="0"/>
-                <a:cs typeface="Consolas" pitchFamily="49" charset="0"/>
-              </a:rPr>
-              <a:t>contreordi</a:t>
-            </a:r>
-            <a:r>
-              <a:rPr lang="fr-FR" sz="1200" dirty="0" smtClean="0">
-                <a:latin typeface="Consolas" pitchFamily="49" charset="0"/>
-                <a:cs typeface="Consolas" pitchFamily="49" charset="0"/>
-              </a:rPr>
-              <a:t>, </a:t>
-            </a:r>
-            <a:r>
-              <a:rPr lang="fr-FR" sz="1200" dirty="0" err="1" smtClean="0">
-                <a:latin typeface="Consolas" pitchFamily="49" charset="0"/>
-                <a:cs typeface="Consolas" pitchFamily="49" charset="0"/>
-              </a:rPr>
-              <a:t>int</a:t>
-            </a:r>
-            <a:r>
-              <a:rPr lang="fr-FR" sz="1200" dirty="0" smtClean="0">
-                <a:latin typeface="Consolas" pitchFamily="49" charset="0"/>
-                <a:cs typeface="Consolas" pitchFamily="49" charset="0"/>
-              </a:rPr>
-              <a:t> </a:t>
-            </a:r>
-            <a:r>
-              <a:rPr lang="fr-FR" sz="1200" dirty="0" err="1" smtClean="0">
-                <a:latin typeface="Consolas" pitchFamily="49" charset="0"/>
-                <a:cs typeface="Consolas" pitchFamily="49" charset="0"/>
-              </a:rPr>
-              <a:t>niveauordi</a:t>
-            </a:r>
-            <a:r>
-              <a:rPr lang="fr-FR" sz="1200" dirty="0" smtClean="0">
-                <a:latin typeface="Consolas" pitchFamily="49" charset="0"/>
-                <a:cs typeface="Consolas" pitchFamily="49" charset="0"/>
-              </a:rPr>
-              <a:t>)</a:t>
-            </a:r>
-          </a:p>
-          <a:p>
-            <a:pPr>
-              <a:buNone/>
-            </a:pPr>
-            <a:r>
-              <a:rPr lang="fr-FR" sz="1200" dirty="0" err="1" smtClean="0">
-                <a:latin typeface="Consolas" pitchFamily="49" charset="0"/>
-                <a:cs typeface="Consolas" pitchFamily="49" charset="0"/>
-              </a:rPr>
-              <a:t>int</a:t>
-            </a:r>
-            <a:r>
-              <a:rPr lang="fr-FR" sz="1200" dirty="0" smtClean="0">
-                <a:latin typeface="Consolas" pitchFamily="49" charset="0"/>
-                <a:cs typeface="Consolas" pitchFamily="49" charset="0"/>
-              </a:rPr>
-              <a:t> 		</a:t>
-            </a:r>
-            <a:r>
-              <a:rPr lang="fr-FR" sz="1200" dirty="0" err="1" smtClean="0">
-                <a:latin typeface="Consolas" pitchFamily="49" charset="0"/>
-                <a:cs typeface="Consolas" pitchFamily="49" charset="0"/>
-              </a:rPr>
-              <a:t>plateauNbPossibilites</a:t>
-            </a:r>
-            <a:r>
-              <a:rPr lang="fr-FR" sz="1200" dirty="0" smtClean="0">
-                <a:latin typeface="Consolas" pitchFamily="49" charset="0"/>
-                <a:cs typeface="Consolas" pitchFamily="49" charset="0"/>
-              </a:rPr>
-              <a:t> (</a:t>
-            </a:r>
-            <a:r>
-              <a:rPr lang="fr-FR" sz="1200" dirty="0" err="1" smtClean="0">
-                <a:latin typeface="Consolas" pitchFamily="49" charset="0"/>
-                <a:cs typeface="Consolas" pitchFamily="49" charset="0"/>
-              </a:rPr>
-              <a:t>const</a:t>
-            </a:r>
-            <a:r>
-              <a:rPr lang="fr-FR" sz="1200" dirty="0" smtClean="0">
-                <a:latin typeface="Consolas" pitchFamily="49" charset="0"/>
-                <a:cs typeface="Consolas" pitchFamily="49" charset="0"/>
-              </a:rPr>
-              <a:t> Plateau *p, Case *c)</a:t>
-            </a:r>
-          </a:p>
-          <a:p>
-            <a:pPr>
-              <a:buNone/>
-            </a:pPr>
-            <a:r>
-              <a:rPr lang="fr-FR" sz="1200" dirty="0" err="1" smtClean="0">
-                <a:latin typeface="Consolas" pitchFamily="49" charset="0"/>
-                <a:cs typeface="Consolas" pitchFamily="49" charset="0"/>
-              </a:rPr>
-              <a:t>int</a:t>
-            </a:r>
-            <a:r>
-              <a:rPr lang="fr-FR" sz="1200" dirty="0" smtClean="0">
-                <a:latin typeface="Consolas" pitchFamily="49" charset="0"/>
-                <a:cs typeface="Consolas" pitchFamily="49" charset="0"/>
-              </a:rPr>
-              <a:t> 		</a:t>
-            </a:r>
-            <a:r>
-              <a:rPr lang="fr-FR" sz="1200" dirty="0" err="1" smtClean="0">
-                <a:latin typeface="Consolas" pitchFamily="49" charset="0"/>
-                <a:cs typeface="Consolas" pitchFamily="49" charset="0"/>
-              </a:rPr>
-              <a:t>plateauTestCaseProche</a:t>
-            </a:r>
-            <a:r>
-              <a:rPr lang="fr-FR" sz="1200" dirty="0" smtClean="0">
-                <a:latin typeface="Consolas" pitchFamily="49" charset="0"/>
-                <a:cs typeface="Consolas" pitchFamily="49" charset="0"/>
-              </a:rPr>
-              <a:t> (</a:t>
-            </a:r>
-            <a:r>
-              <a:rPr lang="fr-FR" sz="1200" dirty="0" err="1" smtClean="0">
-                <a:latin typeface="Consolas" pitchFamily="49" charset="0"/>
-                <a:cs typeface="Consolas" pitchFamily="49" charset="0"/>
-              </a:rPr>
-              <a:t>int</a:t>
-            </a:r>
-            <a:r>
-              <a:rPr lang="fr-FR" sz="1200" dirty="0" smtClean="0">
-                <a:latin typeface="Consolas" pitchFamily="49" charset="0"/>
-                <a:cs typeface="Consolas" pitchFamily="49" charset="0"/>
-              </a:rPr>
-              <a:t> x, </a:t>
-            </a:r>
-            <a:r>
-              <a:rPr lang="fr-FR" sz="1200" dirty="0" err="1" smtClean="0">
-                <a:latin typeface="Consolas" pitchFamily="49" charset="0"/>
-                <a:cs typeface="Consolas" pitchFamily="49" charset="0"/>
-              </a:rPr>
-              <a:t>int</a:t>
-            </a:r>
-            <a:r>
-              <a:rPr lang="fr-FR" sz="1200" dirty="0" smtClean="0">
-                <a:latin typeface="Consolas" pitchFamily="49" charset="0"/>
-                <a:cs typeface="Consolas" pitchFamily="49" charset="0"/>
-              </a:rPr>
-              <a:t> y)</a:t>
-            </a:r>
-          </a:p>
-          <a:p>
-            <a:pPr>
-              <a:buNone/>
-            </a:pPr>
-            <a:r>
-              <a:rPr lang="fr-FR" sz="1200" dirty="0" err="1" smtClean="0">
-                <a:latin typeface="Consolas" pitchFamily="49" charset="0"/>
-                <a:cs typeface="Consolas" pitchFamily="49" charset="0"/>
-              </a:rPr>
-              <a:t>void</a:t>
-            </a:r>
-            <a:r>
-              <a:rPr lang="fr-FR" sz="1200" dirty="0" smtClean="0">
-                <a:latin typeface="Consolas" pitchFamily="49" charset="0"/>
-                <a:cs typeface="Consolas" pitchFamily="49" charset="0"/>
-              </a:rPr>
-              <a:t> 	</a:t>
-            </a:r>
-            <a:r>
-              <a:rPr lang="fr-FR" sz="1200" dirty="0" err="1" smtClean="0">
-                <a:latin typeface="Consolas" pitchFamily="49" charset="0"/>
-                <a:cs typeface="Consolas" pitchFamily="49" charset="0"/>
-              </a:rPr>
-              <a:t>plateauVolerPions</a:t>
-            </a:r>
-            <a:r>
-              <a:rPr lang="fr-FR" sz="1200" dirty="0" smtClean="0">
-                <a:latin typeface="Consolas" pitchFamily="49" charset="0"/>
-                <a:cs typeface="Consolas" pitchFamily="49" charset="0"/>
-              </a:rPr>
-              <a:t> (Plateau *p, Case *c, </a:t>
-            </a:r>
-            <a:r>
-              <a:rPr lang="fr-FR" sz="1200" dirty="0" err="1" smtClean="0">
-                <a:latin typeface="Consolas" pitchFamily="49" charset="0"/>
-                <a:cs typeface="Consolas" pitchFamily="49" charset="0"/>
-              </a:rPr>
-              <a:t>int</a:t>
-            </a:r>
-            <a:r>
-              <a:rPr lang="fr-FR" sz="1200" dirty="0" smtClean="0">
-                <a:latin typeface="Consolas" pitchFamily="49" charset="0"/>
-                <a:cs typeface="Consolas" pitchFamily="49" charset="0"/>
-              </a:rPr>
-              <a:t> joueur)</a:t>
-            </a:r>
-          </a:p>
-          <a:p>
-            <a:pPr>
-              <a:buNone/>
-            </a:pPr>
-            <a:r>
-              <a:rPr lang="fr-FR" sz="1200" dirty="0" err="1" smtClean="0">
-                <a:latin typeface="Consolas" pitchFamily="49" charset="0"/>
-                <a:cs typeface="Consolas" pitchFamily="49" charset="0"/>
-              </a:rPr>
-              <a:t>int</a:t>
-            </a:r>
-            <a:r>
-              <a:rPr lang="fr-FR" sz="1200" dirty="0" smtClean="0">
-                <a:latin typeface="Consolas" pitchFamily="49" charset="0"/>
-                <a:cs typeface="Consolas" pitchFamily="49" charset="0"/>
-              </a:rPr>
-              <a:t> </a:t>
-            </a:r>
-            <a:r>
-              <a:rPr lang="fr-FR" sz="1200" dirty="0" smtClean="0">
-                <a:latin typeface="Consolas" pitchFamily="49" charset="0"/>
-                <a:cs typeface="Consolas" pitchFamily="49" charset="0"/>
-              </a:rPr>
-              <a:t>		</a:t>
-            </a:r>
-            <a:r>
-              <a:rPr lang="fr-FR" sz="1200" dirty="0" err="1" smtClean="0">
-                <a:latin typeface="Consolas" pitchFamily="49" charset="0"/>
-                <a:cs typeface="Consolas" pitchFamily="49" charset="0"/>
-              </a:rPr>
-              <a:t>plateauNbPionsPerdu</a:t>
-            </a:r>
-            <a:r>
-              <a:rPr lang="fr-FR" sz="1200" dirty="0" smtClean="0">
-                <a:latin typeface="Consolas" pitchFamily="49" charset="0"/>
-                <a:cs typeface="Consolas" pitchFamily="49" charset="0"/>
-              </a:rPr>
-              <a:t> (Plateau *p, Case *c, </a:t>
-            </a:r>
-            <a:r>
-              <a:rPr lang="fr-FR" sz="1200" dirty="0" err="1" smtClean="0">
-                <a:latin typeface="Consolas" pitchFamily="49" charset="0"/>
-                <a:cs typeface="Consolas" pitchFamily="49" charset="0"/>
-              </a:rPr>
-              <a:t>int</a:t>
-            </a:r>
-            <a:r>
-              <a:rPr lang="fr-FR" sz="1200" dirty="0" smtClean="0">
-                <a:latin typeface="Consolas" pitchFamily="49" charset="0"/>
-                <a:cs typeface="Consolas" pitchFamily="49" charset="0"/>
-              </a:rPr>
-              <a:t> joueur)</a:t>
-            </a:r>
-          </a:p>
-          <a:p>
-            <a:pPr>
-              <a:buNone/>
-            </a:pPr>
-            <a:r>
-              <a:rPr lang="fr-FR" sz="1200" dirty="0" err="1" smtClean="0">
-                <a:latin typeface="Consolas" pitchFamily="49" charset="0"/>
-                <a:cs typeface="Consolas" pitchFamily="49" charset="0"/>
-              </a:rPr>
-              <a:t>int</a:t>
-            </a:r>
-            <a:r>
-              <a:rPr lang="fr-FR" sz="1200" dirty="0" smtClean="0">
-                <a:latin typeface="Consolas" pitchFamily="49" charset="0"/>
-                <a:cs typeface="Consolas" pitchFamily="49" charset="0"/>
-              </a:rPr>
-              <a:t> </a:t>
-            </a:r>
-            <a:r>
-              <a:rPr lang="fr-FR" sz="1200" dirty="0" smtClean="0">
-                <a:latin typeface="Consolas" pitchFamily="49" charset="0"/>
-                <a:cs typeface="Consolas" pitchFamily="49" charset="0"/>
-              </a:rPr>
-              <a:t>		</a:t>
-            </a:r>
-            <a:r>
-              <a:rPr lang="fr-FR" sz="1200" dirty="0" err="1" smtClean="0">
-                <a:latin typeface="Consolas" pitchFamily="49" charset="0"/>
-                <a:cs typeface="Consolas" pitchFamily="49" charset="0"/>
-              </a:rPr>
-              <a:t>plateauPeutJouer</a:t>
-            </a:r>
-            <a:r>
-              <a:rPr lang="fr-FR" sz="1200" dirty="0" smtClean="0">
-                <a:latin typeface="Consolas" pitchFamily="49" charset="0"/>
-                <a:cs typeface="Consolas" pitchFamily="49" charset="0"/>
-              </a:rPr>
-              <a:t> (</a:t>
-            </a:r>
-            <a:r>
-              <a:rPr lang="fr-FR" sz="1200" dirty="0" err="1" smtClean="0">
-                <a:latin typeface="Consolas" pitchFamily="49" charset="0"/>
-                <a:cs typeface="Consolas" pitchFamily="49" charset="0"/>
-              </a:rPr>
-              <a:t>const</a:t>
-            </a:r>
-            <a:r>
-              <a:rPr lang="fr-FR" sz="1200" dirty="0" smtClean="0">
-                <a:latin typeface="Consolas" pitchFamily="49" charset="0"/>
-                <a:cs typeface="Consolas" pitchFamily="49" charset="0"/>
-              </a:rPr>
-              <a:t> Plateau *p, </a:t>
-            </a:r>
-            <a:r>
-              <a:rPr lang="fr-FR" sz="1200" dirty="0" err="1" smtClean="0">
-                <a:latin typeface="Consolas" pitchFamily="49" charset="0"/>
-                <a:cs typeface="Consolas" pitchFamily="49" charset="0"/>
-              </a:rPr>
-              <a:t>int</a:t>
-            </a:r>
-            <a:r>
-              <a:rPr lang="fr-FR" sz="1200" dirty="0" smtClean="0">
-                <a:latin typeface="Consolas" pitchFamily="49" charset="0"/>
-                <a:cs typeface="Consolas" pitchFamily="49" charset="0"/>
-              </a:rPr>
-              <a:t> j)</a:t>
-            </a:r>
-          </a:p>
-          <a:p>
-            <a:pPr>
-              <a:buNone/>
-            </a:pPr>
-            <a:r>
-              <a:rPr lang="fr-FR" sz="1200" dirty="0" err="1" smtClean="0">
-                <a:latin typeface="Consolas" pitchFamily="49" charset="0"/>
-                <a:cs typeface="Consolas" pitchFamily="49" charset="0"/>
-              </a:rPr>
-              <a:t>void</a:t>
-            </a:r>
-            <a:r>
-              <a:rPr lang="fr-FR" sz="1200" dirty="0" smtClean="0">
-                <a:latin typeface="Consolas" pitchFamily="49" charset="0"/>
-                <a:cs typeface="Consolas" pitchFamily="49" charset="0"/>
-              </a:rPr>
-              <a:t> </a:t>
-            </a:r>
-            <a:r>
-              <a:rPr lang="fr-FR" sz="1200" dirty="0" smtClean="0">
-                <a:latin typeface="Consolas" pitchFamily="49" charset="0"/>
-                <a:cs typeface="Consolas" pitchFamily="49" charset="0"/>
-              </a:rPr>
-              <a:t>	</a:t>
-            </a:r>
-            <a:r>
-              <a:rPr lang="fr-FR" sz="1200" dirty="0" err="1" smtClean="0">
-                <a:latin typeface="Consolas" pitchFamily="49" charset="0"/>
-                <a:cs typeface="Consolas" pitchFamily="49" charset="0"/>
-              </a:rPr>
-              <a:t>plateauTestament</a:t>
-            </a:r>
-            <a:r>
-              <a:rPr lang="fr-FR" sz="1200" dirty="0" smtClean="0">
-                <a:latin typeface="Consolas" pitchFamily="49" charset="0"/>
-                <a:cs typeface="Consolas" pitchFamily="49" charset="0"/>
-              </a:rPr>
-              <a:t> (Plateau *p)</a:t>
-            </a:r>
-          </a:p>
-          <a:p>
-            <a:pPr>
-              <a:buNone/>
-            </a:pPr>
-            <a:r>
-              <a:rPr lang="fr-FR" sz="1200" dirty="0" err="1" smtClean="0">
-                <a:latin typeface="Consolas" pitchFamily="49" charset="0"/>
-                <a:cs typeface="Consolas" pitchFamily="49" charset="0"/>
-              </a:rPr>
-              <a:t>void</a:t>
-            </a:r>
-            <a:r>
-              <a:rPr lang="fr-FR" sz="1200" dirty="0" smtClean="0">
-                <a:latin typeface="Consolas" pitchFamily="49" charset="0"/>
-                <a:cs typeface="Consolas" pitchFamily="49" charset="0"/>
-              </a:rPr>
-              <a:t> </a:t>
-            </a:r>
-            <a:r>
-              <a:rPr lang="fr-FR" sz="1200" dirty="0" smtClean="0">
-                <a:latin typeface="Consolas" pitchFamily="49" charset="0"/>
-                <a:cs typeface="Consolas" pitchFamily="49" charset="0"/>
-              </a:rPr>
-              <a:t>	</a:t>
-            </a:r>
-            <a:r>
-              <a:rPr lang="fr-FR" sz="1200" dirty="0" err="1" smtClean="0">
-                <a:latin typeface="Consolas" pitchFamily="49" charset="0"/>
-                <a:cs typeface="Consolas" pitchFamily="49" charset="0"/>
-              </a:rPr>
-              <a:t>plateauTestRegression</a:t>
-            </a:r>
-            <a:r>
-              <a:rPr lang="fr-FR" sz="1200" dirty="0" smtClean="0">
-                <a:latin typeface="Consolas" pitchFamily="49" charset="0"/>
-                <a:cs typeface="Consolas" pitchFamily="49" charset="0"/>
-              </a:rPr>
-              <a:t> (</a:t>
-            </a:r>
-            <a:r>
-              <a:rPr lang="fr-FR" sz="1200" dirty="0" err="1" smtClean="0">
-                <a:latin typeface="Consolas" pitchFamily="49" charset="0"/>
-                <a:cs typeface="Consolas" pitchFamily="49" charset="0"/>
-              </a:rPr>
-              <a:t>void</a:t>
-            </a:r>
-            <a:r>
-              <a:rPr lang="fr-FR" sz="1200" dirty="0" smtClean="0">
-                <a:latin typeface="Consolas" pitchFamily="49" charset="0"/>
-                <a:cs typeface="Consolas" pitchFamily="49" charset="0"/>
-              </a:rPr>
-              <a:t>)</a:t>
-            </a:r>
+            <a:endParaRPr lang="fr-FR" sz="1200" dirty="0">
+              <a:latin typeface="Consolas" pitchFamily="49" charset="0"/>
+              <a:cs typeface="Consolas" pitchFamily="49" charset="0"/>
+            </a:endParaRPr>
           </a:p>
           <a:p>
             <a:pPr>
               <a:buNone/>
             </a:pPr>
             <a:endParaRPr lang="fr-FR" sz="1200" dirty="0" smtClean="0">
-              <a:latin typeface="Verdana" pitchFamily="34" charset="0"/>
-              <a:ea typeface="Verdana" pitchFamily="34" charset="0"/>
-              <a:cs typeface="Verdana" pitchFamily="34" charset="0"/>
+              <a:latin typeface="Consolas" pitchFamily="49" charset="0"/>
+              <a:cs typeface="Consolas" pitchFamily="49" charset="0"/>
+            </a:endParaRPr>
+          </a:p>
+          <a:p>
+            <a:pPr>
+              <a:buNone/>
+            </a:pPr>
+            <a:r>
+              <a:rPr lang="fr-FR" sz="1200" dirty="0" err="1" smtClean="0">
+                <a:latin typeface="Consolas" pitchFamily="49" charset="0"/>
+                <a:cs typeface="Consolas" pitchFamily="49" charset="0"/>
+              </a:rPr>
+              <a:t>int</a:t>
+            </a:r>
+            <a:r>
+              <a:rPr lang="fr-FR" sz="1200" dirty="0" smtClean="0">
+                <a:latin typeface="Consolas" pitchFamily="49" charset="0"/>
+                <a:cs typeface="Consolas" pitchFamily="49" charset="0"/>
+              </a:rPr>
+              <a:t> 	Jouer (</a:t>
+            </a:r>
+            <a:r>
+              <a:rPr lang="fr-FR" sz="1200" dirty="0" err="1" smtClean="0">
+                <a:latin typeface="Consolas" pitchFamily="49" charset="0"/>
+                <a:cs typeface="Consolas" pitchFamily="49" charset="0"/>
+              </a:rPr>
+              <a:t>const</a:t>
+            </a:r>
+            <a:r>
+              <a:rPr lang="fr-FR" sz="1200" dirty="0" smtClean="0">
+                <a:latin typeface="Consolas" pitchFamily="49" charset="0"/>
+                <a:cs typeface="Consolas" pitchFamily="49" charset="0"/>
+              </a:rPr>
+              <a:t> </a:t>
+            </a:r>
+            <a:r>
+              <a:rPr lang="fr-FR" sz="1200" dirty="0" err="1" smtClean="0">
+                <a:latin typeface="Consolas" pitchFamily="49" charset="0"/>
+                <a:cs typeface="Consolas" pitchFamily="49" charset="0"/>
+              </a:rPr>
+              <a:t>int</a:t>
+            </a:r>
+            <a:r>
+              <a:rPr lang="fr-FR" sz="1200" dirty="0" smtClean="0">
+                <a:latin typeface="Consolas" pitchFamily="49" charset="0"/>
+                <a:cs typeface="Consolas" pitchFamily="49" charset="0"/>
+              </a:rPr>
+              <a:t> </a:t>
+            </a:r>
+            <a:r>
+              <a:rPr lang="fr-FR" sz="1200" dirty="0" err="1" smtClean="0">
+                <a:latin typeface="Consolas" pitchFamily="49" charset="0"/>
+                <a:cs typeface="Consolas" pitchFamily="49" charset="0"/>
+              </a:rPr>
+              <a:t>contreordinateur</a:t>
+            </a:r>
+            <a:r>
+              <a:rPr lang="fr-FR" sz="1200" dirty="0" smtClean="0">
+                <a:latin typeface="Consolas" pitchFamily="49" charset="0"/>
+                <a:cs typeface="Consolas" pitchFamily="49" charset="0"/>
+              </a:rPr>
+              <a:t>, </a:t>
+            </a:r>
+            <a:r>
+              <a:rPr lang="fr-FR" sz="1200" dirty="0" err="1" smtClean="0">
+                <a:latin typeface="Consolas" pitchFamily="49" charset="0"/>
+                <a:cs typeface="Consolas" pitchFamily="49" charset="0"/>
+              </a:rPr>
+              <a:t>const</a:t>
+            </a:r>
+            <a:r>
+              <a:rPr lang="fr-FR" sz="1200" dirty="0" smtClean="0">
+                <a:latin typeface="Consolas" pitchFamily="49" charset="0"/>
+                <a:cs typeface="Consolas" pitchFamily="49" charset="0"/>
+              </a:rPr>
+              <a:t> </a:t>
+            </a:r>
+            <a:r>
+              <a:rPr lang="fr-FR" sz="1200" dirty="0" err="1" smtClean="0">
+                <a:latin typeface="Consolas" pitchFamily="49" charset="0"/>
+                <a:cs typeface="Consolas" pitchFamily="49" charset="0"/>
+              </a:rPr>
+              <a:t>int</a:t>
+            </a:r>
+            <a:r>
+              <a:rPr lang="fr-FR" sz="1200" dirty="0" smtClean="0">
+                <a:latin typeface="Consolas" pitchFamily="49" charset="0"/>
+                <a:cs typeface="Consolas" pitchFamily="49" charset="0"/>
+              </a:rPr>
+              <a:t> </a:t>
+            </a:r>
+            <a:r>
+              <a:rPr lang="fr-FR" sz="1200" dirty="0" err="1" smtClean="0">
+                <a:latin typeface="Consolas" pitchFamily="49" charset="0"/>
+                <a:cs typeface="Consolas" pitchFamily="49" charset="0"/>
+              </a:rPr>
+              <a:t>niveauordinateur</a:t>
+            </a:r>
+            <a:r>
+              <a:rPr lang="fr-FR" sz="1200" dirty="0" smtClean="0">
+                <a:latin typeface="Consolas" pitchFamily="49" charset="0"/>
+                <a:cs typeface="Consolas" pitchFamily="49" charset="0"/>
+              </a:rPr>
+              <a:t>, </a:t>
+            </a:r>
+            <a:r>
+              <a:rPr lang="fr-FR" sz="1200" dirty="0" err="1" smtClean="0">
+                <a:latin typeface="Consolas" pitchFamily="49" charset="0"/>
+                <a:cs typeface="Consolas" pitchFamily="49" charset="0"/>
+              </a:rPr>
+              <a:t>const</a:t>
+            </a:r>
+            <a:r>
+              <a:rPr lang="fr-FR" sz="1200" dirty="0" smtClean="0">
+                <a:latin typeface="Consolas" pitchFamily="49" charset="0"/>
+                <a:cs typeface="Consolas" pitchFamily="49" charset="0"/>
+              </a:rPr>
+              <a:t> </a:t>
+            </a:r>
+            <a:r>
+              <a:rPr lang="fr-FR" sz="1200" dirty="0" err="1" smtClean="0">
+                <a:latin typeface="Consolas" pitchFamily="49" charset="0"/>
+                <a:cs typeface="Consolas" pitchFamily="49" charset="0"/>
+              </a:rPr>
+              <a:t>int</a:t>
+            </a:r>
+            <a:r>
+              <a:rPr lang="fr-FR" sz="1200" dirty="0" smtClean="0">
+                <a:latin typeface="Consolas" pitchFamily="49" charset="0"/>
+                <a:cs typeface="Consolas" pitchFamily="49" charset="0"/>
+              </a:rPr>
+              <a:t> plateau)</a:t>
+            </a:r>
+          </a:p>
+          <a:p>
+            <a:pPr>
+              <a:buNone/>
+            </a:pPr>
+            <a:endParaRPr lang="fr-FR" sz="1200" dirty="0" smtClean="0">
+              <a:latin typeface="Consolas" pitchFamily="49" charset="0"/>
+              <a:cs typeface="Consolas" pitchFamily="49" charset="0"/>
+            </a:endParaRPr>
+          </a:p>
+          <a:p>
+            <a:pPr>
+              <a:buNone/>
+            </a:pPr>
+            <a:endParaRPr lang="fr-FR" sz="1200" dirty="0">
+              <a:latin typeface="Consolas" pitchFamily="49" charset="0"/>
+              <a:cs typeface="Consolas" pitchFamily="49" charset="0"/>
+            </a:endParaRPr>
+          </a:p>
+          <a:p>
+            <a:pPr>
+              <a:buNone/>
+            </a:pPr>
+            <a:endParaRPr lang="fr-FR" sz="1400" dirty="0">
+              <a:latin typeface="Consolas" pitchFamily="49" charset="0"/>
+              <a:cs typeface="Consolas" pitchFamily="49" charset="0"/>
             </a:endParaRPr>
           </a:p>
           <a:p>
@@ -11958,22 +11810,68 @@
                 <a:ea typeface="Verdana" pitchFamily="34" charset="0"/>
                 <a:cs typeface="Verdana" pitchFamily="34" charset="0"/>
               </a:rPr>
-              <a:t>Module Plateau :</a:t>
-            </a:r>
-            <a:endParaRPr lang="fr-FR" sz="1400" b="1" dirty="0" smtClean="0">
-              <a:latin typeface="Verdana" pitchFamily="34" charset="0"/>
-              <a:ea typeface="Verdana" pitchFamily="34" charset="0"/>
-              <a:cs typeface="Verdana" pitchFamily="34" charset="0"/>
-            </a:endParaRPr>
-          </a:p>
-          <a:p>
+              <a:t>Jeu :</a:t>
+            </a:r>
+          </a:p>
+          <a:p>
+            <a:pPr>
+              <a:spcAft>
+                <a:spcPts val="500"/>
+              </a:spcAft>
+            </a:pPr>
             <a:r>
               <a:rPr lang="fr-FR" sz="1400" dirty="0" smtClean="0">
                 <a:latin typeface="Verdana" pitchFamily="34" charset="0"/>
                 <a:ea typeface="Verdana" pitchFamily="34" charset="0"/>
                 <a:cs typeface="Verdana" pitchFamily="34" charset="0"/>
               </a:rPr>
-              <a:t>Module qui contient le plateau de jeu et notamment : les scores, la liste des cases ainsi que la capacité et le nombre de places restantes.</a:t>
+              <a:t>Fenêtre de jeu dans laquelle se déroule la partie.</a:t>
+            </a:r>
+          </a:p>
+          <a:p>
+            <a:pPr>
+              <a:spcAft>
+                <a:spcPts val="500"/>
+              </a:spcAft>
+            </a:pPr>
+            <a:r>
+              <a:rPr lang="fr-FR" sz="1400" dirty="0" smtClean="0">
+                <a:latin typeface="Verdana" pitchFamily="34" charset="0"/>
+                <a:ea typeface="Verdana" pitchFamily="34" charset="0"/>
+                <a:cs typeface="Verdana" pitchFamily="34" charset="0"/>
+              </a:rPr>
+              <a:t>Le </a:t>
+            </a:r>
+            <a:r>
+              <a:rPr lang="fr-FR" sz="1400" dirty="0" smtClean="0">
+                <a:latin typeface="Verdana" pitchFamily="34" charset="0"/>
+                <a:ea typeface="Verdana" pitchFamily="34" charset="0"/>
+                <a:cs typeface="Verdana" pitchFamily="34" charset="0"/>
+              </a:rPr>
+              <a:t>bouton pour enregistrer la partie est en bas de cette fenêtre.</a:t>
+            </a:r>
+          </a:p>
+          <a:p>
+            <a:pPr>
+              <a:spcAft>
+                <a:spcPts val="500"/>
+              </a:spcAft>
+            </a:pPr>
+            <a:r>
+              <a:rPr lang="fr-FR" sz="1400" dirty="0" smtClean="0">
+                <a:latin typeface="Verdana" pitchFamily="34" charset="0"/>
+                <a:ea typeface="Verdana" pitchFamily="34" charset="0"/>
+                <a:cs typeface="Verdana" pitchFamily="34" charset="0"/>
+              </a:rPr>
+              <a:t>Dans </a:t>
+            </a:r>
+            <a:r>
+              <a:rPr lang="fr-FR" sz="1400" dirty="0" smtClean="0">
+                <a:latin typeface="Verdana" pitchFamily="34" charset="0"/>
+                <a:ea typeface="Verdana" pitchFamily="34" charset="0"/>
+                <a:cs typeface="Verdana" pitchFamily="34" charset="0"/>
+              </a:rPr>
+              <a:t>cette fenêtre, on voit le plateau complet ainsi que les scores des joueurs et le pion de celui qui a la main.</a:t>
             </a:r>
             <a:endParaRPr lang="fr-FR" sz="1400" dirty="0">
               <a:latin typeface="Verdana" pitchFamily="34" charset="0"/>
@@ -12108,369 +12006,9 @@
           <a:p>
             <a:r>
               <a:rPr lang="fr-FR" dirty="0" smtClean="0"/>
-              <a:t>Case</a:t>
+              <a:t>Aperçu du jeu</a:t>
             </a:r>
             <a:endParaRPr lang="fr-FR" dirty="0"/>
-          </a:p>
-        </p:txBody>
-      </p:sp>
-      <p:sp>
-        <p:nvSpPr>
-          <p:cNvPr id="5" name="Espace réservé du contenu 4"/>
-          <p:cNvSpPr>
-            <a:spLocks noGrp="1"/>
-          </p:cNvSpPr>
-          <p:nvPr>
-            <p:ph idx="1"/>
-          </p:nvPr>
-        </p:nvSpPr>
-        <p:spPr>
-          <a:xfrm>
-            <a:off x="590872" y="1196752"/>
-            <a:ext cx="8229600" cy="5069160"/>
-          </a:xfrm>
-        </p:spPr>
-        <p:txBody>
-          <a:bodyPr>
-            <a:noAutofit/>
-          </a:bodyPr>
-          <a:lstStyle/>
-          <a:p>
-            <a:pPr>
-              <a:buNone/>
-            </a:pPr>
-            <a:endParaRPr lang="fr-FR" sz="1200" dirty="0" smtClean="0">
-              <a:latin typeface="Consolas" pitchFamily="49" charset="0"/>
-              <a:cs typeface="Consolas" pitchFamily="49" charset="0"/>
-            </a:endParaRPr>
-          </a:p>
-          <a:p>
-            <a:pPr>
-              <a:buNone/>
-            </a:pPr>
-            <a:endParaRPr lang="fr-FR" sz="1200" dirty="0">
-              <a:latin typeface="Consolas" pitchFamily="49" charset="0"/>
-              <a:cs typeface="Consolas" pitchFamily="49" charset="0"/>
-            </a:endParaRPr>
-          </a:p>
-          <a:p>
-            <a:pPr>
-              <a:buNone/>
-            </a:pPr>
-            <a:endParaRPr lang="fr-FR" sz="1200" dirty="0" smtClean="0">
-              <a:latin typeface="Consolas" pitchFamily="49" charset="0"/>
-              <a:cs typeface="Consolas" pitchFamily="49" charset="0"/>
-            </a:endParaRPr>
-          </a:p>
-          <a:p>
-            <a:pPr>
-              <a:buNone/>
-            </a:pPr>
-            <a:r>
-              <a:rPr lang="fr-FR" sz="1200" dirty="0" smtClean="0">
-                <a:latin typeface="Consolas" pitchFamily="49" charset="0"/>
-                <a:cs typeface="Consolas" pitchFamily="49" charset="0"/>
-              </a:rPr>
-              <a:t>Case * 	</a:t>
-            </a:r>
-            <a:r>
-              <a:rPr lang="fr-FR" sz="1200" dirty="0" err="1" smtClean="0">
-                <a:latin typeface="Consolas" pitchFamily="49" charset="0"/>
-                <a:cs typeface="Consolas" pitchFamily="49" charset="0"/>
-              </a:rPr>
-              <a:t>caseInit</a:t>
-            </a:r>
-            <a:r>
-              <a:rPr lang="fr-FR" sz="1200" dirty="0" smtClean="0">
-                <a:latin typeface="Consolas" pitchFamily="49" charset="0"/>
-                <a:cs typeface="Consolas" pitchFamily="49" charset="0"/>
-              </a:rPr>
-              <a:t> (</a:t>
-            </a:r>
-            <a:r>
-              <a:rPr lang="fr-FR" sz="1200" dirty="0" err="1" smtClean="0">
-                <a:latin typeface="Consolas" pitchFamily="49" charset="0"/>
-                <a:cs typeface="Consolas" pitchFamily="49" charset="0"/>
-              </a:rPr>
-              <a:t>void</a:t>
-            </a:r>
-            <a:r>
-              <a:rPr lang="fr-FR" sz="1200" dirty="0" smtClean="0">
-                <a:latin typeface="Consolas" pitchFamily="49" charset="0"/>
-                <a:cs typeface="Consolas" pitchFamily="49" charset="0"/>
-              </a:rPr>
-              <a:t>)</a:t>
-            </a:r>
-          </a:p>
-          <a:p>
-            <a:pPr>
-              <a:buNone/>
-            </a:pPr>
-            <a:r>
-              <a:rPr lang="fr-FR" sz="1200" dirty="0" err="1" smtClean="0">
-                <a:latin typeface="Consolas" pitchFamily="49" charset="0"/>
-                <a:cs typeface="Consolas" pitchFamily="49" charset="0"/>
-              </a:rPr>
-              <a:t>int</a:t>
-            </a:r>
-            <a:r>
-              <a:rPr lang="fr-FR" sz="1200" dirty="0" smtClean="0">
-                <a:latin typeface="Consolas" pitchFamily="49" charset="0"/>
-                <a:cs typeface="Consolas" pitchFamily="49" charset="0"/>
-              </a:rPr>
-              <a:t> </a:t>
-            </a:r>
-            <a:r>
-              <a:rPr lang="fr-FR" sz="1200" dirty="0" smtClean="0">
-                <a:latin typeface="Consolas" pitchFamily="49" charset="0"/>
-                <a:cs typeface="Consolas" pitchFamily="49" charset="0"/>
-              </a:rPr>
-              <a:t>		</a:t>
-            </a:r>
-            <a:r>
-              <a:rPr lang="fr-FR" sz="1200" dirty="0" err="1" smtClean="0">
-                <a:latin typeface="Consolas" pitchFamily="49" charset="0"/>
-                <a:cs typeface="Consolas" pitchFamily="49" charset="0"/>
-              </a:rPr>
-              <a:t>caseTestCoordonnees</a:t>
-            </a:r>
-            <a:r>
-              <a:rPr lang="fr-FR" sz="1200" dirty="0" smtClean="0">
-                <a:latin typeface="Consolas" pitchFamily="49" charset="0"/>
-                <a:cs typeface="Consolas" pitchFamily="49" charset="0"/>
-              </a:rPr>
-              <a:t> (Case *c, </a:t>
-            </a:r>
-            <a:r>
-              <a:rPr lang="fr-FR" sz="1200" dirty="0" err="1" smtClean="0">
-                <a:latin typeface="Consolas" pitchFamily="49" charset="0"/>
-                <a:cs typeface="Consolas" pitchFamily="49" charset="0"/>
-              </a:rPr>
-              <a:t>int</a:t>
-            </a:r>
-            <a:r>
-              <a:rPr lang="fr-FR" sz="1200" dirty="0" smtClean="0">
-                <a:latin typeface="Consolas" pitchFamily="49" charset="0"/>
-                <a:cs typeface="Consolas" pitchFamily="49" charset="0"/>
-              </a:rPr>
-              <a:t> </a:t>
-            </a:r>
-            <a:r>
-              <a:rPr lang="fr-FR" sz="1200" dirty="0" err="1" smtClean="0">
-                <a:latin typeface="Consolas" pitchFamily="49" charset="0"/>
-                <a:cs typeface="Consolas" pitchFamily="49" charset="0"/>
-              </a:rPr>
-              <a:t>sx</a:t>
-            </a:r>
-            <a:r>
-              <a:rPr lang="fr-FR" sz="1200" dirty="0" smtClean="0">
-                <a:latin typeface="Consolas" pitchFamily="49" charset="0"/>
-                <a:cs typeface="Consolas" pitchFamily="49" charset="0"/>
-              </a:rPr>
-              <a:t>, </a:t>
-            </a:r>
-            <a:r>
-              <a:rPr lang="fr-FR" sz="1200" dirty="0" err="1" smtClean="0">
-                <a:latin typeface="Consolas" pitchFamily="49" charset="0"/>
-                <a:cs typeface="Consolas" pitchFamily="49" charset="0"/>
-              </a:rPr>
-              <a:t>int</a:t>
-            </a:r>
-            <a:r>
-              <a:rPr lang="fr-FR" sz="1200" dirty="0" smtClean="0">
-                <a:latin typeface="Consolas" pitchFamily="49" charset="0"/>
-                <a:cs typeface="Consolas" pitchFamily="49" charset="0"/>
-              </a:rPr>
-              <a:t> </a:t>
-            </a:r>
-            <a:r>
-              <a:rPr lang="fr-FR" sz="1200" dirty="0" err="1" smtClean="0">
-                <a:latin typeface="Consolas" pitchFamily="49" charset="0"/>
-                <a:cs typeface="Consolas" pitchFamily="49" charset="0"/>
-              </a:rPr>
-              <a:t>sy</a:t>
-            </a:r>
-            <a:r>
-              <a:rPr lang="fr-FR" sz="1200" dirty="0" smtClean="0">
-                <a:latin typeface="Consolas" pitchFamily="49" charset="0"/>
-                <a:cs typeface="Consolas" pitchFamily="49" charset="0"/>
-              </a:rPr>
-              <a:t>)</a:t>
-            </a:r>
-          </a:p>
-          <a:p>
-            <a:pPr>
-              <a:buNone/>
-            </a:pPr>
-            <a:r>
-              <a:rPr lang="fr-FR" sz="1200" dirty="0" err="1" smtClean="0">
-                <a:latin typeface="Consolas" pitchFamily="49" charset="0"/>
-                <a:cs typeface="Consolas" pitchFamily="49" charset="0"/>
-              </a:rPr>
-              <a:t>void</a:t>
-            </a:r>
-            <a:r>
-              <a:rPr lang="fr-FR" sz="1200" dirty="0" smtClean="0">
-                <a:latin typeface="Consolas" pitchFamily="49" charset="0"/>
-                <a:cs typeface="Consolas" pitchFamily="49" charset="0"/>
-              </a:rPr>
-              <a:t> 	</a:t>
-            </a:r>
-            <a:r>
-              <a:rPr lang="fr-FR" sz="1200" dirty="0" err="1" smtClean="0">
-                <a:latin typeface="Consolas" pitchFamily="49" charset="0"/>
-                <a:cs typeface="Consolas" pitchFamily="49" charset="0"/>
-              </a:rPr>
-              <a:t>caseTestament</a:t>
-            </a:r>
-            <a:r>
-              <a:rPr lang="fr-FR" sz="1200" dirty="0" smtClean="0">
-                <a:latin typeface="Consolas" pitchFamily="49" charset="0"/>
-                <a:cs typeface="Consolas" pitchFamily="49" charset="0"/>
-              </a:rPr>
-              <a:t> (Case *c)</a:t>
-            </a:r>
-          </a:p>
-          <a:p>
-            <a:pPr>
-              <a:buNone/>
-            </a:pPr>
-            <a:r>
-              <a:rPr lang="fr-FR" sz="1200" dirty="0" err="1" smtClean="0">
-                <a:latin typeface="Consolas" pitchFamily="49" charset="0"/>
-                <a:cs typeface="Consolas" pitchFamily="49" charset="0"/>
-              </a:rPr>
-              <a:t>void</a:t>
-            </a:r>
-            <a:r>
-              <a:rPr lang="fr-FR" sz="1200" dirty="0" smtClean="0">
-                <a:latin typeface="Consolas" pitchFamily="49" charset="0"/>
-                <a:cs typeface="Consolas" pitchFamily="49" charset="0"/>
-              </a:rPr>
-              <a:t> 	</a:t>
-            </a:r>
-            <a:r>
-              <a:rPr lang="fr-FR" sz="1200" dirty="0" err="1" smtClean="0">
-                <a:latin typeface="Consolas" pitchFamily="49" charset="0"/>
-                <a:cs typeface="Consolas" pitchFamily="49" charset="0"/>
-              </a:rPr>
-              <a:t>caseTestRegression</a:t>
-            </a:r>
-            <a:r>
-              <a:rPr lang="fr-FR" sz="1200" dirty="0" smtClean="0">
-                <a:latin typeface="Consolas" pitchFamily="49" charset="0"/>
-                <a:cs typeface="Consolas" pitchFamily="49" charset="0"/>
-              </a:rPr>
-              <a:t> (</a:t>
-            </a:r>
-            <a:r>
-              <a:rPr lang="fr-FR" sz="1200" dirty="0" err="1" smtClean="0">
-                <a:latin typeface="Consolas" pitchFamily="49" charset="0"/>
-                <a:cs typeface="Consolas" pitchFamily="49" charset="0"/>
-              </a:rPr>
-              <a:t>void</a:t>
-            </a:r>
-            <a:r>
-              <a:rPr lang="fr-FR" sz="1200" dirty="0" smtClean="0">
-                <a:latin typeface="Consolas" pitchFamily="49" charset="0"/>
-                <a:cs typeface="Consolas" pitchFamily="49" charset="0"/>
-              </a:rPr>
-              <a:t>)</a:t>
-            </a:r>
-          </a:p>
-          <a:p>
-            <a:pPr>
-              <a:buNone/>
-            </a:pPr>
-            <a:endParaRPr lang="fr-FR" sz="1200" dirty="0" smtClean="0">
-              <a:latin typeface="Verdana" pitchFamily="34" charset="0"/>
-              <a:ea typeface="Verdana" pitchFamily="34" charset="0"/>
-              <a:cs typeface="Verdana" pitchFamily="34" charset="0"/>
-            </a:endParaRPr>
-          </a:p>
-          <a:p>
-            <a:pPr>
-              <a:buNone/>
-            </a:pPr>
-            <a:r>
-              <a:rPr lang="fr-FR" sz="1400" b="1" dirty="0" smtClean="0">
-                <a:latin typeface="Verdana" pitchFamily="34" charset="0"/>
-                <a:ea typeface="Verdana" pitchFamily="34" charset="0"/>
-                <a:cs typeface="Verdana" pitchFamily="34" charset="0"/>
-              </a:rPr>
-              <a:t>Module Case :</a:t>
-            </a:r>
-          </a:p>
-          <a:p>
-            <a:r>
-              <a:rPr lang="fr-FR" sz="1400" dirty="0" smtClean="0">
-                <a:latin typeface="Verdana" pitchFamily="34" charset="0"/>
-                <a:ea typeface="Verdana" pitchFamily="34" charset="0"/>
-                <a:cs typeface="Verdana" pitchFamily="34" charset="0"/>
-              </a:rPr>
-              <a:t>Contient les informations sur une case :</a:t>
-            </a:r>
-          </a:p>
-          <a:p>
-            <a:pPr lvl="1"/>
-            <a:r>
-              <a:rPr lang="fr-FR" sz="1400" dirty="0" smtClean="0">
-                <a:latin typeface="Verdana" pitchFamily="34" charset="0"/>
-                <a:ea typeface="Verdana" pitchFamily="34" charset="0"/>
-                <a:cs typeface="Verdana" pitchFamily="34" charset="0"/>
-              </a:rPr>
-              <a:t>Coordonnées</a:t>
-            </a:r>
-          </a:p>
-          <a:p>
-            <a:pPr lvl="1"/>
-            <a:r>
-              <a:rPr lang="fr-FR" sz="1400" dirty="0" smtClean="0">
-                <a:latin typeface="Verdana" pitchFamily="34" charset="0"/>
-                <a:ea typeface="Verdana" pitchFamily="34" charset="0"/>
-                <a:cs typeface="Verdana" pitchFamily="34" charset="0"/>
-              </a:rPr>
-              <a:t>Joueur présent</a:t>
-            </a:r>
-          </a:p>
-          <a:p>
-            <a:pPr lvl="1"/>
-            <a:endParaRPr lang="fr-FR" sz="1400" dirty="0" smtClean="0">
-              <a:latin typeface="Verdana" pitchFamily="34" charset="0"/>
-              <a:ea typeface="Verdana" pitchFamily="34" charset="0"/>
-              <a:cs typeface="Verdana" pitchFamily="34" charset="0"/>
-            </a:endParaRPr>
-          </a:p>
-          <a:p>
-            <a:r>
-              <a:rPr lang="fr-FR" sz="1400" dirty="0" smtClean="0">
-                <a:latin typeface="Verdana" pitchFamily="34" charset="0"/>
-                <a:ea typeface="Verdana" pitchFamily="34" charset="0"/>
-                <a:cs typeface="Verdana" pitchFamily="34" charset="0"/>
-              </a:rPr>
-              <a:t>Le syst</a:t>
-            </a:r>
-            <a:r>
-              <a:rPr lang="fr-FR" sz="1400" dirty="0" smtClean="0">
-                <a:latin typeface="Verdana" pitchFamily="34" charset="0"/>
-                <a:ea typeface="Verdana" pitchFamily="34" charset="0"/>
-                <a:cs typeface="Verdana" pitchFamily="34" charset="0"/>
-              </a:rPr>
-              <a:t>ème de coordonnées est indépendant de l’affichage : fonctions de conversion nécessaires.</a:t>
-            </a:r>
-            <a:endParaRPr lang="fr-FR" sz="1400" dirty="0" smtClean="0">
-              <a:latin typeface="Verdana" pitchFamily="34" charset="0"/>
-              <a:ea typeface="Verdana" pitchFamily="34" charset="0"/>
-              <a:cs typeface="Verdana" pitchFamily="34" charset="0"/>
-            </a:endParaRPr>
-          </a:p>
-          <a:p>
-            <a:pPr lvl="1"/>
-            <a:endParaRPr lang="fr-FR" sz="1200" dirty="0">
-              <a:latin typeface="Verdana" pitchFamily="34" charset="0"/>
-              <a:ea typeface="Verdana" pitchFamily="34" charset="0"/>
-              <a:cs typeface="Verdana" pitchFamily="34" charset="0"/>
-            </a:endParaRPr>
           </a:p>
         </p:txBody>
       </p:sp>
@@ -12497,6 +12035,40 @@
           </a:p>
         </p:txBody>
       </p:sp>
+      <p:pic>
+        <p:nvPicPr>
+          <p:cNvPr id="2051" name="Picture 3"/>
+          <p:cNvPicPr>
+            <a:picLocks noGrp="1" noChangeAspect="1" noChangeArrowheads="1"/>
+          </p:cNvPicPr>
+          <p:nvPr>
+            <p:ph idx="1"/>
+          </p:nvPr>
+        </p:nvPicPr>
+        <p:blipFill>
+          <a:blip r:embed="rId2" cstate="print"/>
+          <a:srcRect l="816" t="3814" r="1885" b="2317"/>
+          <a:stretch>
+            <a:fillRect/>
+          </a:stretch>
+        </p:blipFill>
+        <p:spPr bwMode="auto">
+          <a:xfrm>
+            <a:off x="1259632" y="1772816"/>
+            <a:ext cx="6552728" cy="4248472"/>
+          </a:xfrm>
+          <a:prstGeom prst="rect">
+            <a:avLst/>
+          </a:prstGeom>
+          <a:noFill/>
+          <a:ln w="9525">
+            <a:noFill/>
+            <a:miter lim="800000"/>
+            <a:headEnd/>
+            <a:tailEnd/>
+          </a:ln>
+        </p:spPr>
+      </p:pic>
       <p:sp>
         <p:nvSpPr>
           <p:cNvPr id="2" name="Espace réservé de la date 1"/>
@@ -12522,7 +12094,7 @@
       </p:sp>
       <p:sp>
         <p:nvSpPr>
-          <p:cNvPr id="6" name="Espace réservé du numéro de diapositive 5"/>
+          <p:cNvPr id="5" name="Espace réservé du numéro de diapositive 4"/>
           <p:cNvSpPr>
             <a:spLocks noGrp="1"/>
           </p:cNvSpPr>

--- a/projet/doc/presentation-projet.pptx
+++ b/projet/doc/presentation-projet.pptx
@@ -5403,8 +5403,32 @@
                 <a:ea typeface="Verdana" pitchFamily="34" charset="0"/>
                 <a:cs typeface="Verdana" pitchFamily="34" charset="0"/>
               </a:rPr>
-              <a:t>Joueur présent</a:t>
-            </a:r>
+              <a:t>Joueur </a:t>
+            </a:r>
+            <a:r>
+              <a:rPr lang="fr-FR" sz="1400" dirty="0" smtClean="0">
+                <a:latin typeface="Verdana" pitchFamily="34" charset="0"/>
+                <a:ea typeface="Verdana" pitchFamily="34" charset="0"/>
+                <a:cs typeface="Verdana" pitchFamily="34" charset="0"/>
+              </a:rPr>
+              <a:t>présent</a:t>
+            </a:r>
+          </a:p>
+          <a:p>
+            <a:pPr lvl="1"/>
+            <a:r>
+              <a:rPr lang="fr-FR" sz="1400" smtClean="0">
+                <a:latin typeface="Verdana" pitchFamily="34" charset="0"/>
+                <a:ea typeface="Verdana" pitchFamily="34" charset="0"/>
+                <a:cs typeface="Verdana" pitchFamily="34" charset="0"/>
+              </a:rPr>
+              <a:t>Libre</a:t>
+            </a:r>
+            <a:endParaRPr lang="fr-FR" sz="1400" dirty="0" smtClean="0">
+              <a:latin typeface="Verdana" pitchFamily="34" charset="0"/>
+              <a:ea typeface="Verdana" pitchFamily="34" charset="0"/>
+              <a:cs typeface="Verdana" pitchFamily="34" charset="0"/>
+            </a:endParaRPr>
           </a:p>
           <a:p>
             <a:pPr lvl="1"/>
